--- a/Spark_checkpoint.pptx
+++ b/Spark_checkpoint.pptx
@@ -5,7 +5,7 @@
     <p:sldMasterId id="2147483648" r:id="rId1"/>
   </p:sldMasterIdLst>
   <p:notesMasterIdLst>
-    <p:notesMasterId r:id="rId27"/>
+    <p:notesMasterId r:id="rId29"/>
   </p:notesMasterIdLst>
   <p:sldIdLst>
     <p:sldId id="257" r:id="rId2"/>
@@ -14,25 +14,27 @@
     <p:sldId id="322" r:id="rId5"/>
     <p:sldId id="321" r:id="rId6"/>
     <p:sldId id="324" r:id="rId7"/>
-    <p:sldId id="303" r:id="rId8"/>
-    <p:sldId id="304" r:id="rId9"/>
-    <p:sldId id="305" r:id="rId10"/>
-    <p:sldId id="306" r:id="rId11"/>
-    <p:sldId id="313" r:id="rId12"/>
-    <p:sldId id="307" r:id="rId13"/>
-    <p:sldId id="308" r:id="rId14"/>
-    <p:sldId id="309" r:id="rId15"/>
-    <p:sldId id="311" r:id="rId16"/>
-    <p:sldId id="310" r:id="rId17"/>
-    <p:sldId id="312" r:id="rId18"/>
-    <p:sldId id="314" r:id="rId19"/>
-    <p:sldId id="315" r:id="rId20"/>
-    <p:sldId id="316" r:id="rId21"/>
-    <p:sldId id="317" r:id="rId22"/>
-    <p:sldId id="318" r:id="rId23"/>
-    <p:sldId id="319" r:id="rId24"/>
-    <p:sldId id="320" r:id="rId25"/>
-    <p:sldId id="269" r:id="rId26"/>
+    <p:sldId id="326" r:id="rId8"/>
+    <p:sldId id="303" r:id="rId9"/>
+    <p:sldId id="304" r:id="rId10"/>
+    <p:sldId id="305" r:id="rId11"/>
+    <p:sldId id="306" r:id="rId12"/>
+    <p:sldId id="313" r:id="rId13"/>
+    <p:sldId id="307" r:id="rId14"/>
+    <p:sldId id="308" r:id="rId15"/>
+    <p:sldId id="309" r:id="rId16"/>
+    <p:sldId id="311" r:id="rId17"/>
+    <p:sldId id="310" r:id="rId18"/>
+    <p:sldId id="312" r:id="rId19"/>
+    <p:sldId id="314" r:id="rId20"/>
+    <p:sldId id="315" r:id="rId21"/>
+    <p:sldId id="316" r:id="rId22"/>
+    <p:sldId id="317" r:id="rId23"/>
+    <p:sldId id="318" r:id="rId24"/>
+    <p:sldId id="319" r:id="rId25"/>
+    <p:sldId id="320" r:id="rId26"/>
+    <p:sldId id="325" r:id="rId27"/>
+    <p:sldId id="269" r:id="rId28"/>
   </p:sldIdLst>
   <p:sldSz cx="12192000" cy="6858000"/>
   <p:notesSz cx="6858000" cy="9144000"/>
@@ -221,7 +223,7 @@
           <a:p>
             <a:fld id="{6FE37721-1188-47D5-9044-022ECE8C9E54}" type="datetimeFigureOut">
               <a:rPr lang="ru-RU" smtClean="0"/>
-              <a:t>16.02.2021</a:t>
+              <a:t>21.02.2021</a:t>
             </a:fld>
             <a:endParaRPr lang="ru-RU"/>
           </a:p>
@@ -554,7 +556,7 @@
           <a:p>
             <a:fld id="{0EE76F98-AD14-48F8-8B6B-9248A8B97F81}" type="slidenum">
               <a:rPr lang="ru-RU" smtClean="0"/>
-              <a:t>8</a:t>
+              <a:t>9</a:t>
             </a:fld>
             <a:endParaRPr lang="ru-RU"/>
           </a:p>
@@ -704,7 +706,7 @@
           <a:p>
             <a:fld id="{B7A4174B-3865-4C52-8BB2-B1080AE4813B}" type="datetimeFigureOut">
               <a:rPr lang="ru-RU" smtClean="0"/>
-              <a:t>16.02.2021</a:t>
+              <a:t>21.02.2021</a:t>
             </a:fld>
             <a:endParaRPr lang="ru-RU"/>
           </a:p>
@@ -874,7 +876,7 @@
           <a:p>
             <a:fld id="{B7A4174B-3865-4C52-8BB2-B1080AE4813B}" type="datetimeFigureOut">
               <a:rPr lang="ru-RU" smtClean="0"/>
-              <a:t>16.02.2021</a:t>
+              <a:t>21.02.2021</a:t>
             </a:fld>
             <a:endParaRPr lang="ru-RU"/>
           </a:p>
@@ -1054,7 +1056,7 @@
           <a:p>
             <a:fld id="{B7A4174B-3865-4C52-8BB2-B1080AE4813B}" type="datetimeFigureOut">
               <a:rPr lang="ru-RU" smtClean="0"/>
-              <a:t>16.02.2021</a:t>
+              <a:t>21.02.2021</a:t>
             </a:fld>
             <a:endParaRPr lang="ru-RU"/>
           </a:p>
@@ -1224,7 +1226,7 @@
           <a:p>
             <a:fld id="{B7A4174B-3865-4C52-8BB2-B1080AE4813B}" type="datetimeFigureOut">
               <a:rPr lang="ru-RU" smtClean="0"/>
-              <a:t>16.02.2021</a:t>
+              <a:t>21.02.2021</a:t>
             </a:fld>
             <a:endParaRPr lang="ru-RU"/>
           </a:p>
@@ -1470,7 +1472,7 @@
           <a:p>
             <a:fld id="{B7A4174B-3865-4C52-8BB2-B1080AE4813B}" type="datetimeFigureOut">
               <a:rPr lang="ru-RU" smtClean="0"/>
-              <a:t>16.02.2021</a:t>
+              <a:t>21.02.2021</a:t>
             </a:fld>
             <a:endParaRPr lang="ru-RU"/>
           </a:p>
@@ -1702,7 +1704,7 @@
           <a:p>
             <a:fld id="{B7A4174B-3865-4C52-8BB2-B1080AE4813B}" type="datetimeFigureOut">
               <a:rPr lang="ru-RU" smtClean="0"/>
-              <a:t>16.02.2021</a:t>
+              <a:t>21.02.2021</a:t>
             </a:fld>
             <a:endParaRPr lang="ru-RU"/>
           </a:p>
@@ -2069,7 +2071,7 @@
           <a:p>
             <a:fld id="{B7A4174B-3865-4C52-8BB2-B1080AE4813B}" type="datetimeFigureOut">
               <a:rPr lang="ru-RU" smtClean="0"/>
-              <a:t>16.02.2021</a:t>
+              <a:t>21.02.2021</a:t>
             </a:fld>
             <a:endParaRPr lang="ru-RU"/>
           </a:p>
@@ -2187,7 +2189,7 @@
           <a:p>
             <a:fld id="{B7A4174B-3865-4C52-8BB2-B1080AE4813B}" type="datetimeFigureOut">
               <a:rPr lang="ru-RU" smtClean="0"/>
-              <a:t>16.02.2021</a:t>
+              <a:t>21.02.2021</a:t>
             </a:fld>
             <a:endParaRPr lang="ru-RU"/>
           </a:p>
@@ -2282,7 +2284,7 @@
           <a:p>
             <a:fld id="{B7A4174B-3865-4C52-8BB2-B1080AE4813B}" type="datetimeFigureOut">
               <a:rPr lang="ru-RU" smtClean="0"/>
-              <a:t>16.02.2021</a:t>
+              <a:t>21.02.2021</a:t>
             </a:fld>
             <a:endParaRPr lang="ru-RU"/>
           </a:p>
@@ -2559,7 +2561,7 @@
           <a:p>
             <a:fld id="{B7A4174B-3865-4C52-8BB2-B1080AE4813B}" type="datetimeFigureOut">
               <a:rPr lang="ru-RU" smtClean="0"/>
-              <a:t>16.02.2021</a:t>
+              <a:t>21.02.2021</a:t>
             </a:fld>
             <a:endParaRPr lang="ru-RU"/>
           </a:p>
@@ -2812,7 +2814,7 @@
           <a:p>
             <a:fld id="{B7A4174B-3865-4C52-8BB2-B1080AE4813B}" type="datetimeFigureOut">
               <a:rPr lang="ru-RU" smtClean="0"/>
-              <a:t>16.02.2021</a:t>
+              <a:t>21.02.2021</a:t>
             </a:fld>
             <a:endParaRPr lang="ru-RU"/>
           </a:p>
@@ -3025,7 +3027,7 @@
           <a:p>
             <a:fld id="{B7A4174B-3865-4C52-8BB2-B1080AE4813B}" type="datetimeFigureOut">
               <a:rPr lang="ru-RU" smtClean="0"/>
-              <a:t>16.02.2021</a:t>
+              <a:t>21.02.2021</a:t>
             </a:fld>
             <a:endParaRPr lang="ru-RU"/>
           </a:p>
@@ -3585,6 +3587,407 @@
       </p:grpSpPr>
       <p:sp>
         <p:nvSpPr>
+          <p:cNvPr id="5" name="Прямоугольник 4"/>
+          <p:cNvSpPr/>
+          <p:nvPr/>
+        </p:nvSpPr>
+        <p:spPr>
+          <a:xfrm>
+            <a:off x="0" y="1053529"/>
+            <a:ext cx="12192000" cy="5632311"/>
+          </a:xfrm>
+          <a:prstGeom prst="rect">
+            <a:avLst/>
+          </a:prstGeom>
+        </p:spPr>
+        <p:txBody>
+          <a:bodyPr wrap="square">
+            <a:spAutoFit/>
+          </a:bodyPr>
+          <a:lstStyle/>
+          <a:p>
+            <a:r>
+              <a:rPr lang="en-US" dirty="0"/>
+              <a:t> </a:t>
+            </a:r>
+            <a:r>
+              <a:rPr lang="en-US" dirty="0" smtClean="0"/>
+              <a:t>     // </a:t>
+            </a:r>
+            <a:r>
+              <a:rPr lang="en-US" dirty="0"/>
+              <a:t>Takes the first leaf partitioning whenever we see a `</a:t>
+            </a:r>
+            <a:r>
+              <a:rPr lang="en-US" dirty="0" err="1"/>
+              <a:t>PartitioningCollection</a:t>
+            </a:r>
+            <a:r>
+              <a:rPr lang="en-US" dirty="0"/>
+              <a:t>`. Otherwise the</a:t>
+            </a:r>
+          </a:p>
+          <a:p>
+            <a:r>
+              <a:rPr lang="en-US" dirty="0"/>
+              <a:t>      // size of `</a:t>
+            </a:r>
+            <a:r>
+              <a:rPr lang="en-US" dirty="0" err="1"/>
+              <a:t>PartitioningCollection</a:t>
+            </a:r>
+            <a:r>
+              <a:rPr lang="en-US" dirty="0"/>
+              <a:t>` may grow exponentially for queries involving deep inner</a:t>
+            </a:r>
+          </a:p>
+          <a:p>
+            <a:r>
+              <a:rPr lang="en-US" dirty="0"/>
+              <a:t>      // </a:t>
+            </a:r>
+            <a:r>
+              <a:rPr lang="en-US" dirty="0" smtClean="0"/>
+              <a:t>joins</a:t>
+            </a:r>
+            <a:r>
+              <a:rPr lang="en-US" dirty="0"/>
+              <a:t>.</a:t>
+            </a:r>
+          </a:p>
+          <a:p>
+            <a:r>
+              <a:rPr lang="en-US" dirty="0"/>
+              <a:t>      </a:t>
+            </a:r>
+            <a:r>
+              <a:rPr lang="en-US" dirty="0" err="1"/>
+              <a:t>def</a:t>
+            </a:r>
+            <a:r>
+              <a:rPr lang="en-US" dirty="0"/>
+              <a:t> </a:t>
+            </a:r>
+            <a:r>
+              <a:rPr lang="en-US" dirty="0" err="1"/>
+              <a:t>firstLeafPartitioning</a:t>
+            </a:r>
+            <a:r>
+              <a:rPr lang="en-US" dirty="0"/>
+              <a:t>(partitioning: Partitioning): Partitioning = {</a:t>
+            </a:r>
+          </a:p>
+          <a:p>
+            <a:r>
+              <a:rPr lang="en-US" dirty="0"/>
+              <a:t>        partitioning match {</a:t>
+            </a:r>
+          </a:p>
+          <a:p>
+            <a:r>
+              <a:rPr lang="en-US" dirty="0"/>
+              <a:t>          case p: </a:t>
+            </a:r>
+            <a:r>
+              <a:rPr lang="en-US" dirty="0" err="1"/>
+              <a:t>PartitioningCollection</a:t>
+            </a:r>
+            <a:r>
+              <a:rPr lang="en-US" dirty="0"/>
+              <a:t> =&gt; </a:t>
+            </a:r>
+            <a:r>
+              <a:rPr lang="en-US" dirty="0" err="1"/>
+              <a:t>firstLeafPartitioning</a:t>
+            </a:r>
+            <a:r>
+              <a:rPr lang="en-US" dirty="0"/>
+              <a:t>(</a:t>
+            </a:r>
+            <a:r>
+              <a:rPr lang="en-US" dirty="0" err="1"/>
+              <a:t>p.partitionings.head</a:t>
+            </a:r>
+            <a:r>
+              <a:rPr lang="en-US" dirty="0"/>
+              <a:t>)</a:t>
+            </a:r>
+          </a:p>
+          <a:p>
+            <a:r>
+              <a:rPr lang="en-US" dirty="0"/>
+              <a:t>          case p =&gt; p</a:t>
+            </a:r>
+          </a:p>
+          <a:p>
+            <a:r>
+              <a:rPr lang="en-US" dirty="0"/>
+              <a:t>        }</a:t>
+            </a:r>
+          </a:p>
+          <a:p>
+            <a:r>
+              <a:rPr lang="en-US" dirty="0"/>
+              <a:t>      }</a:t>
+            </a:r>
+          </a:p>
+          <a:p>
+            <a:r>
+              <a:rPr lang="en-US" dirty="0" smtClean="0"/>
+              <a:t>      </a:t>
+            </a:r>
+            <a:r>
+              <a:rPr lang="en-US" dirty="0" err="1"/>
+              <a:t>val</a:t>
+            </a:r>
+            <a:r>
+              <a:rPr lang="en-US" dirty="0"/>
+              <a:t> </a:t>
+            </a:r>
+            <a:r>
+              <a:rPr lang="en-US" dirty="0" err="1"/>
+              <a:t>outputPartitioning</a:t>
+            </a:r>
+            <a:r>
+              <a:rPr lang="en-US" dirty="0"/>
+              <a:t> = </a:t>
+            </a:r>
+            <a:r>
+              <a:rPr lang="en-US" dirty="0" err="1"/>
+              <a:t>firstLeafPartitioning</a:t>
+            </a:r>
+            <a:r>
+              <a:rPr lang="en-US" dirty="0"/>
+              <a:t>(</a:t>
+            </a:r>
+            <a:r>
+              <a:rPr lang="en-US" dirty="0" err="1"/>
+              <a:t>physicalPlan.outputPartitioning</a:t>
+            </a:r>
+            <a:r>
+              <a:rPr lang="en-US" dirty="0"/>
+              <a:t>)</a:t>
+            </a:r>
+          </a:p>
+          <a:p>
+            <a:r>
+              <a:rPr lang="en-US" dirty="0" smtClean="0"/>
+              <a:t>      </a:t>
+            </a:r>
+            <a:r>
+              <a:rPr lang="en-US" dirty="0" err="1"/>
+              <a:t>Dataset.ofRows</a:t>
+            </a:r>
+            <a:r>
+              <a:rPr lang="en-US" dirty="0"/>
+              <a:t>(</a:t>
+            </a:r>
+          </a:p>
+          <a:p>
+            <a:r>
+              <a:rPr lang="en-US" dirty="0"/>
+              <a:t>        </a:t>
+            </a:r>
+            <a:r>
+              <a:rPr lang="en-US" dirty="0" err="1"/>
+              <a:t>sparkSession</a:t>
+            </a:r>
+            <a:r>
+              <a:rPr lang="en-US" dirty="0"/>
+              <a:t>,</a:t>
+            </a:r>
+          </a:p>
+          <a:p>
+            <a:r>
+              <a:rPr lang="en-US" b="1" dirty="0"/>
+              <a:t>        </a:t>
+            </a:r>
+            <a:r>
+              <a:rPr lang="en-US" b="1" dirty="0" err="1"/>
+              <a:t>LogicalRDD</a:t>
+            </a:r>
+            <a:r>
+              <a:rPr lang="en-US" dirty="0"/>
+              <a:t>(</a:t>
+            </a:r>
+          </a:p>
+          <a:p>
+            <a:r>
+              <a:rPr lang="en-US" dirty="0"/>
+              <a:t>          </a:t>
+            </a:r>
+            <a:r>
+              <a:rPr lang="en-US" dirty="0" err="1"/>
+              <a:t>logicalPlan.output</a:t>
+            </a:r>
+            <a:r>
+              <a:rPr lang="en-US" dirty="0"/>
+              <a:t>,</a:t>
+            </a:r>
+          </a:p>
+          <a:p>
+            <a:r>
+              <a:rPr lang="en-US" b="1" dirty="0"/>
+              <a:t>          </a:t>
+            </a:r>
+            <a:r>
+              <a:rPr lang="en-US" b="1" dirty="0" err="1"/>
+              <a:t>internalRdd</a:t>
+            </a:r>
+            <a:r>
+              <a:rPr lang="en-US" dirty="0"/>
+              <a:t>,</a:t>
+            </a:r>
+          </a:p>
+          <a:p>
+            <a:r>
+              <a:rPr lang="en-US" dirty="0"/>
+              <a:t>          </a:t>
+            </a:r>
+            <a:r>
+              <a:rPr lang="en-US" dirty="0" err="1"/>
+              <a:t>outputPartitioning</a:t>
+            </a:r>
+            <a:r>
+              <a:rPr lang="en-US" dirty="0"/>
+              <a:t>,</a:t>
+            </a:r>
+          </a:p>
+          <a:p>
+            <a:r>
+              <a:rPr lang="en-US" dirty="0"/>
+              <a:t>          </a:t>
+            </a:r>
+            <a:r>
+              <a:rPr lang="en-US" dirty="0" err="1"/>
+              <a:t>physicalPlan.outputOrdering</a:t>
+            </a:r>
+            <a:r>
+              <a:rPr lang="en-US" dirty="0"/>
+              <a:t>,</a:t>
+            </a:r>
+          </a:p>
+          <a:p>
+            <a:r>
+              <a:rPr lang="en-US" dirty="0"/>
+              <a:t>          </a:t>
+            </a:r>
+            <a:r>
+              <a:rPr lang="en-US" dirty="0" err="1"/>
+              <a:t>isStreaming</a:t>
+            </a:r>
+            <a:endParaRPr lang="en-US" dirty="0"/>
+          </a:p>
+          <a:p>
+            <a:r>
+              <a:rPr lang="en-US" dirty="0"/>
+              <a:t>        )(</a:t>
+            </a:r>
+            <a:r>
+              <a:rPr lang="en-US" dirty="0" err="1"/>
+              <a:t>sparkSession</a:t>
+            </a:r>
+            <a:r>
+              <a:rPr lang="en-US" dirty="0"/>
+              <a:t>)).as[T]</a:t>
+            </a:r>
+          </a:p>
+          <a:p>
+            <a:r>
+              <a:rPr lang="en-US" dirty="0"/>
+              <a:t>    }</a:t>
+            </a:r>
+            <a:endParaRPr lang="ru-RU" dirty="0"/>
+          </a:p>
+        </p:txBody>
+      </p:sp>
+      <p:sp>
+        <p:nvSpPr>
+          <p:cNvPr id="3" name="Заголовок 1"/>
+          <p:cNvSpPr txBox="1">
+            <a:spLocks/>
+          </p:cNvSpPr>
+          <p:nvPr/>
+        </p:nvSpPr>
+        <p:spPr>
+          <a:xfrm>
+            <a:off x="0" y="-1"/>
+            <a:ext cx="12192000" cy="1053529"/>
+          </a:xfrm>
+          <a:prstGeom prst="rect">
+            <a:avLst/>
+          </a:prstGeom>
+        </p:spPr>
+        <p:txBody>
+          <a:bodyPr/>
+          <a:lstStyle>
+            <a:lvl1pPr algn="l" defTabSz="914400" rtl="0" eaLnBrk="1" latinLnBrk="0" hangingPunct="1">
+              <a:lnSpc>
+                <a:spcPct val="90000"/>
+              </a:lnSpc>
+              <a:spcBef>
+                <a:spcPct val="0"/>
+              </a:spcBef>
+              <a:buNone/>
+              <a:defRPr sz="4400" kern="1200">
+                <a:solidFill>
+                  <a:schemeClr val="tx1"/>
+                </a:solidFill>
+                <a:latin typeface="+mj-lt"/>
+                <a:ea typeface="+mj-ea"/>
+                <a:cs typeface="+mj-cs"/>
+              </a:defRPr>
+            </a:lvl1pPr>
+          </a:lstStyle>
+          <a:p>
+            <a:pPr algn="ctr"/>
+            <a:r>
+              <a:rPr lang="en-US" dirty="0" smtClean="0"/>
+              <a:t>Class Dataset</a:t>
+            </a:r>
+            <a:endParaRPr lang="ru-RU" dirty="0"/>
+          </a:p>
+        </p:txBody>
+      </p:sp>
+    </p:spTree>
+    <p:extLst>
+      <p:ext uri="{BB962C8B-B14F-4D97-AF65-F5344CB8AC3E}">
+        <p14:creationId xmlns:p14="http://schemas.microsoft.com/office/powerpoint/2010/main" val="2581322799"/>
+      </p:ext>
+    </p:extLst>
+  </p:cSld>
+  <p:clrMapOvr>
+    <a:masterClrMapping/>
+  </p:clrMapOvr>
+  <p:timing>
+    <p:tnLst>
+      <p:par>
+        <p:cTn id="1" dur="indefinite" restart="never" nodeType="tmRoot"/>
+      </p:par>
+    </p:tnLst>
+  </p:timing>
+</p:sld>
+</file>
+
+<file path=ppt/slides/slide11.xml><?xml version="1.0" encoding="utf-8"?>
+<p:sld xmlns:a="http://schemas.openxmlformats.org/drawingml/2006/main" xmlns:r="http://schemas.openxmlformats.org/officeDocument/2006/relationships" xmlns:p="http://schemas.openxmlformats.org/presentationml/2006/main">
+  <p:cSld>
+    <p:spTree>
+      <p:nvGrpSpPr>
+        <p:cNvPr id="1" name=""/>
+        <p:cNvGrpSpPr/>
+        <p:nvPr/>
+      </p:nvGrpSpPr>
+      <p:grpSpPr>
+        <a:xfrm>
+          <a:off x="0" y="0"/>
+          <a:ext cx="0" cy="0"/>
+          <a:chOff x="0" y="0"/>
+          <a:chExt cx="0" cy="0"/>
+        </a:xfrm>
+      </p:grpSpPr>
+      <p:sp>
+        <p:nvSpPr>
           <p:cNvPr id="2" name="Заголовок 1"/>
           <p:cNvSpPr>
             <a:spLocks noGrp="1"/>
@@ -5083,7 +5486,7 @@
               <a:t>(): </a:t>
             </a:r>
             <a:r>
-              <a:rPr kumimoji="0" lang="ru-RU" altLang="ru-RU" b="0" i="0" u="none" strike="noStrike" cap="none" normalizeH="0" baseline="0" dirty="0" err="1" smtClean="0">
+              <a:rPr kumimoji="0" lang="ru-RU" altLang="ru-RU" b="1" i="0" u="none" strike="noStrike" cap="none" normalizeH="0" baseline="0" dirty="0" err="1" smtClean="0">
                 <a:ln>
                   <a:noFill/>
                 </a:ln>
@@ -6478,7 +6881,7 @@
 </p:sld>
 </file>
 
-<file path=ppt/slides/slide11.xml><?xml version="1.0" encoding="utf-8"?>
+<file path=ppt/slides/slide12.xml><?xml version="1.0" encoding="utf-8"?>
 <p:sld xmlns:a="http://schemas.openxmlformats.org/drawingml/2006/main" xmlns:r="http://schemas.openxmlformats.org/officeDocument/2006/relationships" xmlns:p="http://schemas.openxmlformats.org/presentationml/2006/main">
   <p:cSld>
     <p:spTree>
@@ -6575,7 +6978,7 @@
               <a:t> </a:t>
             </a:r>
             <a:r>
-              <a:rPr lang="en-US" dirty="0" err="1"/>
+              <a:rPr lang="en-US" b="1" dirty="0" err="1"/>
               <a:t>doCheckpoint</a:t>
             </a:r>
             <a:r>
@@ -6856,7 +7259,7 @@
 </p:sld>
 </file>
 
-<file path=ppt/slides/slide12.xml><?xml version="1.0" encoding="utf-8"?>
+<file path=ppt/slides/slide13.xml><?xml version="1.0" encoding="utf-8"?>
 <p:sld xmlns:a="http://schemas.openxmlformats.org/drawingml/2006/main" xmlns:r="http://schemas.openxmlformats.org/officeDocument/2006/relationships" xmlns:p="http://schemas.openxmlformats.org/presentationml/2006/main">
   <p:cSld>
     <p:spTree>
@@ -7341,7 +7744,7 @@
 </p:sld>
 </file>
 
-<file path=ppt/slides/slide13.xml><?xml version="1.0" encoding="utf-8"?>
+<file path=ppt/slides/slide14.xml><?xml version="1.0" encoding="utf-8"?>
 <p:sld xmlns:a="http://schemas.openxmlformats.org/drawingml/2006/main" xmlns:r="http://schemas.openxmlformats.org/officeDocument/2006/relationships" xmlns:p="http://schemas.openxmlformats.org/presentationml/2006/main">
   <p:cSld>
     <p:spTree>
@@ -7672,7 +8075,7 @@
 </p:sld>
 </file>
 
-<file path=ppt/slides/slide14.xml><?xml version="1.0" encoding="utf-8"?>
+<file path=ppt/slides/slide15.xml><?xml version="1.0" encoding="utf-8"?>
 <p:sld xmlns:a="http://schemas.openxmlformats.org/drawingml/2006/main" xmlns:r="http://schemas.openxmlformats.org/officeDocument/2006/relationships" xmlns:p="http://schemas.openxmlformats.org/presentationml/2006/main">
   <p:cSld>
     <p:spTree>
@@ -7752,7 +8155,23 @@
             </a:r>
             <a:r>
               <a:rPr lang="en-US" dirty="0"/>
-              <a:t> checkpoint(): Unit = {</a:t>
+              <a:t> </a:t>
+            </a:r>
+            <a:r>
+              <a:rPr lang="en-US" b="1" dirty="0"/>
+              <a:t>checkpoint</a:t>
+            </a:r>
+            <a:r>
+              <a:rPr lang="en-US" dirty="0"/>
+              <a:t>(): </a:t>
+            </a:r>
+            <a:r>
+              <a:rPr lang="en-US" b="1" dirty="0"/>
+              <a:t>Unit</a:t>
+            </a:r>
+            <a:r>
+              <a:rPr lang="en-US" dirty="0"/>
+              <a:t> = {</a:t>
             </a:r>
           </a:p>
           <a:p>
@@ -8047,7 +8466,7 @@
 </p:sld>
 </file>
 
-<file path=ppt/slides/slide15.xml><?xml version="1.0" encoding="utf-8"?>
+<file path=ppt/slides/slide16.xml><?xml version="1.0" encoding="utf-8"?>
 <p:sld xmlns:a="http://schemas.openxmlformats.org/drawingml/2006/main" xmlns:r="http://schemas.openxmlformats.org/officeDocument/2006/relationships" xmlns:p="http://schemas.openxmlformats.org/presentationml/2006/main">
   <p:cSld>
     <p:spTree>
@@ -8374,7 +8793,7 @@
 </p:sld>
 </file>
 
-<file path=ppt/slides/slide16.xml><?xml version="1.0" encoding="utf-8"?>
+<file path=ppt/slides/slide17.xml><?xml version="1.0" encoding="utf-8"?>
 <p:sld xmlns:a="http://schemas.openxmlformats.org/drawingml/2006/main" xmlns:r="http://schemas.openxmlformats.org/officeDocument/2006/relationships" xmlns:p="http://schemas.openxmlformats.org/presentationml/2006/main">
   <p:cSld>
     <p:spTree>
@@ -8829,395 +9248,6 @@
     <p:extLst>
       <p:ext uri="{BB962C8B-B14F-4D97-AF65-F5344CB8AC3E}">
         <p14:creationId xmlns:p14="http://schemas.microsoft.com/office/powerpoint/2010/main" val="1845636071"/>
-      </p:ext>
-    </p:extLst>
-  </p:cSld>
-  <p:clrMapOvr>
-    <a:masterClrMapping/>
-  </p:clrMapOvr>
-  <p:timing>
-    <p:tnLst>
-      <p:par>
-        <p:cTn id="1" dur="indefinite" restart="never" nodeType="tmRoot"/>
-      </p:par>
-    </p:tnLst>
-  </p:timing>
-</p:sld>
-</file>
-
-<file path=ppt/slides/slide17.xml><?xml version="1.0" encoding="utf-8"?>
-<p:sld xmlns:a="http://schemas.openxmlformats.org/drawingml/2006/main" xmlns:r="http://schemas.openxmlformats.org/officeDocument/2006/relationships" xmlns:p="http://schemas.openxmlformats.org/presentationml/2006/main">
-  <p:cSld>
-    <p:spTree>
-      <p:nvGrpSpPr>
-        <p:cNvPr id="1" name=""/>
-        <p:cNvGrpSpPr/>
-        <p:nvPr/>
-      </p:nvGrpSpPr>
-      <p:grpSpPr>
-        <a:xfrm>
-          <a:off x="0" y="0"/>
-          <a:ext cx="0" cy="0"/>
-          <a:chOff x="0" y="0"/>
-          <a:chExt cx="0" cy="0"/>
-        </a:xfrm>
-      </p:grpSpPr>
-      <p:sp>
-        <p:nvSpPr>
-          <p:cNvPr id="4" name="Прямоугольник 3"/>
-          <p:cNvSpPr/>
-          <p:nvPr/>
-        </p:nvSpPr>
-        <p:spPr>
-          <a:xfrm>
-            <a:off x="120581" y="1332205"/>
-            <a:ext cx="12192000" cy="4247317"/>
-          </a:xfrm>
-          <a:prstGeom prst="rect">
-            <a:avLst/>
-          </a:prstGeom>
-        </p:spPr>
-        <p:txBody>
-          <a:bodyPr wrap="square">
-            <a:spAutoFit/>
-          </a:bodyPr>
-          <a:lstStyle/>
-          <a:p>
-            <a:r>
-              <a:rPr lang="en-US" dirty="0"/>
-              <a:t>// Save to file, and reload it as an RDD</a:t>
-            </a:r>
-          </a:p>
-          <a:p>
-            <a:r>
-              <a:rPr lang="en-US" dirty="0"/>
-              <a:t>    </a:t>
-            </a:r>
-            <a:r>
-              <a:rPr lang="en-US" dirty="0" err="1"/>
-              <a:t>val</a:t>
-            </a:r>
-            <a:r>
-              <a:rPr lang="en-US" dirty="0"/>
-              <a:t> </a:t>
-            </a:r>
-            <a:r>
-              <a:rPr lang="en-US" dirty="0" err="1"/>
-              <a:t>broadcastedConf</a:t>
-            </a:r>
-            <a:r>
-              <a:rPr lang="en-US" dirty="0"/>
-              <a:t> = </a:t>
-            </a:r>
-            <a:r>
-              <a:rPr lang="en-US" dirty="0" err="1"/>
-              <a:t>sc.broadcast</a:t>
-            </a:r>
-            <a:r>
-              <a:rPr lang="en-US" dirty="0"/>
-              <a:t>(</a:t>
-            </a:r>
-          </a:p>
-          <a:p>
-            <a:r>
-              <a:rPr lang="en-US" dirty="0"/>
-              <a:t>      new </a:t>
-            </a:r>
-            <a:r>
-              <a:rPr lang="en-US" dirty="0" err="1"/>
-              <a:t>SerializableConfiguration</a:t>
-            </a:r>
-            <a:r>
-              <a:rPr lang="en-US" dirty="0"/>
-              <a:t>(</a:t>
-            </a:r>
-            <a:r>
-              <a:rPr lang="en-US" dirty="0" err="1"/>
-              <a:t>sc.hadoopConfiguration</a:t>
-            </a:r>
-            <a:r>
-              <a:rPr lang="en-US" dirty="0"/>
-              <a:t>))</a:t>
-            </a:r>
-          </a:p>
-          <a:p>
-            <a:r>
-              <a:rPr lang="en-US" dirty="0"/>
-              <a:t>    // TODO: This is expensive because it computes the RDD again unnecessarily (SPARK-8582)</a:t>
-            </a:r>
-          </a:p>
-          <a:p>
-            <a:r>
-              <a:rPr lang="en-US" dirty="0"/>
-              <a:t>   </a:t>
-            </a:r>
-            <a:r>
-              <a:rPr lang="en-US" b="1" dirty="0"/>
-              <a:t> </a:t>
-            </a:r>
-            <a:r>
-              <a:rPr lang="en-US" b="1" dirty="0" err="1"/>
-              <a:t>sc.runJob</a:t>
-            </a:r>
-            <a:r>
-              <a:rPr lang="en-US" b="1" dirty="0"/>
-              <a:t>(</a:t>
-            </a:r>
-            <a:r>
-              <a:rPr lang="en-US" b="1" dirty="0" err="1"/>
-              <a:t>originalRDD</a:t>
-            </a:r>
-            <a:r>
-              <a:rPr lang="en-US" b="1" dirty="0"/>
-              <a:t>,</a:t>
-            </a:r>
-          </a:p>
-          <a:p>
-            <a:r>
-              <a:rPr lang="en-US" b="1" dirty="0"/>
-              <a:t>      </a:t>
-            </a:r>
-            <a:r>
-              <a:rPr lang="en-US" b="1" dirty="0" err="1"/>
-              <a:t>writePartitionToCheckpointFile</a:t>
-            </a:r>
-            <a:r>
-              <a:rPr lang="en-US" b="1" dirty="0"/>
-              <a:t>[T](</a:t>
-            </a:r>
-            <a:r>
-              <a:rPr lang="en-US" b="1" dirty="0" err="1"/>
-              <a:t>checkpointDirPath.toString</a:t>
-            </a:r>
-            <a:r>
-              <a:rPr lang="en-US" b="1" dirty="0"/>
-              <a:t>, </a:t>
-            </a:r>
-            <a:r>
-              <a:rPr lang="en-US" b="1" dirty="0" err="1"/>
-              <a:t>broadcastedConf</a:t>
-            </a:r>
-            <a:r>
-              <a:rPr lang="en-US" b="1" dirty="0"/>
-              <a:t>) _)</a:t>
-            </a:r>
-          </a:p>
-          <a:p>
-            <a:endParaRPr lang="en-US" dirty="0"/>
-          </a:p>
-          <a:p>
-            <a:r>
-              <a:rPr lang="en-US" dirty="0"/>
-              <a:t>    if (</a:t>
-            </a:r>
-            <a:r>
-              <a:rPr lang="en-US" dirty="0" err="1"/>
-              <a:t>originalRDD.partitioner.nonEmpty</a:t>
-            </a:r>
-            <a:r>
-              <a:rPr lang="en-US" dirty="0"/>
-              <a:t>) {</a:t>
-            </a:r>
-          </a:p>
-          <a:p>
-            <a:r>
-              <a:rPr lang="en-US" b="1" dirty="0"/>
-              <a:t>      </a:t>
-            </a:r>
-            <a:r>
-              <a:rPr lang="en-US" b="1" dirty="0" err="1"/>
-              <a:t>writePartitionerToCheckpointDir</a:t>
-            </a:r>
-            <a:r>
-              <a:rPr lang="en-US" b="1" dirty="0"/>
-              <a:t>(</a:t>
-            </a:r>
-            <a:r>
-              <a:rPr lang="en-US" b="1" dirty="0" err="1"/>
-              <a:t>sc</a:t>
-            </a:r>
-            <a:r>
-              <a:rPr lang="en-US" b="1" dirty="0"/>
-              <a:t>, </a:t>
-            </a:r>
-            <a:r>
-              <a:rPr lang="en-US" b="1" dirty="0" err="1"/>
-              <a:t>originalRDD.partitioner.get</a:t>
-            </a:r>
-            <a:r>
-              <a:rPr lang="en-US" b="1" dirty="0"/>
-              <a:t>, </a:t>
-            </a:r>
-            <a:r>
-              <a:rPr lang="en-US" b="1" dirty="0" err="1"/>
-              <a:t>checkpointDirPath</a:t>
-            </a:r>
-            <a:r>
-              <a:rPr lang="en-US" b="1" dirty="0"/>
-              <a:t>)</a:t>
-            </a:r>
-          </a:p>
-          <a:p>
-            <a:r>
-              <a:rPr lang="en-US" dirty="0"/>
-              <a:t>    }</a:t>
-            </a:r>
-          </a:p>
-          <a:p>
-            <a:endParaRPr lang="en-US" dirty="0"/>
-          </a:p>
-          <a:p>
-            <a:r>
-              <a:rPr lang="en-US" dirty="0"/>
-              <a:t>    </a:t>
-            </a:r>
-            <a:r>
-              <a:rPr lang="en-US" dirty="0" err="1"/>
-              <a:t>val</a:t>
-            </a:r>
-            <a:r>
-              <a:rPr lang="en-US" dirty="0"/>
-              <a:t> </a:t>
-            </a:r>
-            <a:r>
-              <a:rPr lang="en-US" dirty="0" err="1"/>
-              <a:t>checkpointDurationMs</a:t>
-            </a:r>
-            <a:r>
-              <a:rPr lang="en-US" dirty="0"/>
-              <a:t> =</a:t>
-            </a:r>
-          </a:p>
-          <a:p>
-            <a:r>
-              <a:rPr lang="en-US" dirty="0"/>
-              <a:t>      </a:t>
-            </a:r>
-            <a:r>
-              <a:rPr lang="en-US" dirty="0" err="1"/>
-              <a:t>TimeUnit.NANOSECONDS.toMillis</a:t>
-            </a:r>
-            <a:r>
-              <a:rPr lang="en-US" dirty="0"/>
-              <a:t>(</a:t>
-            </a:r>
-            <a:r>
-              <a:rPr lang="en-US" dirty="0" err="1"/>
-              <a:t>System.nanoTime</a:t>
-            </a:r>
-            <a:r>
-              <a:rPr lang="en-US" dirty="0"/>
-              <a:t>() - </a:t>
-            </a:r>
-            <a:r>
-              <a:rPr lang="en-US" dirty="0" err="1"/>
-              <a:t>checkpointStartTimeNs</a:t>
-            </a:r>
-            <a:r>
-              <a:rPr lang="en-US" dirty="0"/>
-              <a:t>)</a:t>
-            </a:r>
-          </a:p>
-          <a:p>
-            <a:r>
-              <a:rPr lang="en-US" dirty="0"/>
-              <a:t>    </a:t>
-            </a:r>
-            <a:r>
-              <a:rPr lang="en-US" dirty="0" err="1"/>
-              <a:t>logInfo</a:t>
-            </a:r>
-            <a:r>
-              <a:rPr lang="en-US" dirty="0"/>
-              <a:t>(</a:t>
-            </a:r>
-            <a:r>
-              <a:rPr lang="en-US" dirty="0" err="1"/>
-              <a:t>s"Checkpointing</a:t>
-            </a:r>
-            <a:r>
-              <a:rPr lang="en-US" dirty="0"/>
-              <a:t> took $</a:t>
-            </a:r>
-            <a:r>
-              <a:rPr lang="en-US" dirty="0" err="1"/>
-              <a:t>checkpointDurationMs</a:t>
-            </a:r>
-            <a:r>
-              <a:rPr lang="en-US" dirty="0"/>
-              <a:t> </a:t>
-            </a:r>
-            <a:r>
-              <a:rPr lang="en-US" dirty="0" err="1"/>
-              <a:t>ms.</a:t>
-            </a:r>
-            <a:r>
-              <a:rPr lang="en-US" dirty="0"/>
-              <a:t>")</a:t>
-            </a:r>
-          </a:p>
-          <a:p>
-            <a:endParaRPr lang="en-US" dirty="0"/>
-          </a:p>
-        </p:txBody>
-      </p:sp>
-      <p:sp>
-        <p:nvSpPr>
-          <p:cNvPr id="5" name="Прямоугольник 4"/>
-          <p:cNvSpPr/>
-          <p:nvPr/>
-        </p:nvSpPr>
-        <p:spPr>
-          <a:xfrm>
-            <a:off x="1" y="-38950"/>
-            <a:ext cx="12101564" cy="1182359"/>
-          </a:xfrm>
-          <a:prstGeom prst="rect">
-            <a:avLst/>
-          </a:prstGeom>
-        </p:spPr>
-        <p:txBody>
-          <a:bodyPr vert="horz" lIns="91440" tIns="45720" rIns="91440" bIns="45720" rtlCol="0" anchor="ctr">
-            <a:normAutofit/>
-          </a:bodyPr>
-          <a:lstStyle/>
-          <a:p>
-            <a:pPr algn="ctr">
-              <a:lnSpc>
-                <a:spcPct val="90000"/>
-              </a:lnSpc>
-              <a:spcBef>
-                <a:spcPct val="0"/>
-              </a:spcBef>
-            </a:pPr>
-            <a:r>
-              <a:rPr lang="en-US" sz="4400" dirty="0" smtClean="0">
-                <a:latin typeface="+mj-lt"/>
-                <a:ea typeface="+mj-ea"/>
-                <a:cs typeface="+mj-cs"/>
-              </a:rPr>
-              <a:t>Class </a:t>
-            </a:r>
-            <a:r>
-              <a:rPr lang="en-US" sz="4400" dirty="0" err="1" smtClean="0">
-                <a:latin typeface="+mj-lt"/>
-                <a:ea typeface="+mj-ea"/>
-                <a:cs typeface="+mj-cs"/>
-              </a:rPr>
-              <a:t>ReliableCheckpointRDD</a:t>
-            </a:r>
-            <a:endParaRPr lang="ru-RU" sz="4400" dirty="0">
-              <a:latin typeface="+mj-lt"/>
-              <a:ea typeface="+mj-ea"/>
-              <a:cs typeface="+mj-cs"/>
-            </a:endParaRPr>
-          </a:p>
-        </p:txBody>
-      </p:sp>
-    </p:spTree>
-    <p:extLst>
-      <p:ext uri="{BB962C8B-B14F-4D97-AF65-F5344CB8AC3E}">
-        <p14:creationId xmlns:p14="http://schemas.microsoft.com/office/powerpoint/2010/main" val="2531770345"/>
       </p:ext>
     </p:extLst>
   </p:cSld>
@@ -9259,8 +9289,8 @@
         </p:nvSpPr>
         <p:spPr>
           <a:xfrm>
-            <a:off x="0" y="2430757"/>
-            <a:ext cx="12191999" cy="3477875"/>
+            <a:off x="120581" y="1332205"/>
+            <a:ext cx="12192000" cy="4247317"/>
           </a:xfrm>
           <a:prstGeom prst="rect">
             <a:avLst/>
@@ -9273,199 +9303,280 @@
           <a:lstStyle/>
           <a:p>
             <a:r>
-              <a:rPr lang="en-US" sz="2000" dirty="0"/>
+              <a:rPr lang="en-US" dirty="0"/>
+              <a:t>// Save to file, and reload it as an RDD</a:t>
+            </a:r>
+          </a:p>
+          <a:p>
+            <a:r>
+              <a:rPr lang="en-US" dirty="0"/>
+              <a:t>    </a:t>
+            </a:r>
+            <a:r>
+              <a:rPr lang="en-US" dirty="0" err="1"/>
+              <a:t>val</a:t>
+            </a:r>
+            <a:r>
+              <a:rPr lang="en-US" dirty="0"/>
               <a:t> </a:t>
             </a:r>
             <a:r>
-              <a:rPr lang="en-US" sz="2000" dirty="0" err="1"/>
+              <a:rPr lang="en-US" dirty="0" err="1"/>
+              <a:t>broadcastedConf</a:t>
+            </a:r>
+            <a:r>
+              <a:rPr lang="en-US" dirty="0"/>
+              <a:t> = </a:t>
+            </a:r>
+            <a:r>
+              <a:rPr lang="en-US" dirty="0" err="1"/>
+              <a:t>sc.broadcast</a:t>
+            </a:r>
+            <a:r>
+              <a:rPr lang="en-US" dirty="0"/>
+              <a:t>(</a:t>
+            </a:r>
+          </a:p>
+          <a:p>
+            <a:r>
+              <a:rPr lang="en-US" dirty="0"/>
+              <a:t>      new </a:t>
+            </a:r>
+            <a:r>
+              <a:rPr lang="en-US" dirty="0" err="1"/>
+              <a:t>SerializableConfiguration</a:t>
+            </a:r>
+            <a:r>
+              <a:rPr lang="en-US" dirty="0"/>
+              <a:t>(</a:t>
+            </a:r>
+            <a:r>
+              <a:rPr lang="en-US" dirty="0" err="1"/>
+              <a:t>sc.hadoopConfiguration</a:t>
+            </a:r>
+            <a:r>
+              <a:rPr lang="en-US" dirty="0"/>
+              <a:t>))</a:t>
+            </a:r>
+          </a:p>
+          <a:p>
+            <a:r>
+              <a:rPr lang="en-US" dirty="0"/>
+              <a:t>    // TODO: This is expensive because it computes the RDD again unnecessarily (SPARK-8582)</a:t>
+            </a:r>
+          </a:p>
+          <a:p>
+            <a:r>
+              <a:rPr lang="en-US" dirty="0"/>
+              <a:t>   </a:t>
+            </a:r>
+            <a:r>
+              <a:rPr lang="en-US" b="1" dirty="0"/>
+              <a:t> </a:t>
+            </a:r>
+            <a:r>
+              <a:rPr lang="en-US" b="1" dirty="0" err="1"/>
+              <a:t>sc.runJob</a:t>
+            </a:r>
+            <a:r>
+              <a:rPr lang="en-US" b="1" dirty="0"/>
+              <a:t>(</a:t>
+            </a:r>
+            <a:r>
+              <a:rPr lang="en-US" b="1" dirty="0" err="1"/>
+              <a:t>originalRDD</a:t>
+            </a:r>
+            <a:r>
+              <a:rPr lang="en-US" b="1" dirty="0"/>
+              <a:t>,</a:t>
+            </a:r>
+          </a:p>
+          <a:p>
+            <a:r>
+              <a:rPr lang="en-US" b="1" dirty="0"/>
+              <a:t>      </a:t>
+            </a:r>
+            <a:r>
+              <a:rPr lang="en-US" b="1" dirty="0" err="1"/>
+              <a:t>writePartitionToCheckpointFile</a:t>
+            </a:r>
+            <a:r>
+              <a:rPr lang="en-US" b="1" dirty="0"/>
+              <a:t>[T](</a:t>
+            </a:r>
+            <a:r>
+              <a:rPr lang="en-US" b="1" dirty="0" err="1"/>
+              <a:t>checkpointDirPath.toString</a:t>
+            </a:r>
+            <a:r>
+              <a:rPr lang="en-US" b="1" dirty="0"/>
+              <a:t>, </a:t>
+            </a:r>
+            <a:r>
+              <a:rPr lang="en-US" b="1" dirty="0" err="1"/>
+              <a:t>broadcastedConf</a:t>
+            </a:r>
+            <a:r>
+              <a:rPr lang="en-US" b="1" dirty="0"/>
+              <a:t>) _)</a:t>
+            </a:r>
+          </a:p>
+          <a:p>
+            <a:endParaRPr lang="en-US" dirty="0"/>
+          </a:p>
+          <a:p>
+            <a:r>
+              <a:rPr lang="en-US" dirty="0"/>
+              <a:t>    if (</a:t>
+            </a:r>
+            <a:r>
+              <a:rPr lang="en-US" dirty="0" err="1"/>
+              <a:t>originalRDD.partitioner.nonEmpty</a:t>
+            </a:r>
+            <a:r>
+              <a:rPr lang="en-US" dirty="0"/>
+              <a:t>) {</a:t>
+            </a:r>
+          </a:p>
+          <a:p>
+            <a:r>
+              <a:rPr lang="en-US" b="1" dirty="0"/>
+              <a:t>      </a:t>
+            </a:r>
+            <a:r>
+              <a:rPr lang="en-US" b="1" dirty="0" err="1"/>
+              <a:t>writePartitionerToCheckpointDir</a:t>
+            </a:r>
+            <a:r>
+              <a:rPr lang="en-US" b="1" dirty="0"/>
+              <a:t>(</a:t>
+            </a:r>
+            <a:r>
+              <a:rPr lang="en-US" b="1" dirty="0" err="1"/>
+              <a:t>sc</a:t>
+            </a:r>
+            <a:r>
+              <a:rPr lang="en-US" b="1" dirty="0"/>
+              <a:t>, </a:t>
+            </a:r>
+            <a:r>
+              <a:rPr lang="en-US" b="1" dirty="0" err="1"/>
+              <a:t>originalRDD.partitioner.get</a:t>
+            </a:r>
+            <a:r>
+              <a:rPr lang="en-US" b="1" dirty="0"/>
+              <a:t>, </a:t>
+            </a:r>
+            <a:r>
+              <a:rPr lang="en-US" b="1" dirty="0" err="1"/>
+              <a:t>checkpointDirPath</a:t>
+            </a:r>
+            <a:r>
+              <a:rPr lang="en-US" b="1" dirty="0"/>
+              <a:t>)</a:t>
+            </a:r>
+          </a:p>
+          <a:p>
+            <a:r>
+              <a:rPr lang="en-US" dirty="0"/>
+              <a:t>    }</a:t>
+            </a:r>
+          </a:p>
+          <a:p>
+            <a:endParaRPr lang="en-US" dirty="0"/>
+          </a:p>
+          <a:p>
+            <a:r>
+              <a:rPr lang="en-US" dirty="0"/>
+              <a:t>    </a:t>
+            </a:r>
+            <a:r>
+              <a:rPr lang="en-US" dirty="0" err="1"/>
               <a:t>val</a:t>
             </a:r>
             <a:r>
-              <a:rPr lang="en-US" sz="2000" dirty="0"/>
+              <a:rPr lang="en-US" dirty="0"/>
               <a:t> </a:t>
             </a:r>
             <a:r>
-              <a:rPr lang="en-US" sz="2000" dirty="0" err="1"/>
-              <a:t>newRDD</a:t>
-            </a:r>
-            <a:r>
-              <a:rPr lang="en-US" sz="2000" dirty="0"/>
-              <a:t> = new </a:t>
-            </a:r>
-            <a:r>
-              <a:rPr lang="en-US" sz="2000" b="1" dirty="0" err="1"/>
-              <a:t>ReliableCheckpointRDD</a:t>
-            </a:r>
-            <a:r>
-              <a:rPr lang="en-US" sz="2000" b="1" dirty="0"/>
-              <a:t>[T</a:t>
-            </a:r>
-            <a:r>
-              <a:rPr lang="en-US" sz="2000" dirty="0"/>
-              <a:t>](</a:t>
-            </a:r>
-          </a:p>
-          <a:p>
-            <a:r>
-              <a:rPr lang="en-US" sz="2000" dirty="0"/>
+              <a:rPr lang="en-US" dirty="0" err="1"/>
+              <a:t>checkpointDurationMs</a:t>
+            </a:r>
+            <a:r>
+              <a:rPr lang="en-US" dirty="0"/>
+              <a:t> =</a:t>
+            </a:r>
+          </a:p>
+          <a:p>
+            <a:r>
+              <a:rPr lang="en-US" dirty="0"/>
               <a:t>      </a:t>
             </a:r>
             <a:r>
-              <a:rPr lang="en-US" sz="2000" dirty="0" err="1"/>
-              <a:t>sc</a:t>
-            </a:r>
-            <a:r>
-              <a:rPr lang="en-US" sz="2000" dirty="0"/>
-              <a:t>, </a:t>
-            </a:r>
-            <a:r>
-              <a:rPr lang="en-US" sz="2000" dirty="0" err="1"/>
-              <a:t>checkpointDirPath.toString</a:t>
-            </a:r>
-            <a:r>
-              <a:rPr lang="en-US" sz="2000" dirty="0"/>
-              <a:t>, </a:t>
-            </a:r>
-            <a:r>
-              <a:rPr lang="en-US" sz="2000" dirty="0" err="1"/>
-              <a:t>originalRDD.partitioner</a:t>
-            </a:r>
-            <a:r>
-              <a:rPr lang="en-US" sz="2000" dirty="0"/>
+              <a:rPr lang="en-US" dirty="0" err="1"/>
+              <a:t>TimeUnit.NANOSECONDS.toMillis</a:t>
+            </a:r>
+            <a:r>
+              <a:rPr lang="en-US" dirty="0"/>
+              <a:t>(</a:t>
+            </a:r>
+            <a:r>
+              <a:rPr lang="en-US" dirty="0" err="1"/>
+              <a:t>System.nanoTime</a:t>
+            </a:r>
+            <a:r>
+              <a:rPr lang="en-US" dirty="0"/>
+              <a:t>() - </a:t>
+            </a:r>
+            <a:r>
+              <a:rPr lang="en-US" dirty="0" err="1"/>
+              <a:t>checkpointStartTimeNs</a:t>
+            </a:r>
+            <a:r>
+              <a:rPr lang="en-US" dirty="0"/>
               <a:t>)</a:t>
             </a:r>
           </a:p>
           <a:p>
             <a:r>
-              <a:rPr lang="en-US" sz="2000" dirty="0"/>
-              <a:t>    if (</a:t>
-            </a:r>
-            <a:r>
-              <a:rPr lang="en-US" sz="2000" dirty="0" err="1"/>
-              <a:t>newRDD.partitions.length</a:t>
-            </a:r>
-            <a:r>
-              <a:rPr lang="en-US" sz="2000" dirty="0"/>
-              <a:t> != </a:t>
-            </a:r>
-            <a:r>
-              <a:rPr lang="en-US" sz="2000" dirty="0" err="1"/>
-              <a:t>originalRDD.partitions.length</a:t>
-            </a:r>
-            <a:r>
-              <a:rPr lang="en-US" sz="2000" dirty="0"/>
-              <a:t>) {</a:t>
-            </a:r>
-          </a:p>
-          <a:p>
-            <a:r>
-              <a:rPr lang="en-US" sz="2000" dirty="0"/>
-              <a:t>      throw new </a:t>
-            </a:r>
-            <a:r>
-              <a:rPr lang="en-US" sz="2000" dirty="0" err="1"/>
-              <a:t>SparkException</a:t>
-            </a:r>
-            <a:r>
-              <a:rPr lang="en-US" sz="2000" dirty="0"/>
+              <a:rPr lang="en-US" dirty="0"/>
+              <a:t>    </a:t>
+            </a:r>
+            <a:r>
+              <a:rPr lang="en-US" dirty="0" err="1"/>
+              <a:t>logInfo</a:t>
+            </a:r>
+            <a:r>
+              <a:rPr lang="en-US" dirty="0"/>
               <a:t>(</a:t>
             </a:r>
-          </a:p>
-          <a:p>
-            <a:r>
-              <a:rPr lang="en-US" sz="2000" dirty="0"/>
-              <a:t>        "Checkpoint RDD has a different number of partitions from original RDD. Original " +</a:t>
-            </a:r>
-          </a:p>
-          <a:p>
-            <a:r>
-              <a:rPr lang="en-US" sz="2000" dirty="0"/>
-              <a:t>          </a:t>
-            </a:r>
-            <a:r>
-              <a:rPr lang="en-US" sz="2000" dirty="0" err="1"/>
-              <a:t>s"RDD</a:t>
-            </a:r>
-            <a:r>
-              <a:rPr lang="en-US" sz="2000" dirty="0"/>
-              <a:t> [ID: ${originalRDD.id}, </a:t>
-            </a:r>
-            <a:r>
-              <a:rPr lang="en-US" sz="2000" dirty="0" err="1"/>
-              <a:t>num</a:t>
-            </a:r>
-            <a:r>
-              <a:rPr lang="en-US" sz="2000" dirty="0"/>
-              <a:t> of partitions: ${</a:t>
-            </a:r>
-            <a:r>
-              <a:rPr lang="en-US" sz="2000" dirty="0" err="1"/>
-              <a:t>originalRDD.partitions.length</a:t>
-            </a:r>
-            <a:r>
-              <a:rPr lang="en-US" sz="2000" dirty="0"/>
-              <a:t>}]; " +</a:t>
-            </a:r>
-          </a:p>
-          <a:p>
-            <a:r>
-              <a:rPr lang="en-US" sz="2000" dirty="0"/>
-              <a:t>          </a:t>
-            </a:r>
-            <a:r>
-              <a:rPr lang="en-US" sz="2000" dirty="0" err="1"/>
-              <a:t>s"Checkpoint</a:t>
-            </a:r>
-            <a:r>
-              <a:rPr lang="en-US" sz="2000" dirty="0"/>
-              <a:t> RDD [ID: ${newRDD.id}, </a:t>
-            </a:r>
-            <a:r>
-              <a:rPr lang="en-US" sz="2000" dirty="0" err="1"/>
-              <a:t>num</a:t>
-            </a:r>
-            <a:r>
-              <a:rPr lang="en-US" sz="2000" dirty="0"/>
-              <a:t> of partitions: " +</a:t>
-            </a:r>
-          </a:p>
-          <a:p>
-            <a:r>
-              <a:rPr lang="en-US" sz="2000" dirty="0"/>
-              <a:t>          s"${</a:t>
-            </a:r>
-            <a:r>
-              <a:rPr lang="en-US" sz="2000" dirty="0" err="1"/>
-              <a:t>newRDD.partitions.length</a:t>
-            </a:r>
-            <a:r>
-              <a:rPr lang="en-US" sz="2000" dirty="0"/>
-              <a:t>}].")</a:t>
-            </a:r>
-          </a:p>
-          <a:p>
-            <a:r>
-              <a:rPr lang="en-US" sz="2000" dirty="0"/>
-              <a:t>    }</a:t>
-            </a:r>
-          </a:p>
-          <a:p>
-            <a:r>
-              <a:rPr lang="en-US" sz="2000" dirty="0"/>
-              <a:t>    </a:t>
-            </a:r>
-            <a:r>
-              <a:rPr lang="en-US" sz="2000" dirty="0" err="1"/>
-              <a:t>newRDD</a:t>
-            </a:r>
-            <a:endParaRPr lang="en-US" sz="2000" dirty="0"/>
-          </a:p>
-          <a:p>
-            <a:r>
-              <a:rPr lang="en-US" sz="2000" dirty="0"/>
-              <a:t>  }</a:t>
-            </a:r>
-            <a:endParaRPr lang="ru-RU" sz="2000" dirty="0"/>
+            <a:r>
+              <a:rPr lang="en-US" dirty="0" err="1"/>
+              <a:t>s"Checkpointing</a:t>
+            </a:r>
+            <a:r>
+              <a:rPr lang="en-US" dirty="0"/>
+              <a:t> took $</a:t>
+            </a:r>
+            <a:r>
+              <a:rPr lang="en-US" dirty="0" err="1"/>
+              <a:t>checkpointDurationMs</a:t>
+            </a:r>
+            <a:r>
+              <a:rPr lang="en-US" dirty="0"/>
+              <a:t> </a:t>
+            </a:r>
+            <a:r>
+              <a:rPr lang="en-US" dirty="0" err="1"/>
+              <a:t>ms.</a:t>
+            </a:r>
+            <a:r>
+              <a:rPr lang="en-US" dirty="0"/>
+              <a:t>")</a:t>
+            </a:r>
+          </a:p>
+          <a:p>
+            <a:endParaRPr lang="en-US" dirty="0"/>
           </a:p>
         </p:txBody>
       </p:sp>
@@ -9525,13 +9636,20 @@
     </p:spTree>
     <p:extLst>
       <p:ext uri="{BB962C8B-B14F-4D97-AF65-F5344CB8AC3E}">
-        <p14:creationId xmlns:p14="http://schemas.microsoft.com/office/powerpoint/2010/main" val="3733357863"/>
+        <p14:creationId xmlns:p14="http://schemas.microsoft.com/office/powerpoint/2010/main" val="2531770345"/>
       </p:ext>
     </p:extLst>
   </p:cSld>
   <p:clrMapOvr>
     <a:masterClrMapping/>
   </p:clrMapOvr>
+  <p:timing>
+    <p:tnLst>
+      <p:par>
+        <p:cTn id="1" dur="indefinite" restart="never" nodeType="tmRoot"/>
+      </p:par>
+    </p:tnLst>
+  </p:timing>
 </p:sld>
 </file>
 
@@ -9560,8 +9678,8 @@
         </p:nvSpPr>
         <p:spPr>
           <a:xfrm>
-            <a:off x="0" y="1004835"/>
-            <a:ext cx="12192000" cy="5816977"/>
+            <a:off x="0" y="2430757"/>
+            <a:ext cx="12191999" cy="3477875"/>
           </a:xfrm>
           <a:prstGeom prst="rect">
             <a:avLst/>
@@ -9574,362 +9692,205 @@
           <a:lstStyle/>
           <a:p>
             <a:r>
-              <a:rPr lang="en-US" sz="2400" dirty="0" err="1"/>
-              <a:t>def</a:t>
-            </a:r>
-            <a:r>
-              <a:rPr lang="en-US" sz="2400" dirty="0"/>
+              <a:rPr lang="en-US" sz="2000" dirty="0"/>
               <a:t> </a:t>
             </a:r>
             <a:r>
-              <a:rPr lang="en-US" sz="2400" dirty="0" err="1"/>
-              <a:t>writePartitionToCheckpointFile</a:t>
-            </a:r>
-            <a:r>
-              <a:rPr lang="en-US" sz="2400" dirty="0"/>
-              <a:t>[T: </a:t>
-            </a:r>
-            <a:r>
-              <a:rPr lang="en-US" sz="2400" dirty="0" err="1"/>
-              <a:t>ClassTag</a:t>
-            </a:r>
-            <a:r>
-              <a:rPr lang="en-US" sz="2400" dirty="0"/>
+              <a:rPr lang="en-US" sz="2000" dirty="0" err="1"/>
+              <a:t>val</a:t>
+            </a:r>
+            <a:r>
+              <a:rPr lang="en-US" sz="2000" dirty="0"/>
+              <a:t> </a:t>
+            </a:r>
+            <a:r>
+              <a:rPr lang="en-US" sz="2000" dirty="0" err="1"/>
+              <a:t>newRDD</a:t>
+            </a:r>
+            <a:r>
+              <a:rPr lang="en-US" sz="2000" dirty="0"/>
+              <a:t> = new </a:t>
+            </a:r>
+            <a:r>
+              <a:rPr lang="en-US" sz="2000" b="1" dirty="0" err="1"/>
+              <a:t>ReliableCheckpointRDD</a:t>
+            </a:r>
+            <a:r>
+              <a:rPr lang="en-US" sz="2000" b="1" dirty="0"/>
+              <a:t>[T</a:t>
+            </a:r>
+            <a:r>
+              <a:rPr lang="en-US" sz="2000" dirty="0"/>
               <a:t>](</a:t>
             </a:r>
           </a:p>
           <a:p>
             <a:r>
-              <a:rPr lang="en-US" sz="2400" dirty="0"/>
-              <a:t>      path: String,</a:t>
-            </a:r>
-          </a:p>
-          <a:p>
-            <a:r>
-              <a:rPr lang="en-US" sz="2400" dirty="0"/>
+              <a:rPr lang="en-US" sz="2000" dirty="0"/>
               <a:t>      </a:t>
             </a:r>
             <a:r>
-              <a:rPr lang="en-US" sz="2400" dirty="0" err="1"/>
-              <a:t>broadcastedConf</a:t>
-            </a:r>
-            <a:r>
-              <a:rPr lang="en-US" sz="2400" dirty="0"/>
-              <a:t>: Broadcast[</a:t>
-            </a:r>
-            <a:r>
-              <a:rPr lang="en-US" sz="2400" dirty="0" err="1"/>
-              <a:t>SerializableConfiguration</a:t>
-            </a:r>
-            <a:r>
-              <a:rPr lang="en-US" sz="2400" dirty="0"/>
-              <a:t>],</a:t>
-            </a:r>
-          </a:p>
-          <a:p>
-            <a:r>
-              <a:rPr lang="en-US" sz="2400" dirty="0"/>
-              <a:t>      </a:t>
-            </a:r>
-            <a:r>
-              <a:rPr lang="en-US" sz="2400" dirty="0" err="1"/>
-              <a:t>blockSize</a:t>
-            </a:r>
-            <a:r>
-              <a:rPr lang="en-US" sz="2400" dirty="0"/>
-              <a:t>: </a:t>
-            </a:r>
-            <a:r>
-              <a:rPr lang="en-US" sz="2400" dirty="0" err="1"/>
-              <a:t>Int</a:t>
-            </a:r>
-            <a:r>
-              <a:rPr lang="en-US" sz="2400" dirty="0"/>
-              <a:t> = -1)(</a:t>
-            </a:r>
-            <a:r>
-              <a:rPr lang="en-US" sz="2400" dirty="0" err="1"/>
-              <a:t>ctx</a:t>
-            </a:r>
-            <a:r>
-              <a:rPr lang="en-US" sz="2400" dirty="0"/>
-              <a:t>: </a:t>
-            </a:r>
-            <a:r>
-              <a:rPr lang="en-US" sz="2400" dirty="0" err="1"/>
-              <a:t>TaskContext</a:t>
-            </a:r>
-            <a:r>
-              <a:rPr lang="en-US" sz="2400" dirty="0"/>
+              <a:rPr lang="en-US" sz="2000" dirty="0" err="1"/>
+              <a:t>sc</a:t>
+            </a:r>
+            <a:r>
+              <a:rPr lang="en-US" sz="2000" dirty="0"/>
               <a:t>, </a:t>
             </a:r>
             <a:r>
-              <a:rPr lang="en-US" sz="2400" b="1" dirty="0"/>
-              <a:t>iterator: Iterator[T]</a:t>
-            </a:r>
-            <a:r>
-              <a:rPr lang="en-US" sz="2400" dirty="0"/>
-              <a:t>): Unit = {</a:t>
-            </a:r>
-          </a:p>
-          <a:p>
-            <a:r>
-              <a:rPr lang="en-US" sz="2400" dirty="0"/>
+              <a:rPr lang="en-US" sz="2000" dirty="0" err="1"/>
+              <a:t>checkpointDirPath.toString</a:t>
+            </a:r>
+            <a:r>
+              <a:rPr lang="en-US" sz="2000" dirty="0"/>
+              <a:t>, </a:t>
+            </a:r>
+            <a:r>
+              <a:rPr lang="en-US" sz="2000" dirty="0" err="1"/>
+              <a:t>originalRDD.partitioner</a:t>
+            </a:r>
+            <a:r>
+              <a:rPr lang="en-US" sz="2000" dirty="0"/>
+              <a:t>)</a:t>
+            </a:r>
+          </a:p>
+          <a:p>
+            <a:r>
+              <a:rPr lang="en-US" sz="2000" dirty="0"/>
+              <a:t>    if (</a:t>
+            </a:r>
+            <a:r>
+              <a:rPr lang="en-US" sz="2000" dirty="0" err="1"/>
+              <a:t>newRDD.partitions.length</a:t>
+            </a:r>
+            <a:r>
+              <a:rPr lang="en-US" sz="2000" dirty="0"/>
+              <a:t> != </a:t>
+            </a:r>
+            <a:r>
+              <a:rPr lang="en-US" sz="2000" dirty="0" err="1"/>
+              <a:t>originalRDD.partitions.length</a:t>
+            </a:r>
+            <a:r>
+              <a:rPr lang="en-US" sz="2000" dirty="0"/>
+              <a:t>) {</a:t>
+            </a:r>
+          </a:p>
+          <a:p>
+            <a:r>
+              <a:rPr lang="en-US" sz="2000" dirty="0"/>
+              <a:t>      throw new </a:t>
+            </a:r>
+            <a:r>
+              <a:rPr lang="en-US" sz="2000" dirty="0" err="1"/>
+              <a:t>SparkException</a:t>
+            </a:r>
+            <a:r>
+              <a:rPr lang="en-US" sz="2000" dirty="0"/>
+              <a:t>(</a:t>
+            </a:r>
+          </a:p>
+          <a:p>
+            <a:r>
+              <a:rPr lang="en-US" sz="2000" dirty="0"/>
+              <a:t>        "Checkpoint RDD has a different number of partitions from original RDD. Original " +</a:t>
+            </a:r>
+          </a:p>
+          <a:p>
+            <a:r>
+              <a:rPr lang="en-US" sz="2000" dirty="0"/>
+              <a:t>          </a:t>
+            </a:r>
+            <a:r>
+              <a:rPr lang="en-US" sz="2000" dirty="0" err="1"/>
+              <a:t>s"RDD</a:t>
+            </a:r>
+            <a:r>
+              <a:rPr lang="en-US" sz="2000" dirty="0"/>
+              <a:t> [ID: ${originalRDD.id}, </a:t>
+            </a:r>
+            <a:r>
+              <a:rPr lang="en-US" sz="2000" dirty="0" err="1"/>
+              <a:t>num</a:t>
+            </a:r>
+            <a:r>
+              <a:rPr lang="en-US" sz="2000" dirty="0"/>
+              <a:t> of partitions: ${</a:t>
+            </a:r>
+            <a:r>
+              <a:rPr lang="en-US" sz="2000" dirty="0" err="1"/>
+              <a:t>originalRDD.partitions.length</a:t>
+            </a:r>
+            <a:r>
+              <a:rPr lang="en-US" sz="2000" dirty="0"/>
+              <a:t>}]; " +</a:t>
+            </a:r>
+          </a:p>
+          <a:p>
+            <a:r>
+              <a:rPr lang="en-US" sz="2000" dirty="0"/>
+              <a:t>          </a:t>
+            </a:r>
+            <a:r>
+              <a:rPr lang="en-US" sz="2000" dirty="0" err="1"/>
+              <a:t>s"Checkpoint</a:t>
+            </a:r>
+            <a:r>
+              <a:rPr lang="en-US" sz="2000" dirty="0"/>
+              <a:t> RDD [ID: ${newRDD.id}, </a:t>
+            </a:r>
+            <a:r>
+              <a:rPr lang="en-US" sz="2000" dirty="0" err="1"/>
+              <a:t>num</a:t>
+            </a:r>
+            <a:r>
+              <a:rPr lang="en-US" sz="2000" dirty="0"/>
+              <a:t> of partitions: " +</a:t>
+            </a:r>
+          </a:p>
+          <a:p>
+            <a:r>
+              <a:rPr lang="en-US" sz="2000" dirty="0"/>
+              <a:t>          s"${</a:t>
+            </a:r>
+            <a:r>
+              <a:rPr lang="en-US" sz="2000" dirty="0" err="1"/>
+              <a:t>newRDD.partitions.length</a:t>
+            </a:r>
+            <a:r>
+              <a:rPr lang="en-US" sz="2000" dirty="0"/>
+              <a:t>}].")</a:t>
+            </a:r>
+          </a:p>
+          <a:p>
+            <a:r>
+              <a:rPr lang="en-US" sz="2000" dirty="0"/>
+              <a:t>    }</a:t>
+            </a:r>
+          </a:p>
+          <a:p>
+            <a:r>
+              <a:rPr lang="en-US" sz="2000" dirty="0"/>
               <a:t>    </a:t>
             </a:r>
             <a:r>
-              <a:rPr lang="en-US" sz="2400" dirty="0" err="1"/>
-              <a:t>val</a:t>
-            </a:r>
-            <a:r>
-              <a:rPr lang="en-US" sz="2400" dirty="0"/>
-              <a:t> </a:t>
-            </a:r>
-            <a:r>
-              <a:rPr lang="en-US" sz="2400" dirty="0" err="1"/>
-              <a:t>env</a:t>
-            </a:r>
-            <a:r>
-              <a:rPr lang="en-US" sz="2400" dirty="0"/>
-              <a:t> = </a:t>
-            </a:r>
-            <a:r>
-              <a:rPr lang="en-US" sz="2400" dirty="0" err="1"/>
-              <a:t>SparkEnv.get</a:t>
-            </a:r>
-            <a:endParaRPr lang="en-US" sz="2400" dirty="0"/>
-          </a:p>
-          <a:p>
-            <a:r>
-              <a:rPr lang="en-US" sz="2400" dirty="0"/>
-              <a:t>    </a:t>
-            </a:r>
-            <a:r>
-              <a:rPr lang="en-US" sz="2400" dirty="0" err="1"/>
-              <a:t>val</a:t>
-            </a:r>
-            <a:r>
-              <a:rPr lang="en-US" sz="2400" dirty="0"/>
-              <a:t> </a:t>
-            </a:r>
-            <a:r>
-              <a:rPr lang="en-US" sz="2400" dirty="0" err="1"/>
-              <a:t>outputDir</a:t>
-            </a:r>
-            <a:r>
-              <a:rPr lang="en-US" sz="2400" dirty="0"/>
-              <a:t> = new Path(path)</a:t>
-            </a:r>
-          </a:p>
-          <a:p>
-            <a:r>
-              <a:rPr lang="en-US" sz="2400" dirty="0"/>
-              <a:t>    </a:t>
-            </a:r>
-            <a:r>
-              <a:rPr lang="en-US" sz="2400" dirty="0" err="1"/>
-              <a:t>val</a:t>
-            </a:r>
-            <a:r>
-              <a:rPr lang="en-US" sz="2400" dirty="0"/>
-              <a:t> fs = </a:t>
-            </a:r>
-            <a:r>
-              <a:rPr lang="en-US" sz="2400" dirty="0" err="1"/>
-              <a:t>outputDir.getFileSystem</a:t>
-            </a:r>
-            <a:r>
-              <a:rPr lang="en-US" sz="2400" dirty="0"/>
-              <a:t>(</a:t>
-            </a:r>
-            <a:r>
-              <a:rPr lang="en-US" sz="2400" dirty="0" err="1"/>
-              <a:t>broadcastedConf.value.value</a:t>
-            </a:r>
-            <a:r>
-              <a:rPr lang="en-US" sz="2400" dirty="0"/>
-              <a:t>)</a:t>
-            </a:r>
-          </a:p>
-          <a:p>
-            <a:endParaRPr lang="en-US" sz="2400" dirty="0"/>
-          </a:p>
-          <a:p>
-            <a:r>
-              <a:rPr lang="en-US" sz="2400" dirty="0"/>
-              <a:t>    </a:t>
-            </a:r>
-            <a:r>
-              <a:rPr lang="en-US" sz="2400" dirty="0" err="1"/>
-              <a:t>val</a:t>
-            </a:r>
-            <a:r>
-              <a:rPr lang="en-US" sz="2400" dirty="0"/>
-              <a:t> </a:t>
-            </a:r>
-            <a:r>
-              <a:rPr lang="en-US" sz="2400" dirty="0" err="1"/>
-              <a:t>finalOutputName</a:t>
-            </a:r>
-            <a:r>
-              <a:rPr lang="en-US" sz="2400" dirty="0"/>
-              <a:t> = </a:t>
-            </a:r>
-            <a:r>
-              <a:rPr lang="en-US" sz="2400" dirty="0" err="1"/>
-              <a:t>ReliableCheckpointRDD.checkpointFileName</a:t>
-            </a:r>
-            <a:r>
-              <a:rPr lang="en-US" sz="2400" dirty="0"/>
-              <a:t>(</a:t>
-            </a:r>
-            <a:r>
-              <a:rPr lang="en-US" sz="2400" dirty="0" err="1"/>
-              <a:t>ctx.partitionId</a:t>
-            </a:r>
-            <a:r>
-              <a:rPr lang="en-US" sz="2400" dirty="0"/>
-              <a:t>())</a:t>
-            </a:r>
-          </a:p>
-          <a:p>
-            <a:r>
-              <a:rPr lang="en-US" sz="2400" dirty="0"/>
-              <a:t>    </a:t>
-            </a:r>
-            <a:r>
-              <a:rPr lang="en-US" sz="2400" b="1" dirty="0" err="1"/>
-              <a:t>val</a:t>
-            </a:r>
-            <a:r>
-              <a:rPr lang="en-US" sz="2400" b="1" dirty="0"/>
-              <a:t> </a:t>
-            </a:r>
-            <a:r>
-              <a:rPr lang="en-US" sz="2400" b="1" dirty="0" err="1"/>
-              <a:t>finalOutputPath</a:t>
-            </a:r>
-            <a:r>
-              <a:rPr lang="en-US" sz="2400" b="1" dirty="0"/>
-              <a:t> = new Path(</a:t>
-            </a:r>
-            <a:r>
-              <a:rPr lang="en-US" sz="2400" b="1" dirty="0" err="1"/>
-              <a:t>outputDir</a:t>
-            </a:r>
-            <a:r>
-              <a:rPr lang="en-US" sz="2400" b="1" dirty="0"/>
-              <a:t>, </a:t>
-            </a:r>
-            <a:r>
-              <a:rPr lang="en-US" sz="2400" b="1" dirty="0" err="1"/>
-              <a:t>finalOutputName</a:t>
-            </a:r>
-            <a:r>
-              <a:rPr lang="en-US" sz="2400" b="1" dirty="0"/>
-              <a:t>)</a:t>
-            </a:r>
-          </a:p>
-          <a:p>
-            <a:r>
-              <a:rPr lang="en-US" sz="2400" b="1" dirty="0"/>
-              <a:t>    </a:t>
-            </a:r>
-            <a:r>
-              <a:rPr lang="en-US" sz="2400" b="1" dirty="0" err="1"/>
-              <a:t>val</a:t>
-            </a:r>
-            <a:r>
-              <a:rPr lang="en-US" sz="2400" b="1" dirty="0"/>
-              <a:t> </a:t>
-            </a:r>
-            <a:r>
-              <a:rPr lang="en-US" sz="2400" b="1" dirty="0" err="1"/>
-              <a:t>tempOutputPath</a:t>
-            </a:r>
-            <a:r>
-              <a:rPr lang="en-US" sz="2400" b="1" dirty="0"/>
-              <a:t> =</a:t>
-            </a:r>
-          </a:p>
-          <a:p>
-            <a:r>
-              <a:rPr lang="en-US" sz="2400" b="1" dirty="0"/>
-              <a:t>      new Path(</a:t>
-            </a:r>
-            <a:r>
-              <a:rPr lang="en-US" sz="2400" b="1" dirty="0" err="1"/>
-              <a:t>outputDir</a:t>
-            </a:r>
-            <a:r>
-              <a:rPr lang="en-US" sz="2400" b="1" dirty="0"/>
-              <a:t>, s".$</a:t>
-            </a:r>
-            <a:r>
-              <a:rPr lang="en-US" sz="2400" b="1" dirty="0" err="1"/>
-              <a:t>finalOutputName</a:t>
-            </a:r>
-            <a:r>
-              <a:rPr lang="en-US" sz="2400" b="1" dirty="0"/>
-              <a:t>-attempt-${</a:t>
-            </a:r>
-            <a:r>
-              <a:rPr lang="en-US" sz="2400" b="1" dirty="0" err="1"/>
-              <a:t>ctx.attemptNumber</a:t>
-            </a:r>
-            <a:r>
-              <a:rPr lang="en-US" sz="2400" b="1" dirty="0"/>
-              <a:t>()}")</a:t>
-            </a:r>
-          </a:p>
-          <a:p>
-            <a:endParaRPr lang="en-US" sz="2400" dirty="0"/>
-          </a:p>
-          <a:p>
-            <a:r>
-              <a:rPr lang="en-US" sz="2400" dirty="0"/>
-              <a:t>    </a:t>
-            </a:r>
-            <a:r>
-              <a:rPr lang="en-US" sz="2400" dirty="0" err="1"/>
-              <a:t>val</a:t>
-            </a:r>
-            <a:r>
-              <a:rPr lang="en-US" sz="2400" dirty="0"/>
-              <a:t> </a:t>
-            </a:r>
-            <a:r>
-              <a:rPr lang="en-US" sz="2400" dirty="0" err="1"/>
-              <a:t>bufferSize</a:t>
-            </a:r>
-            <a:r>
-              <a:rPr lang="en-US" sz="2400" dirty="0"/>
-              <a:t> = </a:t>
-            </a:r>
-            <a:r>
-              <a:rPr lang="en-US" sz="2400" dirty="0" err="1"/>
-              <a:t>env.conf.get</a:t>
-            </a:r>
-            <a:r>
-              <a:rPr lang="en-US" sz="2400" dirty="0"/>
-              <a:t>(BUFFER_SIZE)</a:t>
-            </a:r>
-          </a:p>
-          <a:p>
-            <a:endParaRPr lang="en-US" dirty="0"/>
-          </a:p>
-          <a:p>
-            <a:r>
-              <a:rPr lang="en-US" dirty="0"/>
-              <a:t>  </a:t>
-            </a:r>
-            <a:endParaRPr lang="ru-RU" dirty="0"/>
+              <a:rPr lang="en-US" sz="2000" dirty="0" err="1"/>
+              <a:t>newRDD</a:t>
+            </a:r>
+            <a:endParaRPr lang="en-US" sz="2000" dirty="0"/>
+          </a:p>
+          <a:p>
+            <a:r>
+              <a:rPr lang="en-US" sz="2000" dirty="0"/>
+              <a:t>  }</a:t>
+            </a:r>
+            <a:endParaRPr lang="ru-RU" sz="2000" dirty="0"/>
           </a:p>
         </p:txBody>
       </p:sp>
       <p:sp>
         <p:nvSpPr>
-          <p:cNvPr id="11" name="Прямоугольник 10"/>
+          <p:cNvPr id="5" name="Прямоугольник 4"/>
           <p:cNvSpPr/>
           <p:nvPr/>
         </p:nvSpPr>
@@ -9983,13 +9944,20 @@
     </p:spTree>
     <p:extLst>
       <p:ext uri="{BB962C8B-B14F-4D97-AF65-F5344CB8AC3E}">
-        <p14:creationId xmlns:p14="http://schemas.microsoft.com/office/powerpoint/2010/main" val="465392787"/>
+        <p14:creationId xmlns:p14="http://schemas.microsoft.com/office/powerpoint/2010/main" val="3733357863"/>
       </p:ext>
     </p:extLst>
   </p:cSld>
   <p:clrMapOvr>
     <a:masterClrMapping/>
   </p:clrMapOvr>
+  <p:timing>
+    <p:tnLst>
+      <p:par>
+        <p:cTn id="1" dur="indefinite" restart="never" nodeType="tmRoot"/>
+      </p:par>
+    </p:tnLst>
+  </p:timing>
 </p:sld>
 </file>
 
@@ -10051,8 +10019,8 @@
         </p:nvSpPr>
         <p:spPr>
           <a:xfrm>
-            <a:off x="1346479" y="2099743"/>
-            <a:ext cx="9563179" cy="1754326"/>
+            <a:off x="1316335" y="3315594"/>
+            <a:ext cx="10598198" cy="2308324"/>
           </a:xfrm>
           <a:prstGeom prst="rect">
             <a:avLst/>
@@ -10082,6 +10050,18 @@
           </a:p>
           <a:p>
             <a:r>
+              <a:rPr lang="en-US" sz="3600" dirty="0" err="1"/>
+              <a:t>v</a:t>
+            </a:r>
+            <a:r>
+              <a:rPr lang="en-US" sz="3600" dirty="0" err="1" smtClean="0"/>
+              <a:t>al</a:t>
+            </a:r>
+            <a:r>
+              <a:rPr lang="en-US" sz="3600" dirty="0" smtClean="0"/>
+              <a:t> df1 =</a:t>
+            </a:r>
+            <a:r>
               <a:rPr lang="en-US" sz="3600" dirty="0" err="1" smtClean="0"/>
               <a:t>spark.spark.range</a:t>
             </a:r>
@@ -10091,9 +10071,119 @@
             </a:r>
             <a:r>
               <a:rPr lang="en-US" sz="3600" dirty="0"/>
-              <a:t>).checkpoint()</a:t>
+              <a:t>).checkpoint</a:t>
+            </a:r>
+            <a:r>
+              <a:rPr lang="en-US" sz="3600" dirty="0" smtClean="0"/>
+              <a:t>()</a:t>
+            </a:r>
+          </a:p>
+          <a:p>
+            <a:r>
+              <a:rPr lang="en-US" sz="3600" dirty="0"/>
+              <a:t>d</a:t>
+            </a:r>
+            <a:r>
+              <a:rPr lang="en-US" sz="3600" dirty="0" smtClean="0"/>
+              <a:t>f1.collect()</a:t>
             </a:r>
             <a:endParaRPr lang="ru-RU" sz="3600" dirty="0"/>
+          </a:p>
+        </p:txBody>
+      </p:sp>
+      <p:sp>
+        <p:nvSpPr>
+          <p:cNvPr id="5" name="Прямоугольник 4"/>
+          <p:cNvSpPr/>
+          <p:nvPr/>
+        </p:nvSpPr>
+        <p:spPr>
+          <a:xfrm>
+            <a:off x="2351353" y="2146978"/>
+            <a:ext cx="8837227" cy="523220"/>
+          </a:xfrm>
+          <a:prstGeom prst="rect">
+            <a:avLst/>
+          </a:prstGeom>
+        </p:spPr>
+        <p:txBody>
+          <a:bodyPr wrap="none">
+            <a:spAutoFit/>
+          </a:bodyPr>
+          <a:lstStyle/>
+          <a:p>
+            <a:r>
+              <a:rPr lang="ru-RU" sz="2800" dirty="0" err="1" smtClean="0"/>
+              <a:t>The</a:t>
+            </a:r>
+            <a:r>
+              <a:rPr lang="ru-RU" sz="2800" dirty="0" smtClean="0"/>
+              <a:t> </a:t>
+            </a:r>
+            <a:r>
+              <a:rPr lang="ru-RU" sz="2800" dirty="0" err="1"/>
+              <a:t>directory</a:t>
+            </a:r>
+            <a:r>
+              <a:rPr lang="ru-RU" sz="2800" dirty="0"/>
+              <a:t> </a:t>
+            </a:r>
+            <a:r>
+              <a:rPr lang="ru-RU" sz="2800" dirty="0" err="1"/>
+              <a:t>must</a:t>
+            </a:r>
+            <a:r>
+              <a:rPr lang="ru-RU" sz="2800" dirty="0"/>
+              <a:t> </a:t>
+            </a:r>
+            <a:r>
+              <a:rPr lang="ru-RU" sz="2800" dirty="0" err="1"/>
+              <a:t>be</a:t>
+            </a:r>
+            <a:r>
+              <a:rPr lang="ru-RU" sz="2800" dirty="0"/>
+              <a:t> a HDFS </a:t>
+            </a:r>
+            <a:r>
+              <a:rPr lang="ru-RU" sz="2800" dirty="0" err="1"/>
+              <a:t>path</a:t>
+            </a:r>
+            <a:r>
+              <a:rPr lang="ru-RU" sz="2800" dirty="0"/>
+              <a:t> </a:t>
+            </a:r>
+            <a:r>
+              <a:rPr lang="ru-RU" sz="2800" dirty="0" err="1"/>
+              <a:t>if</a:t>
+            </a:r>
+            <a:r>
+              <a:rPr lang="ru-RU" sz="2800" dirty="0"/>
+              <a:t> </a:t>
+            </a:r>
+            <a:r>
+              <a:rPr lang="ru-RU" sz="2800" dirty="0" err="1"/>
+              <a:t>running</a:t>
+            </a:r>
+            <a:r>
+              <a:rPr lang="ru-RU" sz="2800" dirty="0"/>
+              <a:t> </a:t>
+            </a:r>
+            <a:r>
+              <a:rPr lang="ru-RU" sz="2800" dirty="0" err="1"/>
+              <a:t>on</a:t>
+            </a:r>
+            <a:r>
+              <a:rPr lang="ru-RU" sz="2800" dirty="0"/>
+              <a:t> a </a:t>
+            </a:r>
+            <a:r>
+              <a:rPr lang="ru-RU" sz="2800" dirty="0" err="1"/>
+              <a:t>cluster</a:t>
+            </a:r>
+            <a:r>
+              <a:rPr lang="ru-RU" sz="2800" dirty="0"/>
+              <a:t>.</a:t>
+            </a:r>
           </a:p>
         </p:txBody>
       </p:sp>
@@ -10136,6 +10226,471 @@
       </p:grpSpPr>
       <p:sp>
         <p:nvSpPr>
+          <p:cNvPr id="4" name="Прямоугольник 3"/>
+          <p:cNvSpPr/>
+          <p:nvPr/>
+        </p:nvSpPr>
+        <p:spPr>
+          <a:xfrm>
+            <a:off x="0" y="1004835"/>
+            <a:ext cx="12192000" cy="5816977"/>
+          </a:xfrm>
+          <a:prstGeom prst="rect">
+            <a:avLst/>
+          </a:prstGeom>
+        </p:spPr>
+        <p:txBody>
+          <a:bodyPr wrap="square">
+            <a:spAutoFit/>
+          </a:bodyPr>
+          <a:lstStyle/>
+          <a:p>
+            <a:r>
+              <a:rPr lang="en-US" sz="2400" dirty="0" err="1"/>
+              <a:t>def</a:t>
+            </a:r>
+            <a:r>
+              <a:rPr lang="en-US" sz="2400" dirty="0"/>
+              <a:t> </a:t>
+            </a:r>
+            <a:r>
+              <a:rPr lang="en-US" sz="2400" dirty="0" err="1"/>
+              <a:t>writePartitionToCheckpointFile</a:t>
+            </a:r>
+            <a:r>
+              <a:rPr lang="en-US" sz="2400" dirty="0"/>
+              <a:t>[T: </a:t>
+            </a:r>
+            <a:r>
+              <a:rPr lang="en-US" sz="2400" dirty="0" err="1"/>
+              <a:t>ClassTag</a:t>
+            </a:r>
+            <a:r>
+              <a:rPr lang="en-US" sz="2400" dirty="0"/>
+              <a:t>](</a:t>
+            </a:r>
+          </a:p>
+          <a:p>
+            <a:r>
+              <a:rPr lang="en-US" sz="2400" dirty="0"/>
+              <a:t>      path: String,</a:t>
+            </a:r>
+          </a:p>
+          <a:p>
+            <a:r>
+              <a:rPr lang="en-US" sz="2400" dirty="0"/>
+              <a:t>      </a:t>
+            </a:r>
+            <a:r>
+              <a:rPr lang="en-US" sz="2400" dirty="0" err="1"/>
+              <a:t>broadcastedConf</a:t>
+            </a:r>
+            <a:r>
+              <a:rPr lang="en-US" sz="2400" dirty="0"/>
+              <a:t>: Broadcast[</a:t>
+            </a:r>
+            <a:r>
+              <a:rPr lang="en-US" sz="2400" dirty="0" err="1"/>
+              <a:t>SerializableConfiguration</a:t>
+            </a:r>
+            <a:r>
+              <a:rPr lang="en-US" sz="2400" dirty="0"/>
+              <a:t>],</a:t>
+            </a:r>
+          </a:p>
+          <a:p>
+            <a:r>
+              <a:rPr lang="en-US" sz="2400" dirty="0"/>
+              <a:t>      </a:t>
+            </a:r>
+            <a:r>
+              <a:rPr lang="en-US" sz="2400" dirty="0" err="1"/>
+              <a:t>blockSize</a:t>
+            </a:r>
+            <a:r>
+              <a:rPr lang="en-US" sz="2400" dirty="0"/>
+              <a:t>: </a:t>
+            </a:r>
+            <a:r>
+              <a:rPr lang="en-US" sz="2400" dirty="0" err="1"/>
+              <a:t>Int</a:t>
+            </a:r>
+            <a:r>
+              <a:rPr lang="en-US" sz="2400" dirty="0"/>
+              <a:t> = -1)(</a:t>
+            </a:r>
+            <a:r>
+              <a:rPr lang="en-US" sz="2400" dirty="0" err="1"/>
+              <a:t>ctx</a:t>
+            </a:r>
+            <a:r>
+              <a:rPr lang="en-US" sz="2400" dirty="0"/>
+              <a:t>: </a:t>
+            </a:r>
+            <a:r>
+              <a:rPr lang="en-US" sz="2400" dirty="0" err="1"/>
+              <a:t>TaskContext</a:t>
+            </a:r>
+            <a:r>
+              <a:rPr lang="en-US" sz="2400" dirty="0"/>
+              <a:t>, </a:t>
+            </a:r>
+            <a:r>
+              <a:rPr lang="en-US" sz="2400" b="1" dirty="0"/>
+              <a:t>iterator: Iterator[T]</a:t>
+            </a:r>
+            <a:r>
+              <a:rPr lang="en-US" sz="2400" dirty="0"/>
+              <a:t>): Unit = {</a:t>
+            </a:r>
+          </a:p>
+          <a:p>
+            <a:r>
+              <a:rPr lang="en-US" sz="2400" dirty="0"/>
+              <a:t>    </a:t>
+            </a:r>
+            <a:r>
+              <a:rPr lang="en-US" sz="2400" dirty="0" err="1"/>
+              <a:t>val</a:t>
+            </a:r>
+            <a:r>
+              <a:rPr lang="en-US" sz="2400" dirty="0"/>
+              <a:t> </a:t>
+            </a:r>
+            <a:r>
+              <a:rPr lang="en-US" sz="2400" dirty="0" err="1"/>
+              <a:t>env</a:t>
+            </a:r>
+            <a:r>
+              <a:rPr lang="en-US" sz="2400" dirty="0"/>
+              <a:t> = </a:t>
+            </a:r>
+            <a:r>
+              <a:rPr lang="en-US" sz="2400" dirty="0" err="1"/>
+              <a:t>SparkEnv.get</a:t>
+            </a:r>
+            <a:endParaRPr lang="en-US" sz="2400" dirty="0"/>
+          </a:p>
+          <a:p>
+            <a:r>
+              <a:rPr lang="en-US" sz="2400" dirty="0"/>
+              <a:t>    </a:t>
+            </a:r>
+            <a:r>
+              <a:rPr lang="en-US" sz="2400" dirty="0" err="1"/>
+              <a:t>val</a:t>
+            </a:r>
+            <a:r>
+              <a:rPr lang="en-US" sz="2400" dirty="0"/>
+              <a:t> </a:t>
+            </a:r>
+            <a:r>
+              <a:rPr lang="en-US" sz="2400" dirty="0" err="1"/>
+              <a:t>outputDir</a:t>
+            </a:r>
+            <a:r>
+              <a:rPr lang="en-US" sz="2400" dirty="0"/>
+              <a:t> = new Path(path)</a:t>
+            </a:r>
+          </a:p>
+          <a:p>
+            <a:r>
+              <a:rPr lang="en-US" sz="2400" dirty="0"/>
+              <a:t>    </a:t>
+            </a:r>
+            <a:r>
+              <a:rPr lang="en-US" sz="2400" dirty="0" err="1"/>
+              <a:t>val</a:t>
+            </a:r>
+            <a:r>
+              <a:rPr lang="en-US" sz="2400" dirty="0"/>
+              <a:t> fs = </a:t>
+            </a:r>
+            <a:r>
+              <a:rPr lang="en-US" sz="2400" dirty="0" err="1"/>
+              <a:t>outputDir.getFileSystem</a:t>
+            </a:r>
+            <a:r>
+              <a:rPr lang="en-US" sz="2400" dirty="0"/>
+              <a:t>(</a:t>
+            </a:r>
+            <a:r>
+              <a:rPr lang="en-US" sz="2400" dirty="0" err="1"/>
+              <a:t>broadcastedConf.value.value</a:t>
+            </a:r>
+            <a:r>
+              <a:rPr lang="en-US" sz="2400" dirty="0"/>
+              <a:t>)</a:t>
+            </a:r>
+          </a:p>
+          <a:p>
+            <a:endParaRPr lang="en-US" sz="2400" dirty="0"/>
+          </a:p>
+          <a:p>
+            <a:r>
+              <a:rPr lang="en-US" sz="2400" dirty="0"/>
+              <a:t>    </a:t>
+            </a:r>
+            <a:r>
+              <a:rPr lang="en-US" sz="2400" dirty="0" err="1"/>
+              <a:t>val</a:t>
+            </a:r>
+            <a:r>
+              <a:rPr lang="en-US" sz="2400" dirty="0"/>
+              <a:t> </a:t>
+            </a:r>
+            <a:r>
+              <a:rPr lang="en-US" sz="2400" dirty="0" err="1"/>
+              <a:t>finalOutputName</a:t>
+            </a:r>
+            <a:r>
+              <a:rPr lang="en-US" sz="2400" dirty="0"/>
+              <a:t> = </a:t>
+            </a:r>
+            <a:r>
+              <a:rPr lang="en-US" sz="2400" dirty="0" err="1"/>
+              <a:t>ReliableCheckpointRDD.checkpointFileName</a:t>
+            </a:r>
+            <a:r>
+              <a:rPr lang="en-US" sz="2400" dirty="0"/>
+              <a:t>(</a:t>
+            </a:r>
+            <a:r>
+              <a:rPr lang="en-US" sz="2400" dirty="0" err="1"/>
+              <a:t>ctx.partitionId</a:t>
+            </a:r>
+            <a:r>
+              <a:rPr lang="en-US" sz="2400" dirty="0"/>
+              <a:t>())</a:t>
+            </a:r>
+          </a:p>
+          <a:p>
+            <a:r>
+              <a:rPr lang="en-US" sz="2400" dirty="0"/>
+              <a:t>    </a:t>
+            </a:r>
+            <a:r>
+              <a:rPr lang="en-US" sz="2400" b="1" dirty="0" err="1"/>
+              <a:t>val</a:t>
+            </a:r>
+            <a:r>
+              <a:rPr lang="en-US" sz="2400" b="1" dirty="0"/>
+              <a:t> </a:t>
+            </a:r>
+            <a:r>
+              <a:rPr lang="en-US" sz="2400" b="1" dirty="0" err="1"/>
+              <a:t>finalOutputPath</a:t>
+            </a:r>
+            <a:r>
+              <a:rPr lang="en-US" sz="2400" b="1" dirty="0"/>
+              <a:t> = new Path(</a:t>
+            </a:r>
+            <a:r>
+              <a:rPr lang="en-US" sz="2400" b="1" dirty="0" err="1"/>
+              <a:t>outputDir</a:t>
+            </a:r>
+            <a:r>
+              <a:rPr lang="en-US" sz="2400" b="1" dirty="0"/>
+              <a:t>, </a:t>
+            </a:r>
+            <a:r>
+              <a:rPr lang="en-US" sz="2400" b="1" dirty="0" err="1"/>
+              <a:t>finalOutputName</a:t>
+            </a:r>
+            <a:r>
+              <a:rPr lang="en-US" sz="2400" b="1" dirty="0"/>
+              <a:t>)</a:t>
+            </a:r>
+          </a:p>
+          <a:p>
+            <a:r>
+              <a:rPr lang="en-US" sz="2400" b="1" dirty="0"/>
+              <a:t>    </a:t>
+            </a:r>
+            <a:r>
+              <a:rPr lang="en-US" sz="2400" b="1" dirty="0" err="1"/>
+              <a:t>val</a:t>
+            </a:r>
+            <a:r>
+              <a:rPr lang="en-US" sz="2400" b="1" dirty="0"/>
+              <a:t> </a:t>
+            </a:r>
+            <a:r>
+              <a:rPr lang="en-US" sz="2400" b="1" dirty="0" err="1"/>
+              <a:t>tempOutputPath</a:t>
+            </a:r>
+            <a:r>
+              <a:rPr lang="en-US" sz="2400" b="1" dirty="0"/>
+              <a:t> =</a:t>
+            </a:r>
+          </a:p>
+          <a:p>
+            <a:r>
+              <a:rPr lang="en-US" sz="2400" b="1" dirty="0"/>
+              <a:t>      new Path(</a:t>
+            </a:r>
+            <a:r>
+              <a:rPr lang="en-US" sz="2400" b="1" dirty="0" err="1"/>
+              <a:t>outputDir</a:t>
+            </a:r>
+            <a:r>
+              <a:rPr lang="en-US" sz="2400" b="1" dirty="0"/>
+              <a:t>, s".$</a:t>
+            </a:r>
+            <a:r>
+              <a:rPr lang="en-US" sz="2400" b="1" dirty="0" err="1"/>
+              <a:t>finalOutputName</a:t>
+            </a:r>
+            <a:r>
+              <a:rPr lang="en-US" sz="2400" b="1" dirty="0"/>
+              <a:t>-attempt-${</a:t>
+            </a:r>
+            <a:r>
+              <a:rPr lang="en-US" sz="2400" b="1" dirty="0" err="1"/>
+              <a:t>ctx.attemptNumber</a:t>
+            </a:r>
+            <a:r>
+              <a:rPr lang="en-US" sz="2400" b="1" dirty="0"/>
+              <a:t>()}")</a:t>
+            </a:r>
+          </a:p>
+          <a:p>
+            <a:endParaRPr lang="en-US" sz="2400" dirty="0"/>
+          </a:p>
+          <a:p>
+            <a:r>
+              <a:rPr lang="en-US" sz="2400" dirty="0"/>
+              <a:t>    </a:t>
+            </a:r>
+            <a:r>
+              <a:rPr lang="en-US" sz="2400" dirty="0" err="1"/>
+              <a:t>val</a:t>
+            </a:r>
+            <a:r>
+              <a:rPr lang="en-US" sz="2400" dirty="0"/>
+              <a:t> </a:t>
+            </a:r>
+            <a:r>
+              <a:rPr lang="en-US" sz="2400" dirty="0" err="1"/>
+              <a:t>bufferSize</a:t>
+            </a:r>
+            <a:r>
+              <a:rPr lang="en-US" sz="2400" dirty="0"/>
+              <a:t> = </a:t>
+            </a:r>
+            <a:r>
+              <a:rPr lang="en-US" sz="2400" dirty="0" err="1"/>
+              <a:t>env.conf.get</a:t>
+            </a:r>
+            <a:r>
+              <a:rPr lang="en-US" sz="2400" dirty="0"/>
+              <a:t>(BUFFER_SIZE)</a:t>
+            </a:r>
+          </a:p>
+          <a:p>
+            <a:endParaRPr lang="en-US" dirty="0"/>
+          </a:p>
+          <a:p>
+            <a:r>
+              <a:rPr lang="en-US" dirty="0"/>
+              <a:t>  </a:t>
+            </a:r>
+            <a:endParaRPr lang="ru-RU" dirty="0"/>
+          </a:p>
+        </p:txBody>
+      </p:sp>
+      <p:sp>
+        <p:nvSpPr>
+          <p:cNvPr id="11" name="Прямоугольник 10"/>
+          <p:cNvSpPr/>
+          <p:nvPr/>
+        </p:nvSpPr>
+        <p:spPr>
+          <a:xfrm>
+            <a:off x="1" y="-38950"/>
+            <a:ext cx="12101564" cy="1182359"/>
+          </a:xfrm>
+          <a:prstGeom prst="rect">
+            <a:avLst/>
+          </a:prstGeom>
+        </p:spPr>
+        <p:txBody>
+          <a:bodyPr vert="horz" lIns="91440" tIns="45720" rIns="91440" bIns="45720" rtlCol="0" anchor="ctr">
+            <a:normAutofit/>
+          </a:bodyPr>
+          <a:lstStyle/>
+          <a:p>
+            <a:pPr algn="ctr">
+              <a:lnSpc>
+                <a:spcPct val="90000"/>
+              </a:lnSpc>
+              <a:spcBef>
+                <a:spcPct val="0"/>
+              </a:spcBef>
+            </a:pPr>
+            <a:r>
+              <a:rPr lang="en-US" sz="4400" dirty="0" smtClean="0">
+                <a:latin typeface="+mj-lt"/>
+                <a:ea typeface="+mj-ea"/>
+                <a:cs typeface="+mj-cs"/>
+              </a:rPr>
+              <a:t>Class </a:t>
+            </a:r>
+            <a:r>
+              <a:rPr lang="en-US" sz="4400" dirty="0" err="1" smtClean="0">
+                <a:latin typeface="+mj-lt"/>
+                <a:ea typeface="+mj-ea"/>
+                <a:cs typeface="+mj-cs"/>
+              </a:rPr>
+              <a:t>ReliableCheckpointRDD</a:t>
+            </a:r>
+            <a:endParaRPr lang="ru-RU" sz="4400" dirty="0">
+              <a:latin typeface="+mj-lt"/>
+              <a:ea typeface="+mj-ea"/>
+              <a:cs typeface="+mj-cs"/>
+            </a:endParaRPr>
+          </a:p>
+        </p:txBody>
+      </p:sp>
+    </p:spTree>
+    <p:extLst>
+      <p:ext uri="{BB962C8B-B14F-4D97-AF65-F5344CB8AC3E}">
+        <p14:creationId xmlns:p14="http://schemas.microsoft.com/office/powerpoint/2010/main" val="465392787"/>
+      </p:ext>
+    </p:extLst>
+  </p:cSld>
+  <p:clrMapOvr>
+    <a:masterClrMapping/>
+  </p:clrMapOvr>
+  <p:timing>
+    <p:tnLst>
+      <p:par>
+        <p:cTn id="1" dur="indefinite" restart="never" nodeType="tmRoot"/>
+      </p:par>
+    </p:tnLst>
+  </p:timing>
+</p:sld>
+</file>
+
+<file path=ppt/slides/slide21.xml><?xml version="1.0" encoding="utf-8"?>
+<p:sld xmlns:a="http://schemas.openxmlformats.org/drawingml/2006/main" xmlns:r="http://schemas.openxmlformats.org/officeDocument/2006/relationships" xmlns:p="http://schemas.openxmlformats.org/presentationml/2006/main">
+  <p:cSld>
+    <p:spTree>
+      <p:nvGrpSpPr>
+        <p:cNvPr id="1" name=""/>
+        <p:cNvGrpSpPr/>
+        <p:nvPr/>
+      </p:nvGrpSpPr>
+      <p:grpSpPr>
+        <a:xfrm>
+          <a:off x="0" y="0"/>
+          <a:ext cx="0" cy="0"/>
+          <a:chOff x="0" y="0"/>
+          <a:chExt cx="0" cy="0"/>
+        </a:xfrm>
+      </p:grpSpPr>
+      <p:sp>
+        <p:nvSpPr>
           <p:cNvPr id="2" name="Прямоугольник 1"/>
           <p:cNvSpPr/>
           <p:nvPr/>
@@ -10471,11 +11026,11 @@
               <a:t>      </a:t>
             </a:r>
             <a:r>
-              <a:rPr lang="en-US" sz="2000" dirty="0" err="1"/>
+              <a:rPr lang="en-US" sz="2000" b="1" dirty="0" err="1"/>
               <a:t>serializeStream.writeAll</a:t>
             </a:r>
             <a:r>
-              <a:rPr lang="en-US" sz="2000" dirty="0"/>
+              <a:rPr lang="en-US" sz="2000" b="1" dirty="0"/>
               <a:t>(iterator)</a:t>
             </a:r>
           </a:p>
@@ -10573,10 +11128,17 @@
   <p:clrMapOvr>
     <a:masterClrMapping/>
   </p:clrMapOvr>
+  <p:timing>
+    <p:tnLst>
+      <p:par>
+        <p:cTn id="1" dur="indefinite" restart="never" nodeType="tmRoot"/>
+      </p:par>
+    </p:tnLst>
+  </p:timing>
 </p:sld>
 </file>
 
-<file path=ppt/slides/slide21.xml><?xml version="1.0" encoding="utf-8"?>
+<file path=ppt/slides/slide22.xml><?xml version="1.0" encoding="utf-8"?>
 <p:sld xmlns:a="http://schemas.openxmlformats.org/drawingml/2006/main" xmlns:r="http://schemas.openxmlformats.org/officeDocument/2006/relationships" xmlns:p="http://schemas.openxmlformats.org/presentationml/2006/main">
   <p:cSld>
     <p:spTree>
@@ -10953,10 +11515,17 @@
   <p:clrMapOvr>
     <a:masterClrMapping/>
   </p:clrMapOvr>
+  <p:timing>
+    <p:tnLst>
+      <p:par>
+        <p:cTn id="1" dur="indefinite" restart="never" nodeType="tmRoot"/>
+      </p:par>
+    </p:tnLst>
+  </p:timing>
 </p:sld>
 </file>
 
-<file path=ppt/slides/slide22.xml><?xml version="1.0" encoding="utf-8"?>
+<file path=ppt/slides/slide23.xml><?xml version="1.0" encoding="utf-8"?>
 <p:sld xmlns:a="http://schemas.openxmlformats.org/drawingml/2006/main" xmlns:r="http://schemas.openxmlformats.org/officeDocument/2006/relationships" xmlns:p="http://schemas.openxmlformats.org/presentationml/2006/main">
   <p:cSld>
     <p:spTree>
@@ -11173,10 +11742,17 @@
   <p:clrMapOvr>
     <a:masterClrMapping/>
   </p:clrMapOvr>
+  <p:timing>
+    <p:tnLst>
+      <p:par>
+        <p:cTn id="1" dur="indefinite" restart="never" nodeType="tmRoot"/>
+      </p:par>
+    </p:tnLst>
+  </p:timing>
 </p:sld>
 </file>
 
-<file path=ppt/slides/slide23.xml><?xml version="1.0" encoding="utf-8"?>
+<file path=ppt/slides/slide24.xml><?xml version="1.0" encoding="utf-8"?>
 <p:sld xmlns:a="http://schemas.openxmlformats.org/drawingml/2006/main" xmlns:r="http://schemas.openxmlformats.org/officeDocument/2006/relationships" xmlns:p="http://schemas.openxmlformats.org/presentationml/2006/main">
   <p:cSld>
     <p:spTree>
@@ -11201,8 +11777,8 @@
         </p:nvSpPr>
         <p:spPr>
           <a:xfrm>
-            <a:off x="1" y="1149263"/>
-            <a:ext cx="12192000" cy="3139321"/>
+            <a:off x="-45217" y="1551197"/>
+            <a:ext cx="12192000" cy="4154984"/>
           </a:xfrm>
           <a:prstGeom prst="rect">
             <a:avLst/>
@@ -11215,179 +11791,179 @@
           <a:lstStyle/>
           <a:p>
             <a:r>
-              <a:rPr lang="en-US" dirty="0"/>
+              <a:rPr lang="en-US" sz="2400" dirty="0"/>
               <a:t> /**</a:t>
             </a:r>
           </a:p>
           <a:p>
             <a:r>
-              <a:rPr lang="en-US" dirty="0"/>
+              <a:rPr lang="en-US" sz="2400" dirty="0"/>
               <a:t>   * Read the content of the specified checkpoint file.</a:t>
             </a:r>
           </a:p>
           <a:p>
             <a:r>
-              <a:rPr lang="en-US" dirty="0"/>
+              <a:rPr lang="en-US" sz="2400" dirty="0"/>
               <a:t>   */</a:t>
             </a:r>
           </a:p>
           <a:p>
             <a:r>
-              <a:rPr lang="en-US" dirty="0"/>
+              <a:rPr lang="en-US" sz="2400" dirty="0"/>
               <a:t>  </a:t>
             </a:r>
             <a:r>
-              <a:rPr lang="en-US" dirty="0" err="1"/>
+              <a:rPr lang="en-US" sz="2400" dirty="0" err="1"/>
               <a:t>def</a:t>
             </a:r>
             <a:r>
-              <a:rPr lang="en-US" dirty="0"/>
+              <a:rPr lang="en-US" sz="2400" dirty="0"/>
               <a:t> </a:t>
             </a:r>
             <a:r>
-              <a:rPr lang="en-US" dirty="0" err="1"/>
+              <a:rPr lang="en-US" sz="2400" dirty="0" err="1"/>
               <a:t>readCheckpointFile</a:t>
             </a:r>
             <a:r>
-              <a:rPr lang="en-US" dirty="0"/>
+              <a:rPr lang="en-US" sz="2400" dirty="0"/>
               <a:t>[T](</a:t>
             </a:r>
           </a:p>
           <a:p>
             <a:r>
-              <a:rPr lang="en-US" dirty="0"/>
+              <a:rPr lang="en-US" sz="2400" dirty="0"/>
               <a:t>      path: Path,</a:t>
             </a:r>
           </a:p>
           <a:p>
             <a:r>
-              <a:rPr lang="en-US" dirty="0"/>
+              <a:rPr lang="en-US" sz="2400" dirty="0"/>
               <a:t>      </a:t>
             </a:r>
             <a:r>
-              <a:rPr lang="en-US" dirty="0" err="1"/>
+              <a:rPr lang="en-US" sz="2400" dirty="0" err="1"/>
               <a:t>broadcastedConf</a:t>
             </a:r>
             <a:r>
-              <a:rPr lang="en-US" dirty="0"/>
+              <a:rPr lang="en-US" sz="2400" dirty="0"/>
               <a:t>: Broadcast[</a:t>
             </a:r>
             <a:r>
-              <a:rPr lang="en-US" dirty="0" err="1"/>
+              <a:rPr lang="en-US" sz="2400" dirty="0" err="1"/>
               <a:t>SerializableConfiguration</a:t>
             </a:r>
             <a:r>
-              <a:rPr lang="en-US" dirty="0"/>
+              <a:rPr lang="en-US" sz="2400" dirty="0"/>
               <a:t>],</a:t>
             </a:r>
           </a:p>
           <a:p>
             <a:r>
-              <a:rPr lang="en-US" dirty="0"/>
+              <a:rPr lang="en-US" sz="2400" dirty="0"/>
               <a:t>      context: </a:t>
             </a:r>
             <a:r>
-              <a:rPr lang="en-US" dirty="0" err="1"/>
+              <a:rPr lang="en-US" sz="2400" dirty="0" err="1"/>
               <a:t>TaskContext</a:t>
             </a:r>
             <a:r>
-              <a:rPr lang="en-US" dirty="0"/>
+              <a:rPr lang="en-US" sz="2400" dirty="0"/>
               <a:t>): Iterator[T] = {</a:t>
             </a:r>
           </a:p>
           <a:p>
             <a:r>
-              <a:rPr lang="en-US" dirty="0"/>
+              <a:rPr lang="en-US" sz="2400" dirty="0"/>
               <a:t>    </a:t>
             </a:r>
             <a:r>
-              <a:rPr lang="en-US" dirty="0" err="1"/>
+              <a:rPr lang="en-US" sz="2400" dirty="0" err="1"/>
               <a:t>val</a:t>
             </a:r>
             <a:r>
-              <a:rPr lang="en-US" dirty="0"/>
+              <a:rPr lang="en-US" sz="2400" dirty="0"/>
               <a:t> </a:t>
             </a:r>
             <a:r>
-              <a:rPr lang="en-US" dirty="0" err="1"/>
+              <a:rPr lang="en-US" sz="2400" dirty="0" err="1"/>
               <a:t>env</a:t>
             </a:r>
             <a:r>
-              <a:rPr lang="en-US" dirty="0"/>
+              <a:rPr lang="en-US" sz="2400" dirty="0"/>
               <a:t> = </a:t>
             </a:r>
             <a:r>
-              <a:rPr lang="en-US" dirty="0" err="1"/>
+              <a:rPr lang="en-US" sz="2400" dirty="0" err="1"/>
               <a:t>SparkEnv.get</a:t>
             </a:r>
-            <a:endParaRPr lang="en-US" dirty="0"/>
-          </a:p>
-          <a:p>
-            <a:r>
-              <a:rPr lang="en-US" dirty="0"/>
+            <a:endParaRPr lang="en-US" sz="2400" dirty="0"/>
+          </a:p>
+          <a:p>
+            <a:r>
+              <a:rPr lang="en-US" sz="2400" dirty="0"/>
               <a:t>    </a:t>
             </a:r>
             <a:r>
-              <a:rPr lang="en-US" dirty="0" err="1"/>
+              <a:rPr lang="en-US" sz="2400" dirty="0" err="1"/>
               <a:t>val</a:t>
             </a:r>
             <a:r>
-              <a:rPr lang="en-US" dirty="0"/>
+              <a:rPr lang="en-US" sz="2400" dirty="0"/>
               <a:t> fs = </a:t>
             </a:r>
             <a:r>
-              <a:rPr lang="en-US" dirty="0" err="1"/>
+              <a:rPr lang="en-US" sz="2400" dirty="0" err="1"/>
               <a:t>path.getFileSystem</a:t>
             </a:r>
             <a:r>
-              <a:rPr lang="en-US" dirty="0"/>
+              <a:rPr lang="en-US" sz="2400" dirty="0"/>
               <a:t>(</a:t>
             </a:r>
             <a:r>
-              <a:rPr lang="en-US" dirty="0" err="1"/>
+              <a:rPr lang="en-US" sz="2400" dirty="0" err="1"/>
               <a:t>broadcastedConf.value.value</a:t>
             </a:r>
             <a:r>
-              <a:rPr lang="en-US" dirty="0"/>
+              <a:rPr lang="en-US" sz="2400" dirty="0"/>
               <a:t>)</a:t>
             </a:r>
           </a:p>
           <a:p>
             <a:r>
-              <a:rPr lang="en-US" dirty="0"/>
+              <a:rPr lang="en-US" sz="2400" dirty="0"/>
               <a:t>    </a:t>
             </a:r>
             <a:r>
-              <a:rPr lang="en-US" dirty="0" err="1"/>
+              <a:rPr lang="en-US" sz="2400" dirty="0" err="1"/>
               <a:t>val</a:t>
             </a:r>
             <a:r>
-              <a:rPr lang="en-US" dirty="0"/>
+              <a:rPr lang="en-US" sz="2400" dirty="0"/>
               <a:t> </a:t>
             </a:r>
             <a:r>
-              <a:rPr lang="en-US" dirty="0" err="1"/>
+              <a:rPr lang="en-US" sz="2400" dirty="0" err="1"/>
               <a:t>bufferSize</a:t>
             </a:r>
             <a:r>
-              <a:rPr lang="en-US" dirty="0"/>
+              <a:rPr lang="en-US" sz="2400" dirty="0"/>
               <a:t> = </a:t>
             </a:r>
             <a:r>
-              <a:rPr lang="en-US" dirty="0" err="1"/>
+              <a:rPr lang="en-US" sz="2400" dirty="0" err="1"/>
               <a:t>env.conf.get</a:t>
             </a:r>
             <a:r>
-              <a:rPr lang="en-US" dirty="0"/>
+              <a:rPr lang="en-US" sz="2400" dirty="0"/>
               <a:t>(BUFFER_SIZE)</a:t>
             </a:r>
           </a:p>
           <a:p>
             <a:r>
-              <a:rPr lang="en-US" dirty="0" smtClean="0"/>
+              <a:rPr lang="en-US" sz="2400" dirty="0" smtClean="0"/>
               <a:t>}</a:t>
             </a:r>
-            <a:endParaRPr lang="ru-RU" dirty="0"/>
+            <a:endParaRPr lang="ru-RU" sz="2400" dirty="0"/>
           </a:p>
         </p:txBody>
       </p:sp>
@@ -11454,10 +12030,17 @@
   <p:clrMapOvr>
     <a:masterClrMapping/>
   </p:clrMapOvr>
+  <p:timing>
+    <p:tnLst>
+      <p:par>
+        <p:cTn id="1" dur="indefinite" restart="never" nodeType="tmRoot"/>
+      </p:par>
+    </p:tnLst>
+  </p:timing>
 </p:sld>
 </file>
 
-<file path=ppt/slides/slide24.xml><?xml version="1.0" encoding="utf-8"?>
+<file path=ppt/slides/slide25.xml><?xml version="1.0" encoding="utf-8"?>
 <p:sld xmlns:a="http://schemas.openxmlformats.org/drawingml/2006/main" xmlns:r="http://schemas.openxmlformats.org/officeDocument/2006/relationships" xmlns:p="http://schemas.openxmlformats.org/presentationml/2006/main">
   <p:cSld>
     <p:spTree>
@@ -11823,10 +12406,909 @@
   <p:clrMapOvr>
     <a:masterClrMapping/>
   </p:clrMapOvr>
+  <p:timing>
+    <p:tnLst>
+      <p:par>
+        <p:cTn id="1" dur="indefinite" restart="never" nodeType="tmRoot"/>
+      </p:par>
+    </p:tnLst>
+  </p:timing>
 </p:sld>
 </file>
 
-<file path=ppt/slides/slide25.xml><?xml version="1.0" encoding="utf-8"?>
+<file path=ppt/slides/slide26.xml><?xml version="1.0" encoding="utf-8"?>
+<p:sld xmlns:a="http://schemas.openxmlformats.org/drawingml/2006/main" xmlns:r="http://schemas.openxmlformats.org/officeDocument/2006/relationships" xmlns:p="http://schemas.openxmlformats.org/presentationml/2006/main">
+  <p:cSld>
+    <p:spTree>
+      <p:nvGrpSpPr>
+        <p:cNvPr id="1" name=""/>
+        <p:cNvGrpSpPr/>
+        <p:nvPr/>
+      </p:nvGrpSpPr>
+      <p:grpSpPr>
+        <a:xfrm>
+          <a:off x="0" y="0"/>
+          <a:ext cx="0" cy="0"/>
+          <a:chOff x="0" y="0"/>
+          <a:chExt cx="0" cy="0"/>
+        </a:xfrm>
+      </p:grpSpPr>
+      <p:sp>
+        <p:nvSpPr>
+          <p:cNvPr id="2" name="Заголовок 1"/>
+          <p:cNvSpPr>
+            <a:spLocks noGrp="1"/>
+          </p:cNvSpPr>
+          <p:nvPr>
+            <p:ph type="title"/>
+          </p:nvPr>
+        </p:nvSpPr>
+        <p:spPr>
+          <a:xfrm>
+            <a:off x="0" y="26351"/>
+            <a:ext cx="12192000" cy="1015766"/>
+          </a:xfrm>
+        </p:spPr>
+        <p:txBody>
+          <a:bodyPr/>
+          <a:lstStyle/>
+          <a:p>
+            <a:pPr algn="ctr"/>
+            <a:r>
+              <a:rPr lang="en-US" dirty="0" smtClean="0"/>
+              <a:t>Intuition </a:t>
+            </a:r>
+            <a:endParaRPr lang="ru-RU" dirty="0"/>
+          </a:p>
+        </p:txBody>
+      </p:sp>
+      <p:sp>
+        <p:nvSpPr>
+          <p:cNvPr id="5" name="Прямоугольник 4"/>
+          <p:cNvSpPr/>
+          <p:nvPr/>
+        </p:nvSpPr>
+        <p:spPr>
+          <a:xfrm>
+            <a:off x="1879042" y="1613618"/>
+            <a:ext cx="2291024" cy="894303"/>
+          </a:xfrm>
+          <a:prstGeom prst="rect">
+            <a:avLst/>
+          </a:prstGeom>
+          <a:noFill/>
+        </p:spPr>
+        <p:style>
+          <a:lnRef idx="2">
+            <a:schemeClr val="accent1">
+              <a:shade val="50000"/>
+            </a:schemeClr>
+          </a:lnRef>
+          <a:fillRef idx="1">
+            <a:schemeClr val="accent1"/>
+          </a:fillRef>
+          <a:effectRef idx="0">
+            <a:schemeClr val="accent1"/>
+          </a:effectRef>
+          <a:fontRef idx="minor">
+            <a:schemeClr val="lt1"/>
+          </a:fontRef>
+        </p:style>
+        <p:txBody>
+          <a:bodyPr rtlCol="0" anchor="ctr"/>
+          <a:lstStyle/>
+          <a:p>
+            <a:pPr algn="ctr"/>
+            <a:r>
+              <a:rPr lang="en-US" dirty="0" smtClean="0">
+                <a:solidFill>
+                  <a:schemeClr val="tx1"/>
+                </a:solidFill>
+              </a:rPr>
+              <a:t>Iterator0</a:t>
+            </a:r>
+            <a:r>
+              <a:rPr lang="en-US" dirty="0" smtClean="0"/>
+              <a:t>0</a:t>
+            </a:r>
+            <a:endParaRPr lang="ru-RU" dirty="0"/>
+          </a:p>
+        </p:txBody>
+      </p:sp>
+      <p:sp>
+        <p:nvSpPr>
+          <p:cNvPr id="6" name="Прямоугольник 5"/>
+          <p:cNvSpPr/>
+          <p:nvPr/>
+        </p:nvSpPr>
+        <p:spPr>
+          <a:xfrm>
+            <a:off x="5077349" y="1608353"/>
+            <a:ext cx="2321166" cy="874206"/>
+          </a:xfrm>
+          <a:prstGeom prst="rect">
+            <a:avLst/>
+          </a:prstGeom>
+          <a:noFill/>
+        </p:spPr>
+        <p:style>
+          <a:lnRef idx="2">
+            <a:schemeClr val="accent1">
+              <a:shade val="50000"/>
+            </a:schemeClr>
+          </a:lnRef>
+          <a:fillRef idx="1">
+            <a:schemeClr val="accent1"/>
+          </a:fillRef>
+          <a:effectRef idx="0">
+            <a:schemeClr val="accent1"/>
+          </a:effectRef>
+          <a:fontRef idx="minor">
+            <a:schemeClr val="lt1"/>
+          </a:fontRef>
+        </p:style>
+        <p:txBody>
+          <a:bodyPr rtlCol="0" anchor="ctr"/>
+          <a:lstStyle/>
+          <a:p>
+            <a:pPr algn="ctr"/>
+            <a:r>
+              <a:rPr lang="en-US" dirty="0" smtClean="0">
+                <a:solidFill>
+                  <a:schemeClr val="tx1"/>
+                </a:solidFill>
+              </a:rPr>
+              <a:t>Iterator1</a:t>
+            </a:r>
+            <a:endParaRPr lang="ru-RU" dirty="0">
+              <a:solidFill>
+                <a:schemeClr val="tx1"/>
+              </a:solidFill>
+            </a:endParaRPr>
+          </a:p>
+        </p:txBody>
+      </p:sp>
+      <p:sp>
+        <p:nvSpPr>
+          <p:cNvPr id="7" name="Прямоугольник 6"/>
+          <p:cNvSpPr/>
+          <p:nvPr/>
+        </p:nvSpPr>
+        <p:spPr>
+          <a:xfrm>
+            <a:off x="8420102" y="1585351"/>
+            <a:ext cx="2488222" cy="894303"/>
+          </a:xfrm>
+          <a:prstGeom prst="rect">
+            <a:avLst/>
+          </a:prstGeom>
+          <a:noFill/>
+        </p:spPr>
+        <p:style>
+          <a:lnRef idx="2">
+            <a:schemeClr val="accent1">
+              <a:shade val="50000"/>
+            </a:schemeClr>
+          </a:lnRef>
+          <a:fillRef idx="1">
+            <a:schemeClr val="accent1"/>
+          </a:fillRef>
+          <a:effectRef idx="0">
+            <a:schemeClr val="accent1"/>
+          </a:effectRef>
+          <a:fontRef idx="minor">
+            <a:schemeClr val="lt1"/>
+          </a:fontRef>
+        </p:style>
+        <p:txBody>
+          <a:bodyPr rtlCol="0" anchor="ctr"/>
+          <a:lstStyle/>
+          <a:p>
+            <a:pPr algn="ctr"/>
+            <a:r>
+              <a:rPr lang="en-US" dirty="0" smtClean="0">
+                <a:solidFill>
+                  <a:schemeClr val="tx1"/>
+                </a:solidFill>
+              </a:rPr>
+              <a:t>Iterator2</a:t>
+            </a:r>
+            <a:endParaRPr lang="ru-RU" dirty="0">
+              <a:solidFill>
+                <a:schemeClr val="tx1"/>
+              </a:solidFill>
+            </a:endParaRPr>
+          </a:p>
+        </p:txBody>
+      </p:sp>
+      <p:sp>
+        <p:nvSpPr>
+          <p:cNvPr id="8" name="Скругленный прямоугольник 7"/>
+          <p:cNvSpPr/>
+          <p:nvPr/>
+        </p:nvSpPr>
+        <p:spPr>
+          <a:xfrm>
+            <a:off x="793821" y="3057620"/>
+            <a:ext cx="11183814" cy="1889090"/>
+          </a:xfrm>
+          <a:prstGeom prst="roundRect">
+            <a:avLst/>
+          </a:prstGeom>
+          <a:noFill/>
+        </p:spPr>
+        <p:style>
+          <a:lnRef idx="2">
+            <a:schemeClr val="accent1">
+              <a:shade val="50000"/>
+            </a:schemeClr>
+          </a:lnRef>
+          <a:fillRef idx="1">
+            <a:schemeClr val="accent1"/>
+          </a:fillRef>
+          <a:effectRef idx="0">
+            <a:schemeClr val="accent1"/>
+          </a:effectRef>
+          <a:fontRef idx="minor">
+            <a:schemeClr val="lt1"/>
+          </a:fontRef>
+        </p:style>
+        <p:txBody>
+          <a:bodyPr rtlCol="0" anchor="ctr"/>
+          <a:lstStyle/>
+          <a:p>
+            <a:pPr algn="ctr"/>
+            <a:r>
+              <a:rPr lang="en-US" sz="3000" dirty="0" smtClean="0">
+                <a:solidFill>
+                  <a:schemeClr val="tx1"/>
+                </a:solidFill>
+              </a:rPr>
+              <a:t>HDFS</a:t>
+            </a:r>
+            <a:endParaRPr lang="ru-RU" sz="3000" dirty="0">
+              <a:solidFill>
+                <a:schemeClr val="tx1"/>
+              </a:solidFill>
+            </a:endParaRPr>
+          </a:p>
+        </p:txBody>
+      </p:sp>
+      <p:sp>
+        <p:nvSpPr>
+          <p:cNvPr id="16" name="Стрелка вниз 15"/>
+          <p:cNvSpPr/>
+          <p:nvPr/>
+        </p:nvSpPr>
+        <p:spPr>
+          <a:xfrm>
+            <a:off x="2870065" y="6268029"/>
+            <a:ext cx="347504" cy="361740"/>
+          </a:xfrm>
+          <a:prstGeom prst="downArrow">
+            <a:avLst/>
+          </a:prstGeom>
+        </p:spPr>
+        <p:style>
+          <a:lnRef idx="2">
+            <a:schemeClr val="accent1">
+              <a:shade val="50000"/>
+            </a:schemeClr>
+          </a:lnRef>
+          <a:fillRef idx="1">
+            <a:schemeClr val="accent1"/>
+          </a:fillRef>
+          <a:effectRef idx="0">
+            <a:schemeClr val="accent1"/>
+          </a:effectRef>
+          <a:fontRef idx="minor">
+            <a:schemeClr val="lt1"/>
+          </a:fontRef>
+        </p:style>
+        <p:txBody>
+          <a:bodyPr rtlCol="0" anchor="ctr"/>
+          <a:lstStyle/>
+          <a:p>
+            <a:pPr algn="ctr"/>
+            <a:endParaRPr lang="ru-RU"/>
+          </a:p>
+        </p:txBody>
+      </p:sp>
+      <p:sp>
+        <p:nvSpPr>
+          <p:cNvPr id="18" name="Стрелка вниз 17"/>
+          <p:cNvSpPr/>
+          <p:nvPr/>
+        </p:nvSpPr>
+        <p:spPr>
+          <a:xfrm>
+            <a:off x="9263113" y="6273060"/>
+            <a:ext cx="401100" cy="356709"/>
+          </a:xfrm>
+          <a:prstGeom prst="downArrow">
+            <a:avLst/>
+          </a:prstGeom>
+        </p:spPr>
+        <p:style>
+          <a:lnRef idx="2">
+            <a:schemeClr val="accent1">
+              <a:shade val="50000"/>
+            </a:schemeClr>
+          </a:lnRef>
+          <a:fillRef idx="1">
+            <a:schemeClr val="accent1"/>
+          </a:fillRef>
+          <a:effectRef idx="0">
+            <a:schemeClr val="accent1"/>
+          </a:effectRef>
+          <a:fontRef idx="minor">
+            <a:schemeClr val="lt1"/>
+          </a:fontRef>
+        </p:style>
+        <p:txBody>
+          <a:bodyPr rtlCol="0" anchor="ctr"/>
+          <a:lstStyle/>
+          <a:p>
+            <a:pPr algn="ctr"/>
+            <a:endParaRPr lang="ru-RU"/>
+          </a:p>
+        </p:txBody>
+      </p:sp>
+      <p:sp>
+        <p:nvSpPr>
+          <p:cNvPr id="4" name="Прямоугольник 3"/>
+          <p:cNvSpPr/>
+          <p:nvPr/>
+        </p:nvSpPr>
+        <p:spPr>
+          <a:xfrm>
+            <a:off x="2170444" y="3317419"/>
+            <a:ext cx="1708220" cy="552659"/>
+          </a:xfrm>
+          <a:prstGeom prst="rect">
+            <a:avLst/>
+          </a:prstGeom>
+        </p:spPr>
+        <p:style>
+          <a:lnRef idx="2">
+            <a:schemeClr val="accent1">
+              <a:shade val="50000"/>
+            </a:schemeClr>
+          </a:lnRef>
+          <a:fillRef idx="1">
+            <a:schemeClr val="accent1"/>
+          </a:fillRef>
+          <a:effectRef idx="0">
+            <a:schemeClr val="accent1"/>
+          </a:effectRef>
+          <a:fontRef idx="minor">
+            <a:schemeClr val="lt1"/>
+          </a:fontRef>
+        </p:style>
+        <p:txBody>
+          <a:bodyPr rtlCol="0" anchor="ctr"/>
+          <a:lstStyle/>
+          <a:p>
+            <a:pPr algn="ctr"/>
+            <a:endParaRPr lang="ru-RU"/>
+          </a:p>
+        </p:txBody>
+      </p:sp>
+      <p:sp>
+        <p:nvSpPr>
+          <p:cNvPr id="19" name="Прямоугольник 18"/>
+          <p:cNvSpPr/>
+          <p:nvPr/>
+        </p:nvSpPr>
+        <p:spPr>
+          <a:xfrm>
+            <a:off x="5383822" y="3284319"/>
+            <a:ext cx="1708220" cy="552659"/>
+          </a:xfrm>
+          <a:prstGeom prst="rect">
+            <a:avLst/>
+          </a:prstGeom>
+        </p:spPr>
+        <p:style>
+          <a:lnRef idx="2">
+            <a:schemeClr val="accent1">
+              <a:shade val="50000"/>
+            </a:schemeClr>
+          </a:lnRef>
+          <a:fillRef idx="1">
+            <a:schemeClr val="accent1"/>
+          </a:fillRef>
+          <a:effectRef idx="0">
+            <a:schemeClr val="accent1"/>
+          </a:effectRef>
+          <a:fontRef idx="minor">
+            <a:schemeClr val="lt1"/>
+          </a:fontRef>
+        </p:style>
+        <p:txBody>
+          <a:bodyPr rtlCol="0" anchor="ctr"/>
+          <a:lstStyle/>
+          <a:p>
+            <a:pPr algn="ctr"/>
+            <a:endParaRPr lang="ru-RU"/>
+          </a:p>
+        </p:txBody>
+      </p:sp>
+      <p:sp>
+        <p:nvSpPr>
+          <p:cNvPr id="20" name="Прямоугольник 19"/>
+          <p:cNvSpPr/>
+          <p:nvPr/>
+        </p:nvSpPr>
+        <p:spPr>
+          <a:xfrm>
+            <a:off x="8810103" y="3321334"/>
+            <a:ext cx="1708220" cy="552659"/>
+          </a:xfrm>
+          <a:prstGeom prst="rect">
+            <a:avLst/>
+          </a:prstGeom>
+        </p:spPr>
+        <p:style>
+          <a:lnRef idx="2">
+            <a:schemeClr val="accent1">
+              <a:shade val="50000"/>
+            </a:schemeClr>
+          </a:lnRef>
+          <a:fillRef idx="1">
+            <a:schemeClr val="accent1"/>
+          </a:fillRef>
+          <a:effectRef idx="0">
+            <a:schemeClr val="accent1"/>
+          </a:effectRef>
+          <a:fontRef idx="minor">
+            <a:schemeClr val="lt1"/>
+          </a:fontRef>
+        </p:style>
+        <p:txBody>
+          <a:bodyPr rtlCol="0" anchor="ctr"/>
+          <a:lstStyle/>
+          <a:p>
+            <a:pPr algn="ctr"/>
+            <a:endParaRPr lang="ru-RU"/>
+          </a:p>
+        </p:txBody>
+      </p:sp>
+      <p:sp>
+        <p:nvSpPr>
+          <p:cNvPr id="21" name="Прямоугольник 20"/>
+          <p:cNvSpPr/>
+          <p:nvPr/>
+        </p:nvSpPr>
+        <p:spPr>
+          <a:xfrm>
+            <a:off x="1874857" y="5160218"/>
+            <a:ext cx="2291024" cy="894303"/>
+          </a:xfrm>
+          <a:prstGeom prst="rect">
+            <a:avLst/>
+          </a:prstGeom>
+          <a:noFill/>
+        </p:spPr>
+        <p:style>
+          <a:lnRef idx="2">
+            <a:schemeClr val="accent1">
+              <a:shade val="50000"/>
+            </a:schemeClr>
+          </a:lnRef>
+          <a:fillRef idx="1">
+            <a:schemeClr val="accent1"/>
+          </a:fillRef>
+          <a:effectRef idx="0">
+            <a:schemeClr val="accent1"/>
+          </a:effectRef>
+          <a:fontRef idx="minor">
+            <a:schemeClr val="lt1"/>
+          </a:fontRef>
+        </p:style>
+        <p:txBody>
+          <a:bodyPr rtlCol="0" anchor="ctr"/>
+          <a:lstStyle/>
+          <a:p>
+            <a:pPr algn="ctr"/>
+            <a:r>
+              <a:rPr lang="en-US" dirty="0" smtClean="0">
+                <a:solidFill>
+                  <a:schemeClr val="tx1"/>
+                </a:solidFill>
+              </a:rPr>
+              <a:t>Iterator0</a:t>
+            </a:r>
+            <a:r>
+              <a:rPr lang="en-US" dirty="0" smtClean="0"/>
+              <a:t>0</a:t>
+            </a:r>
+            <a:endParaRPr lang="ru-RU" dirty="0"/>
+          </a:p>
+        </p:txBody>
+      </p:sp>
+      <p:sp>
+        <p:nvSpPr>
+          <p:cNvPr id="22" name="Прямоугольник 21"/>
+          <p:cNvSpPr/>
+          <p:nvPr/>
+        </p:nvSpPr>
+        <p:spPr>
+          <a:xfrm>
+            <a:off x="5077349" y="5156451"/>
+            <a:ext cx="2321166" cy="874206"/>
+          </a:xfrm>
+          <a:prstGeom prst="rect">
+            <a:avLst/>
+          </a:prstGeom>
+          <a:noFill/>
+        </p:spPr>
+        <p:style>
+          <a:lnRef idx="2">
+            <a:schemeClr val="accent1">
+              <a:shade val="50000"/>
+            </a:schemeClr>
+          </a:lnRef>
+          <a:fillRef idx="1">
+            <a:schemeClr val="accent1"/>
+          </a:fillRef>
+          <a:effectRef idx="0">
+            <a:schemeClr val="accent1"/>
+          </a:effectRef>
+          <a:fontRef idx="minor">
+            <a:schemeClr val="lt1"/>
+          </a:fontRef>
+        </p:style>
+        <p:txBody>
+          <a:bodyPr rtlCol="0" anchor="ctr"/>
+          <a:lstStyle/>
+          <a:p>
+            <a:pPr algn="ctr"/>
+            <a:r>
+              <a:rPr lang="en-US" dirty="0" smtClean="0">
+                <a:solidFill>
+                  <a:schemeClr val="tx1"/>
+                </a:solidFill>
+              </a:rPr>
+              <a:t>Iterator1</a:t>
+            </a:r>
+            <a:endParaRPr lang="ru-RU" dirty="0">
+              <a:solidFill>
+                <a:schemeClr val="tx1"/>
+              </a:solidFill>
+            </a:endParaRPr>
+          </a:p>
+        </p:txBody>
+      </p:sp>
+      <p:sp>
+        <p:nvSpPr>
+          <p:cNvPr id="23" name="Прямоугольник 22"/>
+          <p:cNvSpPr/>
+          <p:nvPr/>
+        </p:nvSpPr>
+        <p:spPr>
+          <a:xfrm>
+            <a:off x="8420102" y="5208339"/>
+            <a:ext cx="2488222" cy="894303"/>
+          </a:xfrm>
+          <a:prstGeom prst="rect">
+            <a:avLst/>
+          </a:prstGeom>
+          <a:noFill/>
+        </p:spPr>
+        <p:style>
+          <a:lnRef idx="2">
+            <a:schemeClr val="accent1">
+              <a:shade val="50000"/>
+            </a:schemeClr>
+          </a:lnRef>
+          <a:fillRef idx="1">
+            <a:schemeClr val="accent1"/>
+          </a:fillRef>
+          <a:effectRef idx="0">
+            <a:schemeClr val="accent1"/>
+          </a:effectRef>
+          <a:fontRef idx="minor">
+            <a:schemeClr val="lt1"/>
+          </a:fontRef>
+        </p:style>
+        <p:txBody>
+          <a:bodyPr rtlCol="0" anchor="ctr"/>
+          <a:lstStyle/>
+          <a:p>
+            <a:pPr algn="ctr"/>
+            <a:r>
+              <a:rPr lang="en-US" dirty="0" smtClean="0">
+                <a:solidFill>
+                  <a:schemeClr val="tx1"/>
+                </a:solidFill>
+              </a:rPr>
+              <a:t>Iterator2</a:t>
+            </a:r>
+            <a:endParaRPr lang="ru-RU" dirty="0">
+              <a:solidFill>
+                <a:schemeClr val="tx1"/>
+              </a:solidFill>
+            </a:endParaRPr>
+          </a:p>
+        </p:txBody>
+      </p:sp>
+      <p:sp>
+        <p:nvSpPr>
+          <p:cNvPr id="24" name="Стрелка вниз 23"/>
+          <p:cNvSpPr/>
+          <p:nvPr/>
+        </p:nvSpPr>
+        <p:spPr>
+          <a:xfrm>
+            <a:off x="6064180" y="6268029"/>
+            <a:ext cx="347504" cy="361740"/>
+          </a:xfrm>
+          <a:prstGeom prst="downArrow">
+            <a:avLst/>
+          </a:prstGeom>
+        </p:spPr>
+        <p:style>
+          <a:lnRef idx="2">
+            <a:schemeClr val="accent1">
+              <a:shade val="50000"/>
+            </a:schemeClr>
+          </a:lnRef>
+          <a:fillRef idx="1">
+            <a:schemeClr val="accent1"/>
+          </a:fillRef>
+          <a:effectRef idx="0">
+            <a:schemeClr val="accent1"/>
+          </a:effectRef>
+          <a:fontRef idx="minor">
+            <a:schemeClr val="lt1"/>
+          </a:fontRef>
+        </p:style>
+        <p:txBody>
+          <a:bodyPr rtlCol="0" anchor="ctr"/>
+          <a:lstStyle/>
+          <a:p>
+            <a:pPr algn="ctr"/>
+            <a:endParaRPr lang="ru-RU"/>
+          </a:p>
+        </p:txBody>
+      </p:sp>
+      <p:cxnSp>
+        <p:nvCxnSpPr>
+          <p:cNvPr id="25" name="Прямая со стрелкой 24"/>
+          <p:cNvCxnSpPr>
+            <a:stCxn id="5" idx="2"/>
+            <a:endCxn id="4" idx="0"/>
+          </p:cNvCxnSpPr>
+          <p:nvPr/>
+        </p:nvCxnSpPr>
+        <p:spPr>
+          <a:xfrm>
+            <a:off x="3024554" y="2507921"/>
+            <a:ext cx="0" cy="809498"/>
+          </a:xfrm>
+          <a:prstGeom prst="straightConnector1">
+            <a:avLst/>
+          </a:prstGeom>
+          <a:ln>
+            <a:tailEnd type="triangle"/>
+          </a:ln>
+        </p:spPr>
+        <p:style>
+          <a:lnRef idx="1">
+            <a:schemeClr val="accent1"/>
+          </a:lnRef>
+          <a:fillRef idx="0">
+            <a:schemeClr val="accent1"/>
+          </a:fillRef>
+          <a:effectRef idx="0">
+            <a:schemeClr val="accent1"/>
+          </a:effectRef>
+          <a:fontRef idx="minor">
+            <a:schemeClr val="tx1"/>
+          </a:fontRef>
+        </p:style>
+      </p:cxnSp>
+      <p:cxnSp>
+        <p:nvCxnSpPr>
+          <p:cNvPr id="28" name="Прямая со стрелкой 27"/>
+          <p:cNvCxnSpPr>
+            <a:stCxn id="6" idx="2"/>
+            <a:endCxn id="19" idx="0"/>
+          </p:cNvCxnSpPr>
+          <p:nvPr/>
+        </p:nvCxnSpPr>
+        <p:spPr>
+          <a:xfrm>
+            <a:off x="6237932" y="2482559"/>
+            <a:ext cx="0" cy="801760"/>
+          </a:xfrm>
+          <a:prstGeom prst="straightConnector1">
+            <a:avLst/>
+          </a:prstGeom>
+          <a:ln>
+            <a:tailEnd type="triangle"/>
+          </a:ln>
+        </p:spPr>
+        <p:style>
+          <a:lnRef idx="1">
+            <a:schemeClr val="accent1"/>
+          </a:lnRef>
+          <a:fillRef idx="0">
+            <a:schemeClr val="accent1"/>
+          </a:fillRef>
+          <a:effectRef idx="0">
+            <a:schemeClr val="accent1"/>
+          </a:effectRef>
+          <a:fontRef idx="minor">
+            <a:schemeClr val="tx1"/>
+          </a:fontRef>
+        </p:style>
+      </p:cxnSp>
+      <p:cxnSp>
+        <p:nvCxnSpPr>
+          <p:cNvPr id="30" name="Прямая со стрелкой 29"/>
+          <p:cNvCxnSpPr>
+            <a:stCxn id="7" idx="2"/>
+            <a:endCxn id="20" idx="0"/>
+          </p:cNvCxnSpPr>
+          <p:nvPr/>
+        </p:nvCxnSpPr>
+        <p:spPr>
+          <a:xfrm>
+            <a:off x="9664213" y="2479654"/>
+            <a:ext cx="0" cy="841680"/>
+          </a:xfrm>
+          <a:prstGeom prst="straightConnector1">
+            <a:avLst/>
+          </a:prstGeom>
+          <a:ln>
+            <a:tailEnd type="triangle"/>
+          </a:ln>
+        </p:spPr>
+        <p:style>
+          <a:lnRef idx="1">
+            <a:schemeClr val="accent1"/>
+          </a:lnRef>
+          <a:fillRef idx="0">
+            <a:schemeClr val="accent1"/>
+          </a:fillRef>
+          <a:effectRef idx="0">
+            <a:schemeClr val="accent1"/>
+          </a:effectRef>
+          <a:fontRef idx="minor">
+            <a:schemeClr val="tx1"/>
+          </a:fontRef>
+        </p:style>
+      </p:cxnSp>
+      <p:cxnSp>
+        <p:nvCxnSpPr>
+          <p:cNvPr id="33" name="Прямая со стрелкой 32"/>
+          <p:cNvCxnSpPr>
+            <a:stCxn id="4" idx="2"/>
+            <a:endCxn id="21" idx="0"/>
+          </p:cNvCxnSpPr>
+          <p:nvPr/>
+        </p:nvCxnSpPr>
+        <p:spPr>
+          <a:xfrm flipH="1">
+            <a:off x="3020369" y="3870078"/>
+            <a:ext cx="4185" cy="1290140"/>
+          </a:xfrm>
+          <a:prstGeom prst="straightConnector1">
+            <a:avLst/>
+          </a:prstGeom>
+          <a:ln>
+            <a:tailEnd type="triangle"/>
+          </a:ln>
+        </p:spPr>
+        <p:style>
+          <a:lnRef idx="1">
+            <a:schemeClr val="accent1"/>
+          </a:lnRef>
+          <a:fillRef idx="0">
+            <a:schemeClr val="accent1"/>
+          </a:fillRef>
+          <a:effectRef idx="0">
+            <a:schemeClr val="accent1"/>
+          </a:effectRef>
+          <a:fontRef idx="minor">
+            <a:schemeClr val="tx1"/>
+          </a:fontRef>
+        </p:style>
+      </p:cxnSp>
+      <p:cxnSp>
+        <p:nvCxnSpPr>
+          <p:cNvPr id="35" name="Прямая со стрелкой 34"/>
+          <p:cNvCxnSpPr>
+            <a:endCxn id="22" idx="0"/>
+          </p:cNvCxnSpPr>
+          <p:nvPr/>
+        </p:nvCxnSpPr>
+        <p:spPr>
+          <a:xfrm>
+            <a:off x="6211976" y="3870078"/>
+            <a:ext cx="25956" cy="1286373"/>
+          </a:xfrm>
+          <a:prstGeom prst="straightConnector1">
+            <a:avLst/>
+          </a:prstGeom>
+          <a:ln>
+            <a:tailEnd type="triangle"/>
+          </a:ln>
+        </p:spPr>
+        <p:style>
+          <a:lnRef idx="1">
+            <a:schemeClr val="accent1"/>
+          </a:lnRef>
+          <a:fillRef idx="0">
+            <a:schemeClr val="accent1"/>
+          </a:fillRef>
+          <a:effectRef idx="0">
+            <a:schemeClr val="accent1"/>
+          </a:effectRef>
+          <a:fontRef idx="minor">
+            <a:schemeClr val="tx1"/>
+          </a:fontRef>
+        </p:style>
+      </p:cxnSp>
+      <p:cxnSp>
+        <p:nvCxnSpPr>
+          <p:cNvPr id="37" name="Прямая со стрелкой 36"/>
+          <p:cNvCxnSpPr>
+            <a:stCxn id="20" idx="2"/>
+            <a:endCxn id="23" idx="0"/>
+          </p:cNvCxnSpPr>
+          <p:nvPr/>
+        </p:nvCxnSpPr>
+        <p:spPr>
+          <a:xfrm>
+            <a:off x="9664213" y="3873993"/>
+            <a:ext cx="0" cy="1334346"/>
+          </a:xfrm>
+          <a:prstGeom prst="straightConnector1">
+            <a:avLst/>
+          </a:prstGeom>
+          <a:ln>
+            <a:tailEnd type="triangle"/>
+          </a:ln>
+        </p:spPr>
+        <p:style>
+          <a:lnRef idx="1">
+            <a:schemeClr val="accent1"/>
+          </a:lnRef>
+          <a:fillRef idx="0">
+            <a:schemeClr val="accent1"/>
+          </a:fillRef>
+          <a:effectRef idx="0">
+            <a:schemeClr val="accent1"/>
+          </a:effectRef>
+          <a:fontRef idx="minor">
+            <a:schemeClr val="tx1"/>
+          </a:fontRef>
+        </p:style>
+      </p:cxnSp>
+    </p:spTree>
+    <p:extLst>
+      <p:ext uri="{BB962C8B-B14F-4D97-AF65-F5344CB8AC3E}">
+        <p14:creationId xmlns:p14="http://schemas.microsoft.com/office/powerpoint/2010/main" val="3015142807"/>
+      </p:ext>
+    </p:extLst>
+  </p:cSld>
+  <p:clrMapOvr>
+    <a:masterClrMapping/>
+  </p:clrMapOvr>
+  <p:timing>
+    <p:tnLst>
+      <p:par>
+        <p:cTn id="1" dur="indefinite" restart="never" nodeType="tmRoot"/>
+      </p:par>
+    </p:tnLst>
+  </p:timing>
+</p:sld>
+</file>
+
+<file path=ppt/slides/slide27.xml><?xml version="1.0" encoding="utf-8"?>
 <p:sld xmlns:a="http://schemas.openxmlformats.org/drawingml/2006/main" xmlns:r="http://schemas.openxmlformats.org/officeDocument/2006/relationships" xmlns:p="http://schemas.openxmlformats.org/presentationml/2006/main">
   <p:cSld>
     <p:spTree>
@@ -11896,9 +13378,114 @@
           </a:p>
           <a:p>
             <a:r>
-              <a:rPr lang="en-US" dirty="0" err="1"/>
+              <a:rPr lang="en-US" dirty="0" err="1" smtClean="0"/>
               <a:t>ReliableCheckpointRDD</a:t>
             </a:r>
+            <a:endParaRPr lang="en-US" dirty="0" smtClean="0"/>
+          </a:p>
+          <a:p>
+            <a:pPr lvl="1"/>
+            <a:r>
+              <a:rPr lang="en-US" sz="2000" dirty="0"/>
+              <a:t> override </a:t>
+            </a:r>
+            <a:r>
+              <a:rPr lang="en-US" sz="2000" dirty="0" err="1"/>
+              <a:t>def</a:t>
+            </a:r>
+            <a:r>
+              <a:rPr lang="en-US" sz="2000" dirty="0"/>
+              <a:t> </a:t>
+            </a:r>
+            <a:r>
+              <a:rPr lang="en-US" sz="2000" b="1" dirty="0"/>
+              <a:t>compute(split: Partition, context: </a:t>
+            </a:r>
+            <a:r>
+              <a:rPr lang="en-US" sz="2000" b="1" dirty="0" err="1"/>
+              <a:t>TaskContext</a:t>
+            </a:r>
+            <a:r>
+              <a:rPr lang="en-US" sz="2000" b="1" dirty="0"/>
+              <a:t>): Iterator[T]</a:t>
+            </a:r>
+            <a:r>
+              <a:rPr lang="en-US" sz="2000" dirty="0"/>
+              <a:t> = {</a:t>
+            </a:r>
+          </a:p>
+          <a:p>
+            <a:pPr lvl="1"/>
+            <a:r>
+              <a:rPr lang="en-US" sz="2000" dirty="0"/>
+              <a:t>    </a:t>
+            </a:r>
+            <a:r>
+              <a:rPr lang="en-US" sz="2000" dirty="0" err="1"/>
+              <a:t>val</a:t>
+            </a:r>
+            <a:r>
+              <a:rPr lang="en-US" sz="2000" dirty="0"/>
+              <a:t> file = new Path(</a:t>
+            </a:r>
+            <a:r>
+              <a:rPr lang="en-US" sz="2000" dirty="0" err="1"/>
+              <a:t>checkpointPath</a:t>
+            </a:r>
+            <a:r>
+              <a:rPr lang="en-US" sz="2000" dirty="0"/>
+              <a:t>, </a:t>
+            </a:r>
+            <a:r>
+              <a:rPr lang="en-US" sz="2000" dirty="0" err="1"/>
+              <a:t>ReliableCheckpointRDD.checkpointFileName</a:t>
+            </a:r>
+            <a:r>
+              <a:rPr lang="en-US" sz="2000" dirty="0"/>
+              <a:t>(</a:t>
+            </a:r>
+            <a:r>
+              <a:rPr lang="en-US" sz="2000" dirty="0" err="1"/>
+              <a:t>split.index</a:t>
+            </a:r>
+            <a:r>
+              <a:rPr lang="en-US" sz="2000" dirty="0"/>
+              <a:t>))</a:t>
+            </a:r>
+          </a:p>
+          <a:p>
+            <a:pPr lvl="1"/>
+            <a:r>
+              <a:rPr lang="en-US" sz="2000" dirty="0"/>
+              <a:t>    </a:t>
+            </a:r>
+            <a:r>
+              <a:rPr lang="en-US" sz="2000" b="1" dirty="0" err="1"/>
+              <a:t>ReliableCheckpointRDD.readCheckpointFile</a:t>
+            </a:r>
+            <a:r>
+              <a:rPr lang="en-US" sz="2000" b="1" dirty="0"/>
+              <a:t>(file, </a:t>
+            </a:r>
+            <a:r>
+              <a:rPr lang="en-US" sz="2000" b="1" dirty="0" err="1"/>
+              <a:t>broadcastedConf</a:t>
+            </a:r>
+            <a:r>
+              <a:rPr lang="en-US" sz="2000" b="1" dirty="0"/>
+              <a:t>, context)</a:t>
+            </a:r>
+          </a:p>
+          <a:p>
+            <a:pPr lvl="1"/>
+            <a:r>
+              <a:rPr lang="en-US" sz="2000" dirty="0"/>
+              <a:t>  }</a:t>
+            </a:r>
+            <a:endParaRPr lang="en-US" dirty="0"/>
+          </a:p>
+          <a:p>
+            <a:pPr lvl="1"/>
             <a:endParaRPr lang="en-US" dirty="0"/>
           </a:p>
           <a:p>
@@ -12095,8 +13682,8 @@
         </p:blipFill>
         <p:spPr>
           <a:xfrm>
-            <a:off x="3289213" y="80387"/>
-            <a:ext cx="7743825" cy="6777614"/>
+            <a:off x="1832202" y="-1"/>
+            <a:ext cx="7743825" cy="6832879"/>
           </a:xfrm>
           <a:prstGeom prst="rect">
             <a:avLst/>
@@ -12156,8 +13743,8 @@
         </p:blipFill>
         <p:spPr>
           <a:xfrm>
-            <a:off x="3701195" y="226088"/>
-            <a:ext cx="5915025" cy="6631912"/>
+            <a:off x="1872396" y="0"/>
+            <a:ext cx="5915025" cy="6858000"/>
           </a:xfrm>
           <a:prstGeom prst="rect">
             <a:avLst/>
@@ -12217,8 +13804,8 @@
         </p:blipFill>
         <p:spPr>
           <a:xfrm>
-            <a:off x="3153926" y="60290"/>
-            <a:ext cx="5562600" cy="6722347"/>
+            <a:off x="1837592" y="1"/>
+            <a:ext cx="5562600" cy="6858000"/>
           </a:xfrm>
           <a:prstGeom prst="rect">
             <a:avLst/>
@@ -12274,6 +13861,898 @@
         </p:nvSpPr>
         <p:spPr>
           <a:xfrm>
+            <a:off x="0" y="26351"/>
+            <a:ext cx="12192000" cy="1015766"/>
+          </a:xfrm>
+        </p:spPr>
+        <p:txBody>
+          <a:bodyPr/>
+          <a:lstStyle/>
+          <a:p>
+            <a:pPr algn="ctr"/>
+            <a:r>
+              <a:rPr lang="en-US" dirty="0" smtClean="0"/>
+              <a:t>Intuition </a:t>
+            </a:r>
+            <a:endParaRPr lang="ru-RU" dirty="0"/>
+          </a:p>
+        </p:txBody>
+      </p:sp>
+      <p:sp>
+        <p:nvSpPr>
+          <p:cNvPr id="5" name="Прямоугольник 4"/>
+          <p:cNvSpPr/>
+          <p:nvPr/>
+        </p:nvSpPr>
+        <p:spPr>
+          <a:xfrm>
+            <a:off x="1879042" y="1613618"/>
+            <a:ext cx="2291024" cy="894303"/>
+          </a:xfrm>
+          <a:prstGeom prst="rect">
+            <a:avLst/>
+          </a:prstGeom>
+          <a:noFill/>
+        </p:spPr>
+        <p:style>
+          <a:lnRef idx="2">
+            <a:schemeClr val="accent1">
+              <a:shade val="50000"/>
+            </a:schemeClr>
+          </a:lnRef>
+          <a:fillRef idx="1">
+            <a:schemeClr val="accent1"/>
+          </a:fillRef>
+          <a:effectRef idx="0">
+            <a:schemeClr val="accent1"/>
+          </a:effectRef>
+          <a:fontRef idx="minor">
+            <a:schemeClr val="lt1"/>
+          </a:fontRef>
+        </p:style>
+        <p:txBody>
+          <a:bodyPr rtlCol="0" anchor="ctr"/>
+          <a:lstStyle/>
+          <a:p>
+            <a:pPr algn="ctr"/>
+            <a:r>
+              <a:rPr lang="en-US" dirty="0" smtClean="0">
+                <a:solidFill>
+                  <a:schemeClr val="tx1"/>
+                </a:solidFill>
+              </a:rPr>
+              <a:t>Iterator0</a:t>
+            </a:r>
+            <a:r>
+              <a:rPr lang="en-US" dirty="0" smtClean="0"/>
+              <a:t>0</a:t>
+            </a:r>
+            <a:endParaRPr lang="ru-RU" dirty="0"/>
+          </a:p>
+        </p:txBody>
+      </p:sp>
+      <p:sp>
+        <p:nvSpPr>
+          <p:cNvPr id="6" name="Прямоугольник 5"/>
+          <p:cNvSpPr/>
+          <p:nvPr/>
+        </p:nvSpPr>
+        <p:spPr>
+          <a:xfrm>
+            <a:off x="5077349" y="1608353"/>
+            <a:ext cx="2321166" cy="874206"/>
+          </a:xfrm>
+          <a:prstGeom prst="rect">
+            <a:avLst/>
+          </a:prstGeom>
+          <a:noFill/>
+        </p:spPr>
+        <p:style>
+          <a:lnRef idx="2">
+            <a:schemeClr val="accent1">
+              <a:shade val="50000"/>
+            </a:schemeClr>
+          </a:lnRef>
+          <a:fillRef idx="1">
+            <a:schemeClr val="accent1"/>
+          </a:fillRef>
+          <a:effectRef idx="0">
+            <a:schemeClr val="accent1"/>
+          </a:effectRef>
+          <a:fontRef idx="minor">
+            <a:schemeClr val="lt1"/>
+          </a:fontRef>
+        </p:style>
+        <p:txBody>
+          <a:bodyPr rtlCol="0" anchor="ctr"/>
+          <a:lstStyle/>
+          <a:p>
+            <a:pPr algn="ctr"/>
+            <a:r>
+              <a:rPr lang="en-US" dirty="0" smtClean="0">
+                <a:solidFill>
+                  <a:schemeClr val="tx1"/>
+                </a:solidFill>
+              </a:rPr>
+              <a:t>Iterator1</a:t>
+            </a:r>
+            <a:endParaRPr lang="ru-RU" dirty="0">
+              <a:solidFill>
+                <a:schemeClr val="tx1"/>
+              </a:solidFill>
+            </a:endParaRPr>
+          </a:p>
+        </p:txBody>
+      </p:sp>
+      <p:sp>
+        <p:nvSpPr>
+          <p:cNvPr id="7" name="Прямоугольник 6"/>
+          <p:cNvSpPr/>
+          <p:nvPr/>
+        </p:nvSpPr>
+        <p:spPr>
+          <a:xfrm>
+            <a:off x="8420102" y="1585351"/>
+            <a:ext cx="2488222" cy="894303"/>
+          </a:xfrm>
+          <a:prstGeom prst="rect">
+            <a:avLst/>
+          </a:prstGeom>
+          <a:noFill/>
+        </p:spPr>
+        <p:style>
+          <a:lnRef idx="2">
+            <a:schemeClr val="accent1">
+              <a:shade val="50000"/>
+            </a:schemeClr>
+          </a:lnRef>
+          <a:fillRef idx="1">
+            <a:schemeClr val="accent1"/>
+          </a:fillRef>
+          <a:effectRef idx="0">
+            <a:schemeClr val="accent1"/>
+          </a:effectRef>
+          <a:fontRef idx="minor">
+            <a:schemeClr val="lt1"/>
+          </a:fontRef>
+        </p:style>
+        <p:txBody>
+          <a:bodyPr rtlCol="0" anchor="ctr"/>
+          <a:lstStyle/>
+          <a:p>
+            <a:pPr algn="ctr"/>
+            <a:r>
+              <a:rPr lang="en-US" dirty="0" smtClean="0">
+                <a:solidFill>
+                  <a:schemeClr val="tx1"/>
+                </a:solidFill>
+              </a:rPr>
+              <a:t>Iterator2</a:t>
+            </a:r>
+            <a:endParaRPr lang="ru-RU" dirty="0">
+              <a:solidFill>
+                <a:schemeClr val="tx1"/>
+              </a:solidFill>
+            </a:endParaRPr>
+          </a:p>
+        </p:txBody>
+      </p:sp>
+      <p:sp>
+        <p:nvSpPr>
+          <p:cNvPr id="8" name="Скругленный прямоугольник 7"/>
+          <p:cNvSpPr/>
+          <p:nvPr/>
+        </p:nvSpPr>
+        <p:spPr>
+          <a:xfrm>
+            <a:off x="793821" y="3057620"/>
+            <a:ext cx="11183814" cy="1889090"/>
+          </a:xfrm>
+          <a:prstGeom prst="roundRect">
+            <a:avLst/>
+          </a:prstGeom>
+          <a:noFill/>
+        </p:spPr>
+        <p:style>
+          <a:lnRef idx="2">
+            <a:schemeClr val="accent1">
+              <a:shade val="50000"/>
+            </a:schemeClr>
+          </a:lnRef>
+          <a:fillRef idx="1">
+            <a:schemeClr val="accent1"/>
+          </a:fillRef>
+          <a:effectRef idx="0">
+            <a:schemeClr val="accent1"/>
+          </a:effectRef>
+          <a:fontRef idx="minor">
+            <a:schemeClr val="lt1"/>
+          </a:fontRef>
+        </p:style>
+        <p:txBody>
+          <a:bodyPr rtlCol="0" anchor="ctr"/>
+          <a:lstStyle/>
+          <a:p>
+            <a:pPr algn="ctr"/>
+            <a:r>
+              <a:rPr lang="en-US" sz="3000" dirty="0" smtClean="0">
+                <a:solidFill>
+                  <a:schemeClr val="tx1"/>
+                </a:solidFill>
+              </a:rPr>
+              <a:t>HDFS</a:t>
+            </a:r>
+            <a:endParaRPr lang="ru-RU" sz="3000" dirty="0">
+              <a:solidFill>
+                <a:schemeClr val="tx1"/>
+              </a:solidFill>
+            </a:endParaRPr>
+          </a:p>
+        </p:txBody>
+      </p:sp>
+      <p:sp>
+        <p:nvSpPr>
+          <p:cNvPr id="16" name="Стрелка вниз 15"/>
+          <p:cNvSpPr/>
+          <p:nvPr/>
+        </p:nvSpPr>
+        <p:spPr>
+          <a:xfrm>
+            <a:off x="2870065" y="6268029"/>
+            <a:ext cx="347504" cy="361740"/>
+          </a:xfrm>
+          <a:prstGeom prst="downArrow">
+            <a:avLst/>
+          </a:prstGeom>
+        </p:spPr>
+        <p:style>
+          <a:lnRef idx="2">
+            <a:schemeClr val="accent1">
+              <a:shade val="50000"/>
+            </a:schemeClr>
+          </a:lnRef>
+          <a:fillRef idx="1">
+            <a:schemeClr val="accent1"/>
+          </a:fillRef>
+          <a:effectRef idx="0">
+            <a:schemeClr val="accent1"/>
+          </a:effectRef>
+          <a:fontRef idx="minor">
+            <a:schemeClr val="lt1"/>
+          </a:fontRef>
+        </p:style>
+        <p:txBody>
+          <a:bodyPr rtlCol="0" anchor="ctr"/>
+          <a:lstStyle/>
+          <a:p>
+            <a:pPr algn="ctr"/>
+            <a:endParaRPr lang="ru-RU"/>
+          </a:p>
+        </p:txBody>
+      </p:sp>
+      <p:sp>
+        <p:nvSpPr>
+          <p:cNvPr id="18" name="Стрелка вниз 17"/>
+          <p:cNvSpPr/>
+          <p:nvPr/>
+        </p:nvSpPr>
+        <p:spPr>
+          <a:xfrm>
+            <a:off x="9263113" y="6273060"/>
+            <a:ext cx="401100" cy="356709"/>
+          </a:xfrm>
+          <a:prstGeom prst="downArrow">
+            <a:avLst/>
+          </a:prstGeom>
+        </p:spPr>
+        <p:style>
+          <a:lnRef idx="2">
+            <a:schemeClr val="accent1">
+              <a:shade val="50000"/>
+            </a:schemeClr>
+          </a:lnRef>
+          <a:fillRef idx="1">
+            <a:schemeClr val="accent1"/>
+          </a:fillRef>
+          <a:effectRef idx="0">
+            <a:schemeClr val="accent1"/>
+          </a:effectRef>
+          <a:fontRef idx="minor">
+            <a:schemeClr val="lt1"/>
+          </a:fontRef>
+        </p:style>
+        <p:txBody>
+          <a:bodyPr rtlCol="0" anchor="ctr"/>
+          <a:lstStyle/>
+          <a:p>
+            <a:pPr algn="ctr"/>
+            <a:endParaRPr lang="ru-RU"/>
+          </a:p>
+        </p:txBody>
+      </p:sp>
+      <p:sp>
+        <p:nvSpPr>
+          <p:cNvPr id="4" name="Прямоугольник 3"/>
+          <p:cNvSpPr/>
+          <p:nvPr/>
+        </p:nvSpPr>
+        <p:spPr>
+          <a:xfrm>
+            <a:off x="2170444" y="3317419"/>
+            <a:ext cx="1708220" cy="552659"/>
+          </a:xfrm>
+          <a:prstGeom prst="rect">
+            <a:avLst/>
+          </a:prstGeom>
+        </p:spPr>
+        <p:style>
+          <a:lnRef idx="2">
+            <a:schemeClr val="accent1">
+              <a:shade val="50000"/>
+            </a:schemeClr>
+          </a:lnRef>
+          <a:fillRef idx="1">
+            <a:schemeClr val="accent1"/>
+          </a:fillRef>
+          <a:effectRef idx="0">
+            <a:schemeClr val="accent1"/>
+          </a:effectRef>
+          <a:fontRef idx="minor">
+            <a:schemeClr val="lt1"/>
+          </a:fontRef>
+        </p:style>
+        <p:txBody>
+          <a:bodyPr rtlCol="0" anchor="ctr"/>
+          <a:lstStyle/>
+          <a:p>
+            <a:pPr algn="ctr"/>
+            <a:endParaRPr lang="ru-RU"/>
+          </a:p>
+        </p:txBody>
+      </p:sp>
+      <p:sp>
+        <p:nvSpPr>
+          <p:cNvPr id="19" name="Прямоугольник 18"/>
+          <p:cNvSpPr/>
+          <p:nvPr/>
+        </p:nvSpPr>
+        <p:spPr>
+          <a:xfrm>
+            <a:off x="5383822" y="3284319"/>
+            <a:ext cx="1708220" cy="552659"/>
+          </a:xfrm>
+          <a:prstGeom prst="rect">
+            <a:avLst/>
+          </a:prstGeom>
+        </p:spPr>
+        <p:style>
+          <a:lnRef idx="2">
+            <a:schemeClr val="accent1">
+              <a:shade val="50000"/>
+            </a:schemeClr>
+          </a:lnRef>
+          <a:fillRef idx="1">
+            <a:schemeClr val="accent1"/>
+          </a:fillRef>
+          <a:effectRef idx="0">
+            <a:schemeClr val="accent1"/>
+          </a:effectRef>
+          <a:fontRef idx="minor">
+            <a:schemeClr val="lt1"/>
+          </a:fontRef>
+        </p:style>
+        <p:txBody>
+          <a:bodyPr rtlCol="0" anchor="ctr"/>
+          <a:lstStyle/>
+          <a:p>
+            <a:pPr algn="ctr"/>
+            <a:endParaRPr lang="ru-RU"/>
+          </a:p>
+        </p:txBody>
+      </p:sp>
+      <p:sp>
+        <p:nvSpPr>
+          <p:cNvPr id="20" name="Прямоугольник 19"/>
+          <p:cNvSpPr/>
+          <p:nvPr/>
+        </p:nvSpPr>
+        <p:spPr>
+          <a:xfrm>
+            <a:off x="8810103" y="3321334"/>
+            <a:ext cx="1708220" cy="552659"/>
+          </a:xfrm>
+          <a:prstGeom prst="rect">
+            <a:avLst/>
+          </a:prstGeom>
+        </p:spPr>
+        <p:style>
+          <a:lnRef idx="2">
+            <a:schemeClr val="accent1">
+              <a:shade val="50000"/>
+            </a:schemeClr>
+          </a:lnRef>
+          <a:fillRef idx="1">
+            <a:schemeClr val="accent1"/>
+          </a:fillRef>
+          <a:effectRef idx="0">
+            <a:schemeClr val="accent1"/>
+          </a:effectRef>
+          <a:fontRef idx="minor">
+            <a:schemeClr val="lt1"/>
+          </a:fontRef>
+        </p:style>
+        <p:txBody>
+          <a:bodyPr rtlCol="0" anchor="ctr"/>
+          <a:lstStyle/>
+          <a:p>
+            <a:pPr algn="ctr"/>
+            <a:endParaRPr lang="ru-RU"/>
+          </a:p>
+        </p:txBody>
+      </p:sp>
+      <p:sp>
+        <p:nvSpPr>
+          <p:cNvPr id="21" name="Прямоугольник 20"/>
+          <p:cNvSpPr/>
+          <p:nvPr/>
+        </p:nvSpPr>
+        <p:spPr>
+          <a:xfrm>
+            <a:off x="1874857" y="5160218"/>
+            <a:ext cx="2291024" cy="894303"/>
+          </a:xfrm>
+          <a:prstGeom prst="rect">
+            <a:avLst/>
+          </a:prstGeom>
+          <a:noFill/>
+        </p:spPr>
+        <p:style>
+          <a:lnRef idx="2">
+            <a:schemeClr val="accent1">
+              <a:shade val="50000"/>
+            </a:schemeClr>
+          </a:lnRef>
+          <a:fillRef idx="1">
+            <a:schemeClr val="accent1"/>
+          </a:fillRef>
+          <a:effectRef idx="0">
+            <a:schemeClr val="accent1"/>
+          </a:effectRef>
+          <a:fontRef idx="minor">
+            <a:schemeClr val="lt1"/>
+          </a:fontRef>
+        </p:style>
+        <p:txBody>
+          <a:bodyPr rtlCol="0" anchor="ctr"/>
+          <a:lstStyle/>
+          <a:p>
+            <a:pPr algn="ctr"/>
+            <a:r>
+              <a:rPr lang="en-US" dirty="0" smtClean="0">
+                <a:solidFill>
+                  <a:schemeClr val="tx1"/>
+                </a:solidFill>
+              </a:rPr>
+              <a:t>Iterator0</a:t>
+            </a:r>
+            <a:r>
+              <a:rPr lang="en-US" dirty="0" smtClean="0"/>
+              <a:t>0</a:t>
+            </a:r>
+            <a:endParaRPr lang="ru-RU" dirty="0"/>
+          </a:p>
+        </p:txBody>
+      </p:sp>
+      <p:sp>
+        <p:nvSpPr>
+          <p:cNvPr id="22" name="Прямоугольник 21"/>
+          <p:cNvSpPr/>
+          <p:nvPr/>
+        </p:nvSpPr>
+        <p:spPr>
+          <a:xfrm>
+            <a:off x="5077349" y="5156451"/>
+            <a:ext cx="2321166" cy="874206"/>
+          </a:xfrm>
+          <a:prstGeom prst="rect">
+            <a:avLst/>
+          </a:prstGeom>
+          <a:noFill/>
+        </p:spPr>
+        <p:style>
+          <a:lnRef idx="2">
+            <a:schemeClr val="accent1">
+              <a:shade val="50000"/>
+            </a:schemeClr>
+          </a:lnRef>
+          <a:fillRef idx="1">
+            <a:schemeClr val="accent1"/>
+          </a:fillRef>
+          <a:effectRef idx="0">
+            <a:schemeClr val="accent1"/>
+          </a:effectRef>
+          <a:fontRef idx="minor">
+            <a:schemeClr val="lt1"/>
+          </a:fontRef>
+        </p:style>
+        <p:txBody>
+          <a:bodyPr rtlCol="0" anchor="ctr"/>
+          <a:lstStyle/>
+          <a:p>
+            <a:pPr algn="ctr"/>
+            <a:r>
+              <a:rPr lang="en-US" dirty="0" smtClean="0">
+                <a:solidFill>
+                  <a:schemeClr val="tx1"/>
+                </a:solidFill>
+              </a:rPr>
+              <a:t>Iterator1</a:t>
+            </a:r>
+            <a:endParaRPr lang="ru-RU" dirty="0">
+              <a:solidFill>
+                <a:schemeClr val="tx1"/>
+              </a:solidFill>
+            </a:endParaRPr>
+          </a:p>
+        </p:txBody>
+      </p:sp>
+      <p:sp>
+        <p:nvSpPr>
+          <p:cNvPr id="23" name="Прямоугольник 22"/>
+          <p:cNvSpPr/>
+          <p:nvPr/>
+        </p:nvSpPr>
+        <p:spPr>
+          <a:xfrm>
+            <a:off x="8420102" y="5208339"/>
+            <a:ext cx="2488222" cy="894303"/>
+          </a:xfrm>
+          <a:prstGeom prst="rect">
+            <a:avLst/>
+          </a:prstGeom>
+          <a:noFill/>
+        </p:spPr>
+        <p:style>
+          <a:lnRef idx="2">
+            <a:schemeClr val="accent1">
+              <a:shade val="50000"/>
+            </a:schemeClr>
+          </a:lnRef>
+          <a:fillRef idx="1">
+            <a:schemeClr val="accent1"/>
+          </a:fillRef>
+          <a:effectRef idx="0">
+            <a:schemeClr val="accent1"/>
+          </a:effectRef>
+          <a:fontRef idx="minor">
+            <a:schemeClr val="lt1"/>
+          </a:fontRef>
+        </p:style>
+        <p:txBody>
+          <a:bodyPr rtlCol="0" anchor="ctr"/>
+          <a:lstStyle/>
+          <a:p>
+            <a:pPr algn="ctr"/>
+            <a:r>
+              <a:rPr lang="en-US" dirty="0" smtClean="0">
+                <a:solidFill>
+                  <a:schemeClr val="tx1"/>
+                </a:solidFill>
+              </a:rPr>
+              <a:t>Iterator2</a:t>
+            </a:r>
+            <a:endParaRPr lang="ru-RU" dirty="0">
+              <a:solidFill>
+                <a:schemeClr val="tx1"/>
+              </a:solidFill>
+            </a:endParaRPr>
+          </a:p>
+        </p:txBody>
+      </p:sp>
+      <p:sp>
+        <p:nvSpPr>
+          <p:cNvPr id="24" name="Стрелка вниз 23"/>
+          <p:cNvSpPr/>
+          <p:nvPr/>
+        </p:nvSpPr>
+        <p:spPr>
+          <a:xfrm>
+            <a:off x="6064180" y="6268029"/>
+            <a:ext cx="347504" cy="361740"/>
+          </a:xfrm>
+          <a:prstGeom prst="downArrow">
+            <a:avLst/>
+          </a:prstGeom>
+        </p:spPr>
+        <p:style>
+          <a:lnRef idx="2">
+            <a:schemeClr val="accent1">
+              <a:shade val="50000"/>
+            </a:schemeClr>
+          </a:lnRef>
+          <a:fillRef idx="1">
+            <a:schemeClr val="accent1"/>
+          </a:fillRef>
+          <a:effectRef idx="0">
+            <a:schemeClr val="accent1"/>
+          </a:effectRef>
+          <a:fontRef idx="minor">
+            <a:schemeClr val="lt1"/>
+          </a:fontRef>
+        </p:style>
+        <p:txBody>
+          <a:bodyPr rtlCol="0" anchor="ctr"/>
+          <a:lstStyle/>
+          <a:p>
+            <a:pPr algn="ctr"/>
+            <a:endParaRPr lang="ru-RU"/>
+          </a:p>
+        </p:txBody>
+      </p:sp>
+      <p:cxnSp>
+        <p:nvCxnSpPr>
+          <p:cNvPr id="25" name="Прямая со стрелкой 24"/>
+          <p:cNvCxnSpPr>
+            <a:stCxn id="5" idx="2"/>
+            <a:endCxn id="4" idx="0"/>
+          </p:cNvCxnSpPr>
+          <p:nvPr/>
+        </p:nvCxnSpPr>
+        <p:spPr>
+          <a:xfrm>
+            <a:off x="3024554" y="2507921"/>
+            <a:ext cx="0" cy="809498"/>
+          </a:xfrm>
+          <a:prstGeom prst="straightConnector1">
+            <a:avLst/>
+          </a:prstGeom>
+          <a:ln>
+            <a:tailEnd type="triangle"/>
+          </a:ln>
+        </p:spPr>
+        <p:style>
+          <a:lnRef idx="1">
+            <a:schemeClr val="accent1"/>
+          </a:lnRef>
+          <a:fillRef idx="0">
+            <a:schemeClr val="accent1"/>
+          </a:fillRef>
+          <a:effectRef idx="0">
+            <a:schemeClr val="accent1"/>
+          </a:effectRef>
+          <a:fontRef idx="minor">
+            <a:schemeClr val="tx1"/>
+          </a:fontRef>
+        </p:style>
+      </p:cxnSp>
+      <p:cxnSp>
+        <p:nvCxnSpPr>
+          <p:cNvPr id="28" name="Прямая со стрелкой 27"/>
+          <p:cNvCxnSpPr>
+            <a:stCxn id="6" idx="2"/>
+            <a:endCxn id="19" idx="0"/>
+          </p:cNvCxnSpPr>
+          <p:nvPr/>
+        </p:nvCxnSpPr>
+        <p:spPr>
+          <a:xfrm>
+            <a:off x="6237932" y="2482559"/>
+            <a:ext cx="0" cy="801760"/>
+          </a:xfrm>
+          <a:prstGeom prst="straightConnector1">
+            <a:avLst/>
+          </a:prstGeom>
+          <a:ln>
+            <a:tailEnd type="triangle"/>
+          </a:ln>
+        </p:spPr>
+        <p:style>
+          <a:lnRef idx="1">
+            <a:schemeClr val="accent1"/>
+          </a:lnRef>
+          <a:fillRef idx="0">
+            <a:schemeClr val="accent1"/>
+          </a:fillRef>
+          <a:effectRef idx="0">
+            <a:schemeClr val="accent1"/>
+          </a:effectRef>
+          <a:fontRef idx="minor">
+            <a:schemeClr val="tx1"/>
+          </a:fontRef>
+        </p:style>
+      </p:cxnSp>
+      <p:cxnSp>
+        <p:nvCxnSpPr>
+          <p:cNvPr id="30" name="Прямая со стрелкой 29"/>
+          <p:cNvCxnSpPr>
+            <a:stCxn id="7" idx="2"/>
+            <a:endCxn id="20" idx="0"/>
+          </p:cNvCxnSpPr>
+          <p:nvPr/>
+        </p:nvCxnSpPr>
+        <p:spPr>
+          <a:xfrm>
+            <a:off x="9664213" y="2479654"/>
+            <a:ext cx="0" cy="841680"/>
+          </a:xfrm>
+          <a:prstGeom prst="straightConnector1">
+            <a:avLst/>
+          </a:prstGeom>
+          <a:ln>
+            <a:tailEnd type="triangle"/>
+          </a:ln>
+        </p:spPr>
+        <p:style>
+          <a:lnRef idx="1">
+            <a:schemeClr val="accent1"/>
+          </a:lnRef>
+          <a:fillRef idx="0">
+            <a:schemeClr val="accent1"/>
+          </a:fillRef>
+          <a:effectRef idx="0">
+            <a:schemeClr val="accent1"/>
+          </a:effectRef>
+          <a:fontRef idx="minor">
+            <a:schemeClr val="tx1"/>
+          </a:fontRef>
+        </p:style>
+      </p:cxnSp>
+      <p:cxnSp>
+        <p:nvCxnSpPr>
+          <p:cNvPr id="33" name="Прямая со стрелкой 32"/>
+          <p:cNvCxnSpPr>
+            <a:stCxn id="4" idx="2"/>
+            <a:endCxn id="21" idx="0"/>
+          </p:cNvCxnSpPr>
+          <p:nvPr/>
+        </p:nvCxnSpPr>
+        <p:spPr>
+          <a:xfrm flipH="1">
+            <a:off x="3020369" y="3870078"/>
+            <a:ext cx="4185" cy="1290140"/>
+          </a:xfrm>
+          <a:prstGeom prst="straightConnector1">
+            <a:avLst/>
+          </a:prstGeom>
+          <a:ln>
+            <a:tailEnd type="triangle"/>
+          </a:ln>
+        </p:spPr>
+        <p:style>
+          <a:lnRef idx="1">
+            <a:schemeClr val="accent1"/>
+          </a:lnRef>
+          <a:fillRef idx="0">
+            <a:schemeClr val="accent1"/>
+          </a:fillRef>
+          <a:effectRef idx="0">
+            <a:schemeClr val="accent1"/>
+          </a:effectRef>
+          <a:fontRef idx="minor">
+            <a:schemeClr val="tx1"/>
+          </a:fontRef>
+        </p:style>
+      </p:cxnSp>
+      <p:cxnSp>
+        <p:nvCxnSpPr>
+          <p:cNvPr id="35" name="Прямая со стрелкой 34"/>
+          <p:cNvCxnSpPr>
+            <a:endCxn id="22" idx="0"/>
+          </p:cNvCxnSpPr>
+          <p:nvPr/>
+        </p:nvCxnSpPr>
+        <p:spPr>
+          <a:xfrm>
+            <a:off x="6211976" y="3870078"/>
+            <a:ext cx="25956" cy="1286373"/>
+          </a:xfrm>
+          <a:prstGeom prst="straightConnector1">
+            <a:avLst/>
+          </a:prstGeom>
+          <a:ln>
+            <a:tailEnd type="triangle"/>
+          </a:ln>
+        </p:spPr>
+        <p:style>
+          <a:lnRef idx="1">
+            <a:schemeClr val="accent1"/>
+          </a:lnRef>
+          <a:fillRef idx="0">
+            <a:schemeClr val="accent1"/>
+          </a:fillRef>
+          <a:effectRef idx="0">
+            <a:schemeClr val="accent1"/>
+          </a:effectRef>
+          <a:fontRef idx="minor">
+            <a:schemeClr val="tx1"/>
+          </a:fontRef>
+        </p:style>
+      </p:cxnSp>
+      <p:cxnSp>
+        <p:nvCxnSpPr>
+          <p:cNvPr id="37" name="Прямая со стрелкой 36"/>
+          <p:cNvCxnSpPr>
+            <a:stCxn id="20" idx="2"/>
+            <a:endCxn id="23" idx="0"/>
+          </p:cNvCxnSpPr>
+          <p:nvPr/>
+        </p:nvCxnSpPr>
+        <p:spPr>
+          <a:xfrm>
+            <a:off x="9664213" y="3873993"/>
+            <a:ext cx="0" cy="1334346"/>
+          </a:xfrm>
+          <a:prstGeom prst="straightConnector1">
+            <a:avLst/>
+          </a:prstGeom>
+          <a:ln>
+            <a:tailEnd type="triangle"/>
+          </a:ln>
+        </p:spPr>
+        <p:style>
+          <a:lnRef idx="1">
+            <a:schemeClr val="accent1"/>
+          </a:lnRef>
+          <a:fillRef idx="0">
+            <a:schemeClr val="accent1"/>
+          </a:fillRef>
+          <a:effectRef idx="0">
+            <a:schemeClr val="accent1"/>
+          </a:effectRef>
+          <a:fontRef idx="minor">
+            <a:schemeClr val="tx1"/>
+          </a:fontRef>
+        </p:style>
+      </p:cxnSp>
+    </p:spTree>
+    <p:extLst>
+      <p:ext uri="{BB962C8B-B14F-4D97-AF65-F5344CB8AC3E}">
+        <p14:creationId xmlns:p14="http://schemas.microsoft.com/office/powerpoint/2010/main" val="528011132"/>
+      </p:ext>
+    </p:extLst>
+  </p:cSld>
+  <p:clrMapOvr>
+    <a:masterClrMapping/>
+  </p:clrMapOvr>
+  <p:timing>
+    <p:tnLst>
+      <p:par>
+        <p:cTn id="1" dur="indefinite" restart="never" nodeType="tmRoot"/>
+      </p:par>
+    </p:tnLst>
+  </p:timing>
+</p:sld>
+</file>
+
+<file path=ppt/slides/slide8.xml><?xml version="1.0" encoding="utf-8"?>
+<p:sld xmlns:a="http://schemas.openxmlformats.org/drawingml/2006/main" xmlns:r="http://schemas.openxmlformats.org/officeDocument/2006/relationships" xmlns:p="http://schemas.openxmlformats.org/presentationml/2006/main">
+  <p:cSld>
+    <p:spTree>
+      <p:nvGrpSpPr>
+        <p:cNvPr id="1" name=""/>
+        <p:cNvGrpSpPr/>
+        <p:nvPr/>
+      </p:nvGrpSpPr>
+      <p:grpSpPr>
+        <a:xfrm>
+          <a:off x="0" y="0"/>
+          <a:ext cx="0" cy="0"/>
+          <a:chOff x="0" y="0"/>
+          <a:chExt cx="0" cy="0"/>
+        </a:xfrm>
+      </p:grpSpPr>
+      <p:sp>
+        <p:nvSpPr>
+          <p:cNvPr id="2" name="Заголовок 1"/>
+          <p:cNvSpPr>
+            <a:spLocks noGrp="1"/>
+          </p:cNvSpPr>
+          <p:nvPr>
+            <p:ph type="title"/>
+          </p:nvPr>
+        </p:nvSpPr>
+        <p:spPr>
+          <a:xfrm>
             <a:off x="0" y="0"/>
             <a:ext cx="12192000" cy="1325563"/>
           </a:xfrm>
@@ -12454,7 +14933,7 @@
 </p:sld>
 </file>
 
-<file path=ppt/slides/slide8.xml><?xml version="1.0" encoding="utf-8"?>
+<file path=ppt/slides/slide9.xml><?xml version="1.0" encoding="utf-8"?>
 <p:sld xmlns:a="http://schemas.openxmlformats.org/drawingml/2006/main" xmlns:r="http://schemas.openxmlformats.org/officeDocument/2006/relationships" xmlns:p="http://schemas.openxmlformats.org/presentationml/2006/main">
   <p:cSld>
     <p:spTree>
@@ -12822,407 +15301,6 @@
     <p:extLst>
       <p:ext uri="{BB962C8B-B14F-4D97-AF65-F5344CB8AC3E}">
         <p14:creationId xmlns:p14="http://schemas.microsoft.com/office/powerpoint/2010/main" val="3499116822"/>
-      </p:ext>
-    </p:extLst>
-  </p:cSld>
-  <p:clrMapOvr>
-    <a:masterClrMapping/>
-  </p:clrMapOvr>
-  <p:timing>
-    <p:tnLst>
-      <p:par>
-        <p:cTn id="1" dur="indefinite" restart="never" nodeType="tmRoot"/>
-      </p:par>
-    </p:tnLst>
-  </p:timing>
-</p:sld>
-</file>
-
-<file path=ppt/slides/slide9.xml><?xml version="1.0" encoding="utf-8"?>
-<p:sld xmlns:a="http://schemas.openxmlformats.org/drawingml/2006/main" xmlns:r="http://schemas.openxmlformats.org/officeDocument/2006/relationships" xmlns:p="http://schemas.openxmlformats.org/presentationml/2006/main">
-  <p:cSld>
-    <p:spTree>
-      <p:nvGrpSpPr>
-        <p:cNvPr id="1" name=""/>
-        <p:cNvGrpSpPr/>
-        <p:nvPr/>
-      </p:nvGrpSpPr>
-      <p:grpSpPr>
-        <a:xfrm>
-          <a:off x="0" y="0"/>
-          <a:ext cx="0" cy="0"/>
-          <a:chOff x="0" y="0"/>
-          <a:chExt cx="0" cy="0"/>
-        </a:xfrm>
-      </p:grpSpPr>
-      <p:sp>
-        <p:nvSpPr>
-          <p:cNvPr id="5" name="Прямоугольник 4"/>
-          <p:cNvSpPr/>
-          <p:nvPr/>
-        </p:nvSpPr>
-        <p:spPr>
-          <a:xfrm>
-            <a:off x="0" y="1053529"/>
-            <a:ext cx="12192000" cy="5632311"/>
-          </a:xfrm>
-          <a:prstGeom prst="rect">
-            <a:avLst/>
-          </a:prstGeom>
-        </p:spPr>
-        <p:txBody>
-          <a:bodyPr wrap="square">
-            <a:spAutoFit/>
-          </a:bodyPr>
-          <a:lstStyle/>
-          <a:p>
-            <a:r>
-              <a:rPr lang="en-US" dirty="0"/>
-              <a:t> </a:t>
-            </a:r>
-            <a:r>
-              <a:rPr lang="en-US" dirty="0" smtClean="0"/>
-              <a:t>     // </a:t>
-            </a:r>
-            <a:r>
-              <a:rPr lang="en-US" dirty="0"/>
-              <a:t>Takes the first leaf partitioning whenever we see a `</a:t>
-            </a:r>
-            <a:r>
-              <a:rPr lang="en-US" dirty="0" err="1"/>
-              <a:t>PartitioningCollection</a:t>
-            </a:r>
-            <a:r>
-              <a:rPr lang="en-US" dirty="0"/>
-              <a:t>`. Otherwise the</a:t>
-            </a:r>
-          </a:p>
-          <a:p>
-            <a:r>
-              <a:rPr lang="en-US" dirty="0"/>
-              <a:t>      // size of `</a:t>
-            </a:r>
-            <a:r>
-              <a:rPr lang="en-US" dirty="0" err="1"/>
-              <a:t>PartitioningCollection</a:t>
-            </a:r>
-            <a:r>
-              <a:rPr lang="en-US" dirty="0"/>
-              <a:t>` may grow exponentially for queries involving deep inner</a:t>
-            </a:r>
-          </a:p>
-          <a:p>
-            <a:r>
-              <a:rPr lang="en-US" dirty="0"/>
-              <a:t>      // </a:t>
-            </a:r>
-            <a:r>
-              <a:rPr lang="en-US" dirty="0" smtClean="0"/>
-              <a:t>joins</a:t>
-            </a:r>
-            <a:r>
-              <a:rPr lang="en-US" dirty="0"/>
-              <a:t>.</a:t>
-            </a:r>
-          </a:p>
-          <a:p>
-            <a:r>
-              <a:rPr lang="en-US" dirty="0"/>
-              <a:t>      </a:t>
-            </a:r>
-            <a:r>
-              <a:rPr lang="en-US" dirty="0" err="1"/>
-              <a:t>def</a:t>
-            </a:r>
-            <a:r>
-              <a:rPr lang="en-US" dirty="0"/>
-              <a:t> </a:t>
-            </a:r>
-            <a:r>
-              <a:rPr lang="en-US" dirty="0" err="1"/>
-              <a:t>firstLeafPartitioning</a:t>
-            </a:r>
-            <a:r>
-              <a:rPr lang="en-US" dirty="0"/>
-              <a:t>(partitioning: Partitioning): Partitioning = {</a:t>
-            </a:r>
-          </a:p>
-          <a:p>
-            <a:r>
-              <a:rPr lang="en-US" dirty="0"/>
-              <a:t>        partitioning match {</a:t>
-            </a:r>
-          </a:p>
-          <a:p>
-            <a:r>
-              <a:rPr lang="en-US" dirty="0"/>
-              <a:t>          case p: </a:t>
-            </a:r>
-            <a:r>
-              <a:rPr lang="en-US" dirty="0" err="1"/>
-              <a:t>PartitioningCollection</a:t>
-            </a:r>
-            <a:r>
-              <a:rPr lang="en-US" dirty="0"/>
-              <a:t> =&gt; </a:t>
-            </a:r>
-            <a:r>
-              <a:rPr lang="en-US" dirty="0" err="1"/>
-              <a:t>firstLeafPartitioning</a:t>
-            </a:r>
-            <a:r>
-              <a:rPr lang="en-US" dirty="0"/>
-              <a:t>(</a:t>
-            </a:r>
-            <a:r>
-              <a:rPr lang="en-US" dirty="0" err="1"/>
-              <a:t>p.partitionings.head</a:t>
-            </a:r>
-            <a:r>
-              <a:rPr lang="en-US" dirty="0"/>
-              <a:t>)</a:t>
-            </a:r>
-          </a:p>
-          <a:p>
-            <a:r>
-              <a:rPr lang="en-US" dirty="0"/>
-              <a:t>          case p =&gt; p</a:t>
-            </a:r>
-          </a:p>
-          <a:p>
-            <a:r>
-              <a:rPr lang="en-US" dirty="0"/>
-              <a:t>        }</a:t>
-            </a:r>
-          </a:p>
-          <a:p>
-            <a:r>
-              <a:rPr lang="en-US" dirty="0"/>
-              <a:t>      }</a:t>
-            </a:r>
-          </a:p>
-          <a:p>
-            <a:r>
-              <a:rPr lang="en-US" dirty="0" smtClean="0"/>
-              <a:t>      </a:t>
-            </a:r>
-            <a:r>
-              <a:rPr lang="en-US" dirty="0" err="1"/>
-              <a:t>val</a:t>
-            </a:r>
-            <a:r>
-              <a:rPr lang="en-US" dirty="0"/>
-              <a:t> </a:t>
-            </a:r>
-            <a:r>
-              <a:rPr lang="en-US" dirty="0" err="1"/>
-              <a:t>outputPartitioning</a:t>
-            </a:r>
-            <a:r>
-              <a:rPr lang="en-US" dirty="0"/>
-              <a:t> = </a:t>
-            </a:r>
-            <a:r>
-              <a:rPr lang="en-US" dirty="0" err="1"/>
-              <a:t>firstLeafPartitioning</a:t>
-            </a:r>
-            <a:r>
-              <a:rPr lang="en-US" dirty="0"/>
-              <a:t>(</a:t>
-            </a:r>
-            <a:r>
-              <a:rPr lang="en-US" dirty="0" err="1"/>
-              <a:t>physicalPlan.outputPartitioning</a:t>
-            </a:r>
-            <a:r>
-              <a:rPr lang="en-US" dirty="0"/>
-              <a:t>)</a:t>
-            </a:r>
-          </a:p>
-          <a:p>
-            <a:r>
-              <a:rPr lang="en-US" dirty="0" smtClean="0"/>
-              <a:t>      </a:t>
-            </a:r>
-            <a:r>
-              <a:rPr lang="en-US" dirty="0" err="1"/>
-              <a:t>Dataset.ofRows</a:t>
-            </a:r>
-            <a:r>
-              <a:rPr lang="en-US" dirty="0"/>
-              <a:t>(</a:t>
-            </a:r>
-          </a:p>
-          <a:p>
-            <a:r>
-              <a:rPr lang="en-US" dirty="0"/>
-              <a:t>        </a:t>
-            </a:r>
-            <a:r>
-              <a:rPr lang="en-US" dirty="0" err="1"/>
-              <a:t>sparkSession</a:t>
-            </a:r>
-            <a:r>
-              <a:rPr lang="en-US" dirty="0"/>
-              <a:t>,</a:t>
-            </a:r>
-          </a:p>
-          <a:p>
-            <a:r>
-              <a:rPr lang="en-US" b="1" dirty="0"/>
-              <a:t>        </a:t>
-            </a:r>
-            <a:r>
-              <a:rPr lang="en-US" b="1" dirty="0" err="1"/>
-              <a:t>LogicalRDD</a:t>
-            </a:r>
-            <a:r>
-              <a:rPr lang="en-US" dirty="0"/>
-              <a:t>(</a:t>
-            </a:r>
-          </a:p>
-          <a:p>
-            <a:r>
-              <a:rPr lang="en-US" dirty="0"/>
-              <a:t>          </a:t>
-            </a:r>
-            <a:r>
-              <a:rPr lang="en-US" dirty="0" err="1"/>
-              <a:t>logicalPlan.output</a:t>
-            </a:r>
-            <a:r>
-              <a:rPr lang="en-US" dirty="0"/>
-              <a:t>,</a:t>
-            </a:r>
-          </a:p>
-          <a:p>
-            <a:r>
-              <a:rPr lang="en-US" b="1" dirty="0"/>
-              <a:t>          </a:t>
-            </a:r>
-            <a:r>
-              <a:rPr lang="en-US" b="1" dirty="0" err="1"/>
-              <a:t>internalRdd</a:t>
-            </a:r>
-            <a:r>
-              <a:rPr lang="en-US" dirty="0"/>
-              <a:t>,</a:t>
-            </a:r>
-          </a:p>
-          <a:p>
-            <a:r>
-              <a:rPr lang="en-US" dirty="0"/>
-              <a:t>          </a:t>
-            </a:r>
-            <a:r>
-              <a:rPr lang="en-US" dirty="0" err="1"/>
-              <a:t>outputPartitioning</a:t>
-            </a:r>
-            <a:r>
-              <a:rPr lang="en-US" dirty="0"/>
-              <a:t>,</a:t>
-            </a:r>
-          </a:p>
-          <a:p>
-            <a:r>
-              <a:rPr lang="en-US" dirty="0"/>
-              <a:t>          </a:t>
-            </a:r>
-            <a:r>
-              <a:rPr lang="en-US" dirty="0" err="1"/>
-              <a:t>physicalPlan.outputOrdering</a:t>
-            </a:r>
-            <a:r>
-              <a:rPr lang="en-US" dirty="0"/>
-              <a:t>,</a:t>
-            </a:r>
-          </a:p>
-          <a:p>
-            <a:r>
-              <a:rPr lang="en-US" dirty="0"/>
-              <a:t>          </a:t>
-            </a:r>
-            <a:r>
-              <a:rPr lang="en-US" dirty="0" err="1"/>
-              <a:t>isStreaming</a:t>
-            </a:r>
-            <a:endParaRPr lang="en-US" dirty="0"/>
-          </a:p>
-          <a:p>
-            <a:r>
-              <a:rPr lang="en-US" dirty="0"/>
-              <a:t>        )(</a:t>
-            </a:r>
-            <a:r>
-              <a:rPr lang="en-US" dirty="0" err="1"/>
-              <a:t>sparkSession</a:t>
-            </a:r>
-            <a:r>
-              <a:rPr lang="en-US" dirty="0"/>
-              <a:t>)).as[T]</a:t>
-            </a:r>
-          </a:p>
-          <a:p>
-            <a:r>
-              <a:rPr lang="en-US" dirty="0"/>
-              <a:t>    }</a:t>
-            </a:r>
-            <a:endParaRPr lang="ru-RU" dirty="0"/>
-          </a:p>
-        </p:txBody>
-      </p:sp>
-      <p:sp>
-        <p:nvSpPr>
-          <p:cNvPr id="3" name="Заголовок 1"/>
-          <p:cNvSpPr txBox="1">
-            <a:spLocks/>
-          </p:cNvSpPr>
-          <p:nvPr/>
-        </p:nvSpPr>
-        <p:spPr>
-          <a:xfrm>
-            <a:off x="0" y="-1"/>
-            <a:ext cx="12192000" cy="1053529"/>
-          </a:xfrm>
-          <a:prstGeom prst="rect">
-            <a:avLst/>
-          </a:prstGeom>
-        </p:spPr>
-        <p:txBody>
-          <a:bodyPr/>
-          <a:lstStyle>
-            <a:lvl1pPr algn="l" defTabSz="914400" rtl="0" eaLnBrk="1" latinLnBrk="0" hangingPunct="1">
-              <a:lnSpc>
-                <a:spcPct val="90000"/>
-              </a:lnSpc>
-              <a:spcBef>
-                <a:spcPct val="0"/>
-              </a:spcBef>
-              <a:buNone/>
-              <a:defRPr sz="4400" kern="1200">
-                <a:solidFill>
-                  <a:schemeClr val="tx1"/>
-                </a:solidFill>
-                <a:latin typeface="+mj-lt"/>
-                <a:ea typeface="+mj-ea"/>
-                <a:cs typeface="+mj-cs"/>
-              </a:defRPr>
-            </a:lvl1pPr>
-          </a:lstStyle>
-          <a:p>
-            <a:pPr algn="ctr"/>
-            <a:r>
-              <a:rPr lang="en-US" dirty="0" smtClean="0"/>
-              <a:t>Class Dataset</a:t>
-            </a:r>
-            <a:endParaRPr lang="ru-RU" dirty="0"/>
-          </a:p>
-        </p:txBody>
-      </p:sp>
-    </p:spTree>
-    <p:extLst>
-      <p:ext uri="{BB962C8B-B14F-4D97-AF65-F5344CB8AC3E}">
-        <p14:creationId xmlns:p14="http://schemas.microsoft.com/office/powerpoint/2010/main" val="2581322799"/>
       </p:ext>
     </p:extLst>
   </p:cSld>

--- a/Spark_checkpoint.pptx
+++ b/Spark_checkpoint.pptx
@@ -223,7 +223,7 @@
           <a:p>
             <a:fld id="{6FE37721-1188-47D5-9044-022ECE8C9E54}" type="datetimeFigureOut">
               <a:rPr lang="ru-RU" smtClean="0"/>
-              <a:t>21.02.2021</a:t>
+              <a:t>28.02.2021</a:t>
             </a:fld>
             <a:endParaRPr lang="ru-RU"/>
           </a:p>
@@ -706,7 +706,7 @@
           <a:p>
             <a:fld id="{B7A4174B-3865-4C52-8BB2-B1080AE4813B}" type="datetimeFigureOut">
               <a:rPr lang="ru-RU" smtClean="0"/>
-              <a:t>21.02.2021</a:t>
+              <a:t>28.02.2021</a:t>
             </a:fld>
             <a:endParaRPr lang="ru-RU"/>
           </a:p>
@@ -876,7 +876,7 @@
           <a:p>
             <a:fld id="{B7A4174B-3865-4C52-8BB2-B1080AE4813B}" type="datetimeFigureOut">
               <a:rPr lang="ru-RU" smtClean="0"/>
-              <a:t>21.02.2021</a:t>
+              <a:t>28.02.2021</a:t>
             </a:fld>
             <a:endParaRPr lang="ru-RU"/>
           </a:p>
@@ -1056,7 +1056,7 @@
           <a:p>
             <a:fld id="{B7A4174B-3865-4C52-8BB2-B1080AE4813B}" type="datetimeFigureOut">
               <a:rPr lang="ru-RU" smtClean="0"/>
-              <a:t>21.02.2021</a:t>
+              <a:t>28.02.2021</a:t>
             </a:fld>
             <a:endParaRPr lang="ru-RU"/>
           </a:p>
@@ -1226,7 +1226,7 @@
           <a:p>
             <a:fld id="{B7A4174B-3865-4C52-8BB2-B1080AE4813B}" type="datetimeFigureOut">
               <a:rPr lang="ru-RU" smtClean="0"/>
-              <a:t>21.02.2021</a:t>
+              <a:t>28.02.2021</a:t>
             </a:fld>
             <a:endParaRPr lang="ru-RU"/>
           </a:p>
@@ -1472,7 +1472,7 @@
           <a:p>
             <a:fld id="{B7A4174B-3865-4C52-8BB2-B1080AE4813B}" type="datetimeFigureOut">
               <a:rPr lang="ru-RU" smtClean="0"/>
-              <a:t>21.02.2021</a:t>
+              <a:t>28.02.2021</a:t>
             </a:fld>
             <a:endParaRPr lang="ru-RU"/>
           </a:p>
@@ -1704,7 +1704,7 @@
           <a:p>
             <a:fld id="{B7A4174B-3865-4C52-8BB2-B1080AE4813B}" type="datetimeFigureOut">
               <a:rPr lang="ru-RU" smtClean="0"/>
-              <a:t>21.02.2021</a:t>
+              <a:t>28.02.2021</a:t>
             </a:fld>
             <a:endParaRPr lang="ru-RU"/>
           </a:p>
@@ -2071,7 +2071,7 @@
           <a:p>
             <a:fld id="{B7A4174B-3865-4C52-8BB2-B1080AE4813B}" type="datetimeFigureOut">
               <a:rPr lang="ru-RU" smtClean="0"/>
-              <a:t>21.02.2021</a:t>
+              <a:t>28.02.2021</a:t>
             </a:fld>
             <a:endParaRPr lang="ru-RU"/>
           </a:p>
@@ -2189,7 +2189,7 @@
           <a:p>
             <a:fld id="{B7A4174B-3865-4C52-8BB2-B1080AE4813B}" type="datetimeFigureOut">
               <a:rPr lang="ru-RU" smtClean="0"/>
-              <a:t>21.02.2021</a:t>
+              <a:t>28.02.2021</a:t>
             </a:fld>
             <a:endParaRPr lang="ru-RU"/>
           </a:p>
@@ -2284,7 +2284,7 @@
           <a:p>
             <a:fld id="{B7A4174B-3865-4C52-8BB2-B1080AE4813B}" type="datetimeFigureOut">
               <a:rPr lang="ru-RU" smtClean="0"/>
-              <a:t>21.02.2021</a:t>
+              <a:t>28.02.2021</a:t>
             </a:fld>
             <a:endParaRPr lang="ru-RU"/>
           </a:p>
@@ -2561,7 +2561,7 @@
           <a:p>
             <a:fld id="{B7A4174B-3865-4C52-8BB2-B1080AE4813B}" type="datetimeFigureOut">
               <a:rPr lang="ru-RU" smtClean="0"/>
-              <a:t>21.02.2021</a:t>
+              <a:t>28.02.2021</a:t>
             </a:fld>
             <a:endParaRPr lang="ru-RU"/>
           </a:p>
@@ -2814,7 +2814,7 @@
           <a:p>
             <a:fld id="{B7A4174B-3865-4C52-8BB2-B1080AE4813B}" type="datetimeFigureOut">
               <a:rPr lang="ru-RU" smtClean="0"/>
-              <a:t>21.02.2021</a:t>
+              <a:t>28.02.2021</a:t>
             </a:fld>
             <a:endParaRPr lang="ru-RU"/>
           </a:p>
@@ -3027,7 +3027,7 @@
           <a:p>
             <a:fld id="{B7A4174B-3865-4C52-8BB2-B1080AE4813B}" type="datetimeFigureOut">
               <a:rPr lang="ru-RU" smtClean="0"/>
-              <a:t>21.02.2021</a:t>
+              <a:t>28.02.2021</a:t>
             </a:fld>
             <a:endParaRPr lang="ru-RU"/>
           </a:p>
@@ -3444,8 +3444,8 @@
         </p:nvSpPr>
         <p:spPr>
           <a:xfrm>
-            <a:off x="1524000" y="1598486"/>
-            <a:ext cx="9144000" cy="2387600"/>
+            <a:off x="1524000" y="1798654"/>
+            <a:ext cx="9144000" cy="3707843"/>
           </a:xfrm>
         </p:spPr>
         <p:txBody>
@@ -3478,7 +3478,7 @@
             </a:br>
             <a:r>
               <a:rPr lang="en-US" dirty="0" smtClean="0"/>
-              <a:t>(Draft)</a:t>
+              <a:t/>
             </a:r>
             <a:br>
               <a:rPr lang="en-US" dirty="0" smtClean="0"/>
@@ -4046,21 +4046,13 @@
           </a:bodyPr>
           <a:lstStyle/>
           <a:p>
-            <a:pPr marL="0" marR="0" lvl="0" indent="0" algn="l" defTabSz="914400" rtl="0" eaLnBrk="0" fontAlgn="base" latinLnBrk="0" hangingPunct="0">
-              <a:lnSpc>
-                <a:spcPct val="100000"/>
-              </a:lnSpc>
+            <a:pPr lvl="0" eaLnBrk="0" fontAlgn="base" hangingPunct="0">
               <a:spcBef>
                 <a:spcPct val="0"/>
               </a:spcBef>
               <a:spcAft>
                 <a:spcPct val="0"/>
               </a:spcAft>
-              <a:buClrTx/>
-              <a:buSzTx/>
-              <a:buFontTx/>
-              <a:buNone/>
-              <a:tabLst/>
             </a:pPr>
             <a:r>
               <a:rPr kumimoji="0" lang="ru-RU" altLang="ru-RU" sz="2000" b="0" i="1" u="none" strike="noStrike" cap="none" normalizeH="0" baseline="0" dirty="0" smtClean="0">
@@ -6828,7 +6820,68 @@
                 <a:latin typeface="Courier New" panose="02070309020205020404" pitchFamily="49" charset="0"/>
                 <a:cs typeface="Courier New" panose="02070309020205020404" pitchFamily="49" charset="0"/>
               </a:rPr>
-              <a:t>  }</a:t>
+              <a:t>  </a:t>
+            </a:r>
+            <a:r>
+              <a:rPr kumimoji="0" lang="ru-RU" altLang="ru-RU" b="0" i="0" u="none" strike="noStrike" cap="none" normalizeH="0" baseline="0" dirty="0" smtClean="0">
+                <a:ln>
+                  <a:noFill/>
+                </a:ln>
+                <a:effectLst/>
+                <a:latin typeface="Courier New" panose="02070309020205020404" pitchFamily="49" charset="0"/>
+                <a:cs typeface="Courier New" panose="02070309020205020404" pitchFamily="49" charset="0"/>
+              </a:rPr>
+              <a:t>}</a:t>
+            </a:r>
+            <a:r>
+              <a:rPr kumimoji="0" lang="en-US" altLang="ru-RU" b="0" i="0" u="none" strike="noStrike" cap="none" normalizeH="0" baseline="0" dirty="0" smtClean="0">
+                <a:ln>
+                  <a:noFill/>
+                </a:ln>
+                <a:effectLst/>
+                <a:latin typeface="Courier New" panose="02070309020205020404" pitchFamily="49" charset="0"/>
+                <a:cs typeface="Courier New" panose="02070309020205020404" pitchFamily="49" charset="0"/>
+              </a:rPr>
+              <a:t> //</a:t>
+            </a:r>
+            <a:r>
+              <a:rPr lang="ru-RU" altLang="ru-RU" b="1" dirty="0">
+                <a:latin typeface="Courier New" panose="02070309020205020404" pitchFamily="49" charset="0"/>
+                <a:cs typeface="Courier New" panose="02070309020205020404" pitchFamily="49" charset="0"/>
+              </a:rPr>
+              <a:t> </a:t>
+            </a:r>
+            <a:r>
+              <a:rPr lang="ru-RU" altLang="ru-RU" b="1" dirty="0" err="1" smtClean="0">
+                <a:latin typeface="Courier New" panose="02070309020205020404" pitchFamily="49" charset="0"/>
+                <a:cs typeface="Courier New" panose="02070309020205020404" pitchFamily="49" charset="0"/>
+              </a:rPr>
+              <a:t>ReliableRDDCheckpointData</a:t>
+            </a:r>
+            <a:r>
+              <a:rPr lang="en-US" altLang="ru-RU" b="1" dirty="0" smtClean="0">
+                <a:latin typeface="Courier New" panose="02070309020205020404" pitchFamily="49" charset="0"/>
+                <a:cs typeface="Courier New" panose="02070309020205020404" pitchFamily="49" charset="0"/>
+              </a:rPr>
+              <a:t> is subclass of </a:t>
+            </a:r>
+            <a:r>
+              <a:rPr lang="ru-RU" altLang="ru-RU" b="1" dirty="0" err="1">
+                <a:latin typeface="Courier New" panose="02070309020205020404" pitchFamily="49" charset="0"/>
+                <a:cs typeface="Courier New" panose="02070309020205020404" pitchFamily="49" charset="0"/>
+              </a:rPr>
+              <a:t>RDDCheckpointData</a:t>
+            </a:r>
+            <a:r>
+              <a:rPr kumimoji="0" lang="ru-RU" altLang="ru-RU" b="0" i="0" u="none" strike="noStrike" cap="none" normalizeH="0" baseline="0" dirty="0" smtClean="0">
+                <a:ln>
+                  <a:noFill/>
+                </a:ln>
+                <a:effectLst/>
+                <a:latin typeface="Courier New" panose="02070309020205020404" pitchFamily="49" charset="0"/>
+                <a:cs typeface="Courier New" panose="02070309020205020404" pitchFamily="49" charset="0"/>
+              </a:rPr>
+              <a:t/>
             </a:r>
             <a:br>
               <a:rPr kumimoji="0" lang="ru-RU" altLang="ru-RU" b="0" i="0" u="none" strike="noStrike" cap="none" normalizeH="0" baseline="0" dirty="0" smtClean="0">
@@ -9226,7 +9279,7 @@
                 <a:ea typeface="+mj-ea"/>
                 <a:cs typeface="+mj-cs"/>
               </a:rPr>
-              <a:t>Class </a:t>
+              <a:t>object </a:t>
             </a:r>
             <a:r>
               <a:rPr lang="en-US" sz="4400" dirty="0" err="1" smtClean="0">
@@ -10059,7 +10112,15 @@
             </a:r>
             <a:r>
               <a:rPr lang="en-US" sz="3600" dirty="0" smtClean="0"/>
-              <a:t> df1 =</a:t>
+              <a:t> </a:t>
+            </a:r>
+            <a:r>
+              <a:rPr lang="en-US" sz="3600" dirty="0" smtClean="0"/>
+              <a:t>ds1 </a:t>
+            </a:r>
+            <a:r>
+              <a:rPr lang="en-US" sz="3600" dirty="0" smtClean="0"/>
+              <a:t>=</a:t>
             </a:r>
             <a:r>
               <a:rPr lang="en-US" sz="3600" dirty="0" err="1" smtClean="0"/>
@@ -10080,12 +10141,20 @@
           </a:p>
           <a:p>
             <a:r>
+              <a:rPr lang="en-US" sz="3600" dirty="0" smtClean="0"/>
+              <a:t>d</a:t>
+            </a:r>
+            <a:r>
               <a:rPr lang="en-US" sz="3600" dirty="0"/>
-              <a:t>d</a:t>
+              <a:t>s</a:t>
             </a:r>
             <a:r>
               <a:rPr lang="en-US" sz="3600" dirty="0" smtClean="0"/>
-              <a:t>f1.collect()</a:t>
+              <a:t>1.collect</a:t>
+            </a:r>
+            <a:r>
+              <a:rPr lang="en-US" sz="3600" dirty="0" smtClean="0"/>
+              <a:t>()</a:t>
             </a:r>
             <a:endParaRPr lang="ru-RU" sz="3600" dirty="0"/>
           </a:p>
@@ -10254,12 +10323,16 @@
               <a:t> </a:t>
             </a:r>
             <a:r>
-              <a:rPr lang="en-US" sz="2400" dirty="0" err="1"/>
+              <a:rPr lang="en-US" sz="2400" b="1" dirty="0" err="1"/>
               <a:t>writePartitionToCheckpointFile</a:t>
             </a:r>
             <a:r>
+              <a:rPr lang="en-US" sz="2400" b="1" dirty="0"/>
+              <a:t>[T</a:t>
+            </a:r>
+            <a:r>
               <a:rPr lang="en-US" sz="2400" dirty="0"/>
-              <a:t>[T: </a:t>
+              <a:t>: </a:t>
             </a:r>
             <a:r>
               <a:rPr lang="en-US" sz="2400" dirty="0" err="1"/>
@@ -10273,7 +10346,15 @@
           <a:p>
             <a:r>
               <a:rPr lang="en-US" sz="2400" dirty="0"/>
-              <a:t>      path: String,</a:t>
+              <a:t>      </a:t>
+            </a:r>
+            <a:r>
+              <a:rPr lang="en-US" sz="2400" b="1" dirty="0"/>
+              <a:t>path</a:t>
+            </a:r>
+            <a:r>
+              <a:rPr lang="en-US" sz="2400" dirty="0"/>
+              <a:t>: String,</a:t>
             </a:r>
           </a:p>
           <a:p>
@@ -11821,18 +11902,16 @@
               <a:t> </a:t>
             </a:r>
             <a:r>
-              <a:rPr lang="en-US" sz="2400" dirty="0" err="1"/>
+              <a:rPr lang="en-US" sz="2400" b="1" dirty="0" err="1"/>
               <a:t>readCheckpointFile</a:t>
             </a:r>
             <a:r>
+              <a:rPr lang="en-US" sz="2400" b="1" dirty="0"/>
+              <a:t>[T</a:t>
+            </a:r>
+            <a:r>
               <a:rPr lang="en-US" sz="2400" dirty="0"/>
-              <a:t>[T](</a:t>
-            </a:r>
-          </a:p>
-          <a:p>
-            <a:r>
-              <a:rPr lang="en-US" sz="2400" dirty="0"/>
-              <a:t>      path: Path,</a:t>
+              <a:t>](</a:t>
             </a:r>
           </a:p>
           <a:p>
@@ -11841,6 +11920,20 @@
               <a:t>      </a:t>
             </a:r>
             <a:r>
+              <a:rPr lang="en-US" sz="2400" b="1" dirty="0"/>
+              <a:t>path</a:t>
+            </a:r>
+            <a:r>
+              <a:rPr lang="en-US" sz="2400" dirty="0"/>
+              <a:t>: Path,</a:t>
+            </a:r>
+          </a:p>
+          <a:p>
+            <a:r>
+              <a:rPr lang="en-US" sz="2400" dirty="0"/>
+              <a:t>      </a:t>
+            </a:r>
+            <a:r>
               <a:rPr lang="en-US" sz="2400" dirty="0" err="1"/>
               <a:t>broadcastedConf</a:t>
             </a:r>
@@ -11868,7 +11961,15 @@
             </a:r>
             <a:r>
               <a:rPr lang="en-US" sz="2400" dirty="0"/>
-              <a:t>): Iterator[T] = {</a:t>
+              <a:t>): </a:t>
+            </a:r>
+            <a:r>
+              <a:rPr lang="en-US" sz="2400" b="1" dirty="0"/>
+              <a:t>Iterator[T]</a:t>
+            </a:r>
+            <a:r>
+              <a:rPr lang="en-US" sz="2400" dirty="0"/>
+              <a:t> = {</a:t>
             </a:r>
           </a:p>
           <a:p>
@@ -11959,10 +12060,6 @@
             </a:r>
           </a:p>
           <a:p>
-            <a:r>
-              <a:rPr lang="en-US" sz="2400" dirty="0" smtClean="0"/>
-              <a:t>}</a:t>
-            </a:r>
             <a:endParaRPr lang="ru-RU" sz="2400" dirty="0"/>
           </a:p>
         </p:txBody>
@@ -12083,26 +12180,149 @@
               <a:t> </a:t>
             </a:r>
             <a:r>
+              <a:rPr lang="en-US" dirty="0" smtClean="0"/>
+              <a:t>  </a:t>
+            </a:r>
+            <a:r>
+              <a:rPr lang="en-US" dirty="0" err="1" smtClean="0"/>
+              <a:t>val</a:t>
+            </a:r>
+            <a:r>
+              <a:rPr lang="en-US" dirty="0" smtClean="0"/>
+              <a:t> </a:t>
+            </a:r>
+            <a:r>
+              <a:rPr lang="en-US" b="1" dirty="0" err="1"/>
+              <a:t>fileInputStream</a:t>
+            </a:r>
+            <a:r>
+              <a:rPr lang="en-US" dirty="0"/>
+              <a:t> = {</a:t>
+            </a:r>
+          </a:p>
+          <a:p>
+            <a:r>
+              <a:rPr lang="en-US" dirty="0"/>
+              <a:t>      </a:t>
+            </a:r>
+            <a:r>
               <a:rPr lang="en-US" dirty="0" err="1"/>
               <a:t>val</a:t>
             </a:r>
             <a:r>
-              <a:rPr lang="en-US" dirty="0"/>
+              <a:rPr lang="en-US" b="1" dirty="0"/>
               <a:t> </a:t>
             </a:r>
             <a:r>
+              <a:rPr lang="en-US" b="1" dirty="0" err="1"/>
+              <a:t>fileStream</a:t>
+            </a:r>
+            <a:r>
+              <a:rPr lang="en-US" b="1" dirty="0"/>
+              <a:t> = </a:t>
+            </a:r>
+            <a:r>
+              <a:rPr lang="en-US" b="1" dirty="0" err="1"/>
+              <a:t>fs.open</a:t>
+            </a:r>
+            <a:r>
+              <a:rPr lang="en-US" b="1" dirty="0"/>
+              <a:t>(path, </a:t>
+            </a:r>
+            <a:r>
+              <a:rPr lang="en-US" b="1" dirty="0" err="1"/>
+              <a:t>bufferSize</a:t>
+            </a:r>
+            <a:r>
+              <a:rPr lang="en-US" b="1" dirty="0"/>
+              <a:t>)</a:t>
+            </a:r>
+          </a:p>
+          <a:p>
+            <a:r>
+              <a:rPr lang="en-US" dirty="0"/>
+              <a:t>      if (</a:t>
+            </a:r>
+            <a:r>
               <a:rPr lang="en-US" dirty="0" err="1"/>
-              <a:t>fileInputStream</a:t>
-            </a:r>
-            <a:r>
-              <a:rPr lang="en-US" dirty="0"/>
-              <a:t> = {</a:t>
-            </a:r>
-          </a:p>
-          <a:p>
-            <a:r>
-              <a:rPr lang="en-US" dirty="0"/>
-              <a:t>      </a:t>
+              <a:t>env.conf.get</a:t>
+            </a:r>
+            <a:r>
+              <a:rPr lang="en-US" dirty="0"/>
+              <a:t>(CHECKPOINT_COMPRESS)) {</a:t>
+            </a:r>
+          </a:p>
+          <a:p>
+            <a:r>
+              <a:rPr lang="en-US" dirty="0"/>
+              <a:t>        </a:t>
+            </a:r>
+            <a:r>
+              <a:rPr lang="en-US" dirty="0" err="1"/>
+              <a:t>CompressionCodec.createCodec</a:t>
+            </a:r>
+            <a:r>
+              <a:rPr lang="en-US" dirty="0"/>
+              <a:t>(</a:t>
+            </a:r>
+            <a:r>
+              <a:rPr lang="en-US" dirty="0" err="1"/>
+              <a:t>env.conf</a:t>
+            </a:r>
+            <a:r>
+              <a:rPr lang="en-US" dirty="0"/>
+              <a:t>).</a:t>
+            </a:r>
+            <a:r>
+              <a:rPr lang="en-US" dirty="0" err="1"/>
+              <a:t>compressedInputStream</a:t>
+            </a:r>
+            <a:r>
+              <a:rPr lang="en-US" dirty="0"/>
+              <a:t>(</a:t>
+            </a:r>
+            <a:r>
+              <a:rPr lang="en-US" dirty="0" err="1"/>
+              <a:t>fileStream</a:t>
+            </a:r>
+            <a:r>
+              <a:rPr lang="en-US" dirty="0"/>
+              <a:t>)</a:t>
+            </a:r>
+          </a:p>
+          <a:p>
+            <a:r>
+              <a:rPr lang="en-US" dirty="0"/>
+              <a:t>      } else {</a:t>
+            </a:r>
+          </a:p>
+          <a:p>
+            <a:r>
+              <a:rPr lang="en-US" dirty="0"/>
+              <a:t>        </a:t>
+            </a:r>
+            <a:r>
+              <a:rPr lang="en-US" dirty="0" err="1"/>
+              <a:t>fileStream</a:t>
+            </a:r>
+            <a:endParaRPr lang="en-US" dirty="0"/>
+          </a:p>
+          <a:p>
+            <a:r>
+              <a:rPr lang="en-US" dirty="0"/>
+              <a:t>      }</a:t>
+            </a:r>
+          </a:p>
+          <a:p>
+            <a:r>
+              <a:rPr lang="en-US" dirty="0"/>
+              <a:t>    }</a:t>
+            </a:r>
+          </a:p>
+          <a:p>
+            <a:r>
+              <a:rPr lang="en-US" dirty="0"/>
+              <a:t>    </a:t>
             </a:r>
             <a:r>
               <a:rPr lang="en-US" dirty="0" err="1"/>
@@ -12114,125 +12334,6 @@
             </a:r>
             <a:r>
               <a:rPr lang="en-US" dirty="0" err="1"/>
-              <a:t>fileStream</a:t>
-            </a:r>
-            <a:r>
-              <a:rPr lang="en-US" dirty="0"/>
-              <a:t> = </a:t>
-            </a:r>
-            <a:r>
-              <a:rPr lang="en-US" dirty="0" err="1"/>
-              <a:t>fs.open</a:t>
-            </a:r>
-            <a:r>
-              <a:rPr lang="en-US" dirty="0"/>
-              <a:t>(path, </a:t>
-            </a:r>
-            <a:r>
-              <a:rPr lang="en-US" dirty="0" err="1"/>
-              <a:t>bufferSize</a:t>
-            </a:r>
-            <a:r>
-              <a:rPr lang="en-US" dirty="0"/>
-              <a:t>)</a:t>
-            </a:r>
-          </a:p>
-          <a:p>
-            <a:r>
-              <a:rPr lang="en-US" dirty="0"/>
-              <a:t>      if (</a:t>
-            </a:r>
-            <a:r>
-              <a:rPr lang="en-US" dirty="0" err="1"/>
-              <a:t>env.conf.get</a:t>
-            </a:r>
-            <a:r>
-              <a:rPr lang="en-US" dirty="0"/>
-              <a:t>(CHECKPOINT_COMPRESS)) {</a:t>
-            </a:r>
-          </a:p>
-          <a:p>
-            <a:r>
-              <a:rPr lang="en-US" dirty="0"/>
-              <a:t>        </a:t>
-            </a:r>
-            <a:r>
-              <a:rPr lang="en-US" dirty="0" err="1"/>
-              <a:t>CompressionCodec.createCodec</a:t>
-            </a:r>
-            <a:r>
-              <a:rPr lang="en-US" dirty="0"/>
-              <a:t>(</a:t>
-            </a:r>
-            <a:r>
-              <a:rPr lang="en-US" dirty="0" err="1"/>
-              <a:t>env.conf</a:t>
-            </a:r>
-            <a:r>
-              <a:rPr lang="en-US" dirty="0"/>
-              <a:t>).</a:t>
-            </a:r>
-            <a:r>
-              <a:rPr lang="en-US" dirty="0" err="1"/>
-              <a:t>compressedInputStream</a:t>
-            </a:r>
-            <a:r>
-              <a:rPr lang="en-US" dirty="0"/>
-              <a:t>(</a:t>
-            </a:r>
-            <a:r>
-              <a:rPr lang="en-US" dirty="0" err="1"/>
-              <a:t>fileStream</a:t>
-            </a:r>
-            <a:r>
-              <a:rPr lang="en-US" dirty="0"/>
-              <a:t>)</a:t>
-            </a:r>
-          </a:p>
-          <a:p>
-            <a:r>
-              <a:rPr lang="en-US" dirty="0"/>
-              <a:t>      } else {</a:t>
-            </a:r>
-          </a:p>
-          <a:p>
-            <a:r>
-              <a:rPr lang="en-US" dirty="0"/>
-              <a:t>        </a:t>
-            </a:r>
-            <a:r>
-              <a:rPr lang="en-US" dirty="0" err="1"/>
-              <a:t>fileStream</a:t>
-            </a:r>
-            <a:endParaRPr lang="en-US" dirty="0"/>
-          </a:p>
-          <a:p>
-            <a:r>
-              <a:rPr lang="en-US" dirty="0"/>
-              <a:t>      }</a:t>
-            </a:r>
-          </a:p>
-          <a:p>
-            <a:r>
-              <a:rPr lang="en-US" dirty="0"/>
-              <a:t>    }</a:t>
-            </a:r>
-          </a:p>
-          <a:p>
-            <a:r>
-              <a:rPr lang="en-US" dirty="0"/>
-              <a:t>    </a:t>
-            </a:r>
-            <a:r>
-              <a:rPr lang="en-US" dirty="0" err="1"/>
-              <a:t>val</a:t>
-            </a:r>
-            <a:r>
-              <a:rPr lang="en-US" dirty="0"/>
-              <a:t> </a:t>
-            </a:r>
-            <a:r>
-              <a:rPr lang="en-US" dirty="0" err="1"/>
               <a:t>serializer</a:t>
             </a:r>
             <a:r>
@@ -12254,35 +12355,35 @@
               <a:t>    </a:t>
             </a:r>
             <a:r>
-              <a:rPr lang="en-US" dirty="0" err="1"/>
+              <a:rPr lang="en-US" b="1" dirty="0" err="1"/>
               <a:t>val</a:t>
             </a:r>
             <a:r>
-              <a:rPr lang="en-US" dirty="0"/>
+              <a:rPr lang="en-US" b="1" dirty="0"/>
               <a:t> </a:t>
             </a:r>
             <a:r>
-              <a:rPr lang="en-US" dirty="0" err="1"/>
+              <a:rPr lang="en-US" b="1" dirty="0" err="1"/>
               <a:t>deserializeStream</a:t>
             </a:r>
             <a:r>
-              <a:rPr lang="en-US" dirty="0"/>
+              <a:rPr lang="en-US" b="1" dirty="0"/>
               <a:t> = </a:t>
             </a:r>
             <a:r>
-              <a:rPr lang="en-US" dirty="0" err="1"/>
+              <a:rPr lang="en-US" b="1" dirty="0" err="1"/>
               <a:t>serializer.deserializeStream</a:t>
             </a:r>
             <a:r>
-              <a:rPr lang="en-US" dirty="0"/>
+              <a:rPr lang="en-US" b="1" dirty="0"/>
               <a:t>(</a:t>
             </a:r>
             <a:r>
-              <a:rPr lang="en-US" dirty="0" err="1"/>
+              <a:rPr lang="en-US" b="1" dirty="0" err="1"/>
               <a:t>fileInputStream</a:t>
             </a:r>
             <a:r>
-              <a:rPr lang="en-US" dirty="0"/>
+              <a:rPr lang="en-US" b="1" dirty="0"/>
               <a:t>)</a:t>
             </a:r>
           </a:p>
@@ -12323,14 +12424,18 @@
           <a:p>
             <a:r>
               <a:rPr lang="en-US" dirty="0"/>
-              <a:t>    </a:t>
-            </a:r>
-            <a:r>
-              <a:rPr lang="en-US" dirty="0" err="1"/>
+              <a:t>   </a:t>
+            </a:r>
+            <a:r>
+              <a:rPr lang="en-US" b="1" dirty="0"/>
+              <a:t> </a:t>
+            </a:r>
+            <a:r>
+              <a:rPr lang="en-US" b="1" dirty="0" err="1"/>
               <a:t>deserializeStream.asIterator.asInstanceOf</a:t>
             </a:r>
             <a:r>
-              <a:rPr lang="en-US" dirty="0"/>
+              <a:rPr lang="en-US" b="1" dirty="0"/>
               <a:t>[Iterator[T]]</a:t>
             </a:r>
           </a:p>
@@ -12630,7 +12735,7 @@
         <p:spPr>
           <a:xfrm>
             <a:off x="793821" y="3057620"/>
-            <a:ext cx="11183814" cy="1889090"/>
+            <a:ext cx="11183814" cy="1407314"/>
           </a:xfrm>
           <a:prstGeom prst="roundRect">
             <a:avLst/>
@@ -12657,7 +12762,6 @@
           <a:bodyPr rtlCol="0" anchor="ctr"/>
           <a:lstStyle/>
           <a:p>
-            <a:pPr algn="ctr"/>
             <a:r>
               <a:rPr lang="en-US" sz="3000" dirty="0" smtClean="0">
                 <a:solidFill>
@@ -12790,7 +12894,19 @@
           <a:lstStyle/>
           <a:p>
             <a:pPr algn="ctr"/>
-            <a:endParaRPr lang="ru-RU"/>
+            <a:r>
+              <a:rPr lang="en-US" dirty="0" smtClean="0"/>
+              <a:t>Part-</a:t>
+            </a:r>
+            <a:r>
+              <a:rPr lang="ru-RU" dirty="0" smtClean="0"/>
+              <a:t>0000</a:t>
+            </a:r>
+            <a:r>
+              <a:rPr lang="en-US" dirty="0" smtClean="0"/>
+              <a:t>0</a:t>
+            </a:r>
+            <a:endParaRPr lang="ru-RU" dirty="0"/>
           </a:p>
         </p:txBody>
       </p:sp>
@@ -12830,7 +12946,19 @@
           <a:lstStyle/>
           <a:p>
             <a:pPr algn="ctr"/>
-            <a:endParaRPr lang="ru-RU"/>
+            <a:r>
+              <a:rPr lang="en-US" dirty="0" smtClean="0"/>
+              <a:t>Part-</a:t>
+            </a:r>
+            <a:r>
+              <a:rPr lang="ru-RU" dirty="0" smtClean="0"/>
+              <a:t>0000</a:t>
+            </a:r>
+            <a:r>
+              <a:rPr lang="en-US" dirty="0" smtClean="0"/>
+              <a:t>1</a:t>
+            </a:r>
+            <a:endParaRPr lang="ru-RU" dirty="0"/>
           </a:p>
         </p:txBody>
       </p:sp>
@@ -12870,7 +12998,19 @@
           <a:lstStyle/>
           <a:p>
             <a:pPr algn="ctr"/>
-            <a:endParaRPr lang="ru-RU"/>
+            <a:r>
+              <a:rPr lang="en-US" dirty="0" smtClean="0"/>
+              <a:t>Part-</a:t>
+            </a:r>
+            <a:r>
+              <a:rPr lang="ru-RU" dirty="0" smtClean="0"/>
+              <a:t>0000</a:t>
+            </a:r>
+            <a:r>
+              <a:rPr lang="en-US" dirty="0" smtClean="0"/>
+              <a:t>2</a:t>
+            </a:r>
+            <a:endParaRPr lang="ru-RU" dirty="0"/>
           </a:p>
         </p:txBody>
       </p:sp>
@@ -13288,6 +13428,185 @@
           </a:fontRef>
         </p:style>
       </p:cxnSp>
+      <p:sp>
+        <p:nvSpPr>
+          <p:cNvPr id="26" name="TextBox 25"/>
+          <p:cNvSpPr txBox="1"/>
+          <p:nvPr/>
+        </p:nvSpPr>
+        <p:spPr>
+          <a:xfrm>
+            <a:off x="1173094" y="3124588"/>
+            <a:ext cx="750590" cy="369332"/>
+          </a:xfrm>
+          <a:prstGeom prst="rect">
+            <a:avLst/>
+          </a:prstGeom>
+          <a:noFill/>
+        </p:spPr>
+        <p:txBody>
+          <a:bodyPr wrap="none" rtlCol="0">
+            <a:spAutoFit/>
+          </a:bodyPr>
+          <a:lstStyle/>
+          <a:p>
+            <a:r>
+              <a:rPr lang="en-US" dirty="0" err="1"/>
+              <a:t>r</a:t>
+            </a:r>
+            <a:r>
+              <a:rPr lang="en-US" dirty="0" err="1" smtClean="0"/>
+              <a:t>dd</a:t>
+            </a:r>
+            <a:r>
+              <a:rPr lang="en-US" dirty="0" smtClean="0"/>
+              <a:t>-id</a:t>
+            </a:r>
+            <a:endParaRPr lang="ru-RU" dirty="0"/>
+          </a:p>
+        </p:txBody>
+      </p:sp>
+      <p:sp>
+        <p:nvSpPr>
+          <p:cNvPr id="3" name="Скругленный прямоугольник 2"/>
+          <p:cNvSpPr/>
+          <p:nvPr/>
+        </p:nvSpPr>
+        <p:spPr>
+          <a:xfrm>
+            <a:off x="793821" y="4691634"/>
+            <a:ext cx="11083331" cy="1576396"/>
+          </a:xfrm>
+          <a:prstGeom prst="roundRect">
+            <a:avLst/>
+          </a:prstGeom>
+          <a:noFill/>
+        </p:spPr>
+        <p:style>
+          <a:lnRef idx="2">
+            <a:schemeClr val="accent1">
+              <a:shade val="50000"/>
+            </a:schemeClr>
+          </a:lnRef>
+          <a:fillRef idx="1">
+            <a:schemeClr val="accent1"/>
+          </a:fillRef>
+          <a:effectRef idx="0">
+            <a:schemeClr val="accent1"/>
+          </a:effectRef>
+          <a:fontRef idx="minor">
+            <a:schemeClr val="lt1"/>
+          </a:fontRef>
+        </p:style>
+        <p:txBody>
+          <a:bodyPr rtlCol="0" anchor="ctr"/>
+          <a:lstStyle/>
+          <a:p>
+            <a:pPr algn="ctr"/>
+            <a:endParaRPr lang="ru-RU"/>
+          </a:p>
+        </p:txBody>
+      </p:sp>
+      <p:sp>
+        <p:nvSpPr>
+          <p:cNvPr id="9" name="Прямоугольник 8"/>
+          <p:cNvSpPr/>
+          <p:nvPr/>
+        </p:nvSpPr>
+        <p:spPr>
+          <a:xfrm>
+            <a:off x="4933742" y="4745085"/>
+            <a:ext cx="2843230" cy="400110"/>
+          </a:xfrm>
+          <a:prstGeom prst="rect">
+            <a:avLst/>
+          </a:prstGeom>
+        </p:spPr>
+        <p:txBody>
+          <a:bodyPr wrap="square">
+            <a:spAutoFit/>
+          </a:bodyPr>
+          <a:lstStyle/>
+          <a:p>
+            <a:r>
+              <a:rPr lang="en-US" sz="2000" dirty="0" err="1"/>
+              <a:t>ReliableCheckpointRDD</a:t>
+            </a:r>
+            <a:endParaRPr lang="ru-RU" sz="2000" dirty="0"/>
+          </a:p>
+        </p:txBody>
+      </p:sp>
+      <p:sp>
+        <p:nvSpPr>
+          <p:cNvPr id="27" name="Скругленный прямоугольник 26"/>
+          <p:cNvSpPr/>
+          <p:nvPr/>
+        </p:nvSpPr>
+        <p:spPr>
+          <a:xfrm>
+            <a:off x="855787" y="1226622"/>
+            <a:ext cx="11083331" cy="1576396"/>
+          </a:xfrm>
+          <a:prstGeom prst="roundRect">
+            <a:avLst/>
+          </a:prstGeom>
+          <a:noFill/>
+        </p:spPr>
+        <p:style>
+          <a:lnRef idx="2">
+            <a:schemeClr val="accent1">
+              <a:shade val="50000"/>
+            </a:schemeClr>
+          </a:lnRef>
+          <a:fillRef idx="1">
+            <a:schemeClr val="accent1"/>
+          </a:fillRef>
+          <a:effectRef idx="0">
+            <a:schemeClr val="accent1"/>
+          </a:effectRef>
+          <a:fontRef idx="minor">
+            <a:schemeClr val="lt1"/>
+          </a:fontRef>
+        </p:style>
+        <p:txBody>
+          <a:bodyPr rtlCol="0" anchor="ctr"/>
+          <a:lstStyle/>
+          <a:p>
+            <a:pPr algn="ctr"/>
+            <a:endParaRPr lang="ru-RU"/>
+          </a:p>
+        </p:txBody>
+      </p:sp>
+      <p:sp>
+        <p:nvSpPr>
+          <p:cNvPr id="29" name="Прямоугольник 28"/>
+          <p:cNvSpPr/>
+          <p:nvPr/>
+        </p:nvSpPr>
+        <p:spPr>
+          <a:xfrm>
+            <a:off x="4955515" y="1179593"/>
+            <a:ext cx="2843230" cy="400110"/>
+          </a:xfrm>
+          <a:prstGeom prst="rect">
+            <a:avLst/>
+          </a:prstGeom>
+        </p:spPr>
+        <p:txBody>
+          <a:bodyPr wrap="square">
+            <a:spAutoFit/>
+          </a:bodyPr>
+          <a:lstStyle/>
+          <a:p>
+            <a:pPr algn="ctr"/>
+            <a:r>
+              <a:rPr lang="en-US" sz="2000" dirty="0" err="1" smtClean="0"/>
+              <a:t>OriginalRDD</a:t>
+            </a:r>
+            <a:endParaRPr lang="ru-RU" sz="2000" dirty="0"/>
+          </a:p>
+        </p:txBody>
+      </p:sp>
     </p:spTree>
     <p:extLst>
       <p:ext uri="{BB962C8B-B14F-4D97-AF65-F5344CB8AC3E}">
@@ -13384,7 +13703,9 @@
             <a:endParaRPr lang="en-US" dirty="0" smtClean="0"/>
           </a:p>
           <a:p>
-            <a:pPr lvl="1"/>
+            <a:pPr marL="457200" lvl="1" indent="0">
+              <a:buNone/>
+            </a:pPr>
             <a:r>
               <a:rPr lang="en-US" sz="2000" dirty="0"/>
               <a:t> override </a:t>
@@ -13415,7 +13736,9 @@
             </a:r>
           </a:p>
           <a:p>
-            <a:pPr lvl="1"/>
+            <a:pPr marL="457200" lvl="1" indent="0">
+              <a:buNone/>
+            </a:pPr>
             <a:r>
               <a:rPr lang="en-US" sz="2000" dirty="0"/>
               <a:t>    </a:t>
@@ -13454,7 +13777,9 @@
             </a:r>
           </a:p>
           <a:p>
-            <a:pPr lvl="1"/>
+            <a:pPr marL="457200" lvl="1" indent="0">
+              <a:buNone/>
+            </a:pPr>
             <a:r>
               <a:rPr lang="en-US" sz="2000" dirty="0"/>
               <a:t>    </a:t>
@@ -13477,7 +13802,9 @@
             </a:r>
           </a:p>
           <a:p>
-            <a:pPr lvl="1"/>
+            <a:pPr marL="457200" lvl="1" indent="0">
+              <a:buNone/>
+            </a:pPr>
             <a:r>
               <a:rPr lang="en-US" sz="2000" dirty="0"/>
               <a:t>  }</a:t>
@@ -14206,7 +14533,19 @@
           <a:lstStyle/>
           <a:p>
             <a:pPr algn="ctr"/>
-            <a:endParaRPr lang="ru-RU"/>
+            <a:r>
+              <a:rPr lang="en-US" dirty="0" smtClean="0"/>
+              <a:t>Part-</a:t>
+            </a:r>
+            <a:r>
+              <a:rPr lang="ru-RU" dirty="0" smtClean="0"/>
+              <a:t>0000</a:t>
+            </a:r>
+            <a:r>
+              <a:rPr lang="en-US" dirty="0" smtClean="0"/>
+              <a:t>0</a:t>
+            </a:r>
+            <a:endParaRPr lang="ru-RU" dirty="0"/>
           </a:p>
         </p:txBody>
       </p:sp>
@@ -14246,7 +14585,19 @@
           <a:lstStyle/>
           <a:p>
             <a:pPr algn="ctr"/>
-            <a:endParaRPr lang="ru-RU"/>
+            <a:r>
+              <a:rPr lang="en-US" dirty="0" smtClean="0"/>
+              <a:t>Part-</a:t>
+            </a:r>
+            <a:r>
+              <a:rPr lang="ru-RU" dirty="0" smtClean="0"/>
+              <a:t>0000</a:t>
+            </a:r>
+            <a:r>
+              <a:rPr lang="en-US" dirty="0" smtClean="0"/>
+              <a:t>1</a:t>
+            </a:r>
+            <a:endParaRPr lang="ru-RU" dirty="0"/>
           </a:p>
         </p:txBody>
       </p:sp>
@@ -14286,7 +14637,19 @@
           <a:lstStyle/>
           <a:p>
             <a:pPr algn="ctr"/>
-            <a:endParaRPr lang="ru-RU"/>
+            <a:r>
+              <a:rPr lang="en-US" dirty="0" smtClean="0"/>
+              <a:t>Part-</a:t>
+            </a:r>
+            <a:r>
+              <a:rPr lang="ru-RU" dirty="0" smtClean="0"/>
+              <a:t>0000</a:t>
+            </a:r>
+            <a:r>
+              <a:rPr lang="en-US" dirty="0" smtClean="0"/>
+              <a:t>2</a:t>
+            </a:r>
+            <a:endParaRPr lang="ru-RU" dirty="0"/>
           </a:p>
         </p:txBody>
       </p:sp>

--- a/Spark_checkpoint.pptx
+++ b/Spark_checkpoint.pptx
@@ -14,7 +14,7 @@
     <p:sldId id="322" r:id="rId5"/>
     <p:sldId id="321" r:id="rId6"/>
     <p:sldId id="324" r:id="rId7"/>
-    <p:sldId id="326" r:id="rId8"/>
+    <p:sldId id="327" r:id="rId8"/>
     <p:sldId id="303" r:id="rId9"/>
     <p:sldId id="304" r:id="rId10"/>
     <p:sldId id="305" r:id="rId11"/>
@@ -14373,7 +14373,7 @@
         <p:spPr>
           <a:xfrm>
             <a:off x="793821" y="3057620"/>
-            <a:ext cx="11183814" cy="1889090"/>
+            <a:ext cx="11183814" cy="1407314"/>
           </a:xfrm>
           <a:prstGeom prst="roundRect">
             <a:avLst/>
@@ -14400,7 +14400,6 @@
           <a:bodyPr rtlCol="0" anchor="ctr"/>
           <a:lstStyle/>
           <a:p>
-            <a:pPr algn="ctr"/>
             <a:r>
               <a:rPr lang="en-US" sz="3000" dirty="0" smtClean="0">
                 <a:solidFill>
@@ -15067,10 +15066,189 @@
           </a:fontRef>
         </p:style>
       </p:cxnSp>
+      <p:sp>
+        <p:nvSpPr>
+          <p:cNvPr id="26" name="TextBox 25"/>
+          <p:cNvSpPr txBox="1"/>
+          <p:nvPr/>
+        </p:nvSpPr>
+        <p:spPr>
+          <a:xfrm>
+            <a:off x="1173094" y="3124588"/>
+            <a:ext cx="750590" cy="369332"/>
+          </a:xfrm>
+          <a:prstGeom prst="rect">
+            <a:avLst/>
+          </a:prstGeom>
+          <a:noFill/>
+        </p:spPr>
+        <p:txBody>
+          <a:bodyPr wrap="none" rtlCol="0">
+            <a:spAutoFit/>
+          </a:bodyPr>
+          <a:lstStyle/>
+          <a:p>
+            <a:r>
+              <a:rPr lang="en-US" dirty="0" err="1"/>
+              <a:t>r</a:t>
+            </a:r>
+            <a:r>
+              <a:rPr lang="en-US" dirty="0" err="1" smtClean="0"/>
+              <a:t>dd</a:t>
+            </a:r>
+            <a:r>
+              <a:rPr lang="en-US" dirty="0" smtClean="0"/>
+              <a:t>-id</a:t>
+            </a:r>
+            <a:endParaRPr lang="ru-RU" dirty="0"/>
+          </a:p>
+        </p:txBody>
+      </p:sp>
+      <p:sp>
+        <p:nvSpPr>
+          <p:cNvPr id="3" name="Скругленный прямоугольник 2"/>
+          <p:cNvSpPr/>
+          <p:nvPr/>
+        </p:nvSpPr>
+        <p:spPr>
+          <a:xfrm>
+            <a:off x="793821" y="4691634"/>
+            <a:ext cx="11083331" cy="1576396"/>
+          </a:xfrm>
+          <a:prstGeom prst="roundRect">
+            <a:avLst/>
+          </a:prstGeom>
+          <a:noFill/>
+        </p:spPr>
+        <p:style>
+          <a:lnRef idx="2">
+            <a:schemeClr val="accent1">
+              <a:shade val="50000"/>
+            </a:schemeClr>
+          </a:lnRef>
+          <a:fillRef idx="1">
+            <a:schemeClr val="accent1"/>
+          </a:fillRef>
+          <a:effectRef idx="0">
+            <a:schemeClr val="accent1"/>
+          </a:effectRef>
+          <a:fontRef idx="minor">
+            <a:schemeClr val="lt1"/>
+          </a:fontRef>
+        </p:style>
+        <p:txBody>
+          <a:bodyPr rtlCol="0" anchor="ctr"/>
+          <a:lstStyle/>
+          <a:p>
+            <a:pPr algn="ctr"/>
+            <a:endParaRPr lang="ru-RU"/>
+          </a:p>
+        </p:txBody>
+      </p:sp>
+      <p:sp>
+        <p:nvSpPr>
+          <p:cNvPr id="9" name="Прямоугольник 8"/>
+          <p:cNvSpPr/>
+          <p:nvPr/>
+        </p:nvSpPr>
+        <p:spPr>
+          <a:xfrm>
+            <a:off x="4933742" y="4745085"/>
+            <a:ext cx="2843230" cy="400110"/>
+          </a:xfrm>
+          <a:prstGeom prst="rect">
+            <a:avLst/>
+          </a:prstGeom>
+        </p:spPr>
+        <p:txBody>
+          <a:bodyPr wrap="square">
+            <a:spAutoFit/>
+          </a:bodyPr>
+          <a:lstStyle/>
+          <a:p>
+            <a:r>
+              <a:rPr lang="en-US" sz="2000" dirty="0" err="1"/>
+              <a:t>ReliableCheckpointRDD</a:t>
+            </a:r>
+            <a:endParaRPr lang="ru-RU" sz="2000" dirty="0"/>
+          </a:p>
+        </p:txBody>
+      </p:sp>
+      <p:sp>
+        <p:nvSpPr>
+          <p:cNvPr id="27" name="Скругленный прямоугольник 26"/>
+          <p:cNvSpPr/>
+          <p:nvPr/>
+        </p:nvSpPr>
+        <p:spPr>
+          <a:xfrm>
+            <a:off x="855787" y="1226622"/>
+            <a:ext cx="11083331" cy="1576396"/>
+          </a:xfrm>
+          <a:prstGeom prst="roundRect">
+            <a:avLst/>
+          </a:prstGeom>
+          <a:noFill/>
+        </p:spPr>
+        <p:style>
+          <a:lnRef idx="2">
+            <a:schemeClr val="accent1">
+              <a:shade val="50000"/>
+            </a:schemeClr>
+          </a:lnRef>
+          <a:fillRef idx="1">
+            <a:schemeClr val="accent1"/>
+          </a:fillRef>
+          <a:effectRef idx="0">
+            <a:schemeClr val="accent1"/>
+          </a:effectRef>
+          <a:fontRef idx="minor">
+            <a:schemeClr val="lt1"/>
+          </a:fontRef>
+        </p:style>
+        <p:txBody>
+          <a:bodyPr rtlCol="0" anchor="ctr"/>
+          <a:lstStyle/>
+          <a:p>
+            <a:pPr algn="ctr"/>
+            <a:endParaRPr lang="ru-RU"/>
+          </a:p>
+        </p:txBody>
+      </p:sp>
+      <p:sp>
+        <p:nvSpPr>
+          <p:cNvPr id="29" name="Прямоугольник 28"/>
+          <p:cNvSpPr/>
+          <p:nvPr/>
+        </p:nvSpPr>
+        <p:spPr>
+          <a:xfrm>
+            <a:off x="4955515" y="1179593"/>
+            <a:ext cx="2843230" cy="400110"/>
+          </a:xfrm>
+          <a:prstGeom prst="rect">
+            <a:avLst/>
+          </a:prstGeom>
+        </p:spPr>
+        <p:txBody>
+          <a:bodyPr wrap="square">
+            <a:spAutoFit/>
+          </a:bodyPr>
+          <a:lstStyle/>
+          <a:p>
+            <a:pPr algn="ctr"/>
+            <a:r>
+              <a:rPr lang="en-US" sz="2000" dirty="0" err="1" smtClean="0"/>
+              <a:t>OriginalRDD</a:t>
+            </a:r>
+            <a:endParaRPr lang="ru-RU" sz="2000" dirty="0"/>
+          </a:p>
+        </p:txBody>
+      </p:sp>
     </p:spTree>
     <p:extLst>
       <p:ext uri="{BB962C8B-B14F-4D97-AF65-F5344CB8AC3E}">
-        <p14:creationId xmlns:p14="http://schemas.microsoft.com/office/powerpoint/2010/main" val="528011132"/>
+        <p14:creationId xmlns:p14="http://schemas.microsoft.com/office/powerpoint/2010/main" val="3920353131"/>
       </p:ext>
     </p:extLst>
   </p:cSld>
